--- a/presentation.pptx
+++ b/presentation.pptx
@@ -2,7 +2,7 @@
 <file path=ppt/presentation.xml><?xml version="1.0" encoding="utf-8"?>
 <p:presentation xmlns:a="http://schemas.openxmlformats.org/drawingml/2006/main" xmlns:r="http://schemas.openxmlformats.org/officeDocument/2006/relationships" xmlns:p="http://schemas.openxmlformats.org/presentationml/2006/main" saveSubsetFonts="1">
   <p:sldMasterIdLst>
-    <p:sldMasterId id="2147483730" r:id="rId1"/>
+    <p:sldMasterId id="2147483771" r:id="rId1"/>
   </p:sldMasterIdLst>
   <p:sldIdLst>
     <p:sldId id="256" r:id="rId2"/>
@@ -114,13 +114,18 @@
       </a:defRPr>
     </a:lvl9pPr>
   </p:defaultTextStyle>
+  <p:extLst>
+    <p:ext uri="{EFAFB233-063F-42B5-8137-9DF3F51BA10A}">
+      <p15:sldGuideLst xmlns:p15="http://schemas.microsoft.com/office/powerpoint/2012/main"/>
+    </p:ext>
+  </p:extLst>
 </p:presentation>
 </file>
 
 <file path=ppt/revisionInfo.xml><?xml version="1.0" encoding="utf-8"?>
 <p1510:revInfo xmlns:a="http://schemas.openxmlformats.org/drawingml/2006/main" xmlns:r="http://schemas.openxmlformats.org/officeDocument/2006/relationships" xmlns:p1510="http://schemas.microsoft.com/office/powerpoint/2015/10/main">
   <p1510:revLst>
-    <p1510:client id="{B48A09C0-C833-4930-A067-92C227C2CE23}" v="8" dt="2024-09-07T19:15:28.503"/>
+    <p1510:client id="{B48A09C0-C833-4930-A067-92C227C2CE23}" v="12" dt="2024-09-08T19:49:30.280"/>
   </p1510:revLst>
 </p1510:revInfo>
 </file>
@@ -130,18 +135,18 @@
   <pc:docChgLst>
     <pc:chgData name="mercy ayub" userId="8c1eda65d6d00475" providerId="LiveId" clId="{B48A09C0-C833-4930-A067-92C227C2CE23}"/>
     <pc:docChg chg="undo custSel modSld">
-      <pc:chgData name="mercy ayub" userId="8c1eda65d6d00475" providerId="LiveId" clId="{B48A09C0-C833-4930-A067-92C227C2CE23}" dt="2024-09-07T19:15:44.955" v="25" actId="403"/>
+      <pc:chgData name="mercy ayub" userId="8c1eda65d6d00475" providerId="LiveId" clId="{B48A09C0-C833-4930-A067-92C227C2CE23}" dt="2024-09-08T19:48:36.401" v="315"/>
       <pc:docMkLst>
         <pc:docMk/>
       </pc:docMkLst>
-      <pc:sldChg chg="modSp">
-        <pc:chgData name="mercy ayub" userId="8c1eda65d6d00475" providerId="LiveId" clId="{B48A09C0-C833-4930-A067-92C227C2CE23}" dt="2024-09-07T19:15:10.279" v="17"/>
+      <pc:sldChg chg="modSp mod">
+        <pc:chgData name="mercy ayub" userId="8c1eda65d6d00475" providerId="LiveId" clId="{B48A09C0-C833-4930-A067-92C227C2CE23}" dt="2024-09-08T19:48:36.401" v="315"/>
         <pc:sldMkLst>
           <pc:docMk/>
           <pc:sldMk cId="3596656068" sldId="256"/>
         </pc:sldMkLst>
         <pc:spChg chg="mod">
-          <ac:chgData name="mercy ayub" userId="8c1eda65d6d00475" providerId="LiveId" clId="{B48A09C0-C833-4930-A067-92C227C2CE23}" dt="2024-09-07T19:15:10.279" v="17"/>
+          <ac:chgData name="mercy ayub" userId="8c1eda65d6d00475" providerId="LiveId" clId="{B48A09C0-C833-4930-A067-92C227C2CE23}" dt="2024-09-08T19:48:36.401" v="315"/>
           <ac:spMkLst>
             <pc:docMk/>
             <pc:sldMk cId="3596656068" sldId="256"/>
@@ -149,7 +154,7 @@
           </ac:spMkLst>
         </pc:spChg>
         <pc:spChg chg="mod">
-          <ac:chgData name="mercy ayub" userId="8c1eda65d6d00475" providerId="LiveId" clId="{B48A09C0-C833-4930-A067-92C227C2CE23}" dt="2024-09-07T19:15:10.279" v="17"/>
+          <ac:chgData name="mercy ayub" userId="8c1eda65d6d00475" providerId="LiveId" clId="{B48A09C0-C833-4930-A067-92C227C2CE23}" dt="2024-09-08T19:48:36.401" v="315"/>
           <ac:spMkLst>
             <pc:docMk/>
             <pc:sldMk cId="3596656068" sldId="256"/>
@@ -158,13 +163,13 @@
         </pc:spChg>
       </pc:sldChg>
       <pc:sldChg chg="modSp mod">
-        <pc:chgData name="mercy ayub" userId="8c1eda65d6d00475" providerId="LiveId" clId="{B48A09C0-C833-4930-A067-92C227C2CE23}" dt="2024-09-07T19:15:10.651" v="18" actId="27636"/>
+        <pc:chgData name="mercy ayub" userId="8c1eda65d6d00475" providerId="LiveId" clId="{B48A09C0-C833-4930-A067-92C227C2CE23}" dt="2024-09-08T19:48:36.401" v="315"/>
         <pc:sldMkLst>
           <pc:docMk/>
           <pc:sldMk cId="3675454072" sldId="257"/>
         </pc:sldMkLst>
         <pc:spChg chg="mod">
-          <ac:chgData name="mercy ayub" userId="8c1eda65d6d00475" providerId="LiveId" clId="{B48A09C0-C833-4930-A067-92C227C2CE23}" dt="2024-09-07T19:15:10.279" v="17"/>
+          <ac:chgData name="mercy ayub" userId="8c1eda65d6d00475" providerId="LiveId" clId="{B48A09C0-C833-4930-A067-92C227C2CE23}" dt="2024-09-08T19:48:36.401" v="315"/>
           <ac:spMkLst>
             <pc:docMk/>
             <pc:sldMk cId="3675454072" sldId="257"/>
@@ -172,7 +177,7 @@
           </ac:spMkLst>
         </pc:spChg>
         <pc:spChg chg="mod">
-          <ac:chgData name="mercy ayub" userId="8c1eda65d6d00475" providerId="LiveId" clId="{B48A09C0-C833-4930-A067-92C227C2CE23}" dt="2024-09-07T19:15:10.651" v="18" actId="27636"/>
+          <ac:chgData name="mercy ayub" userId="8c1eda65d6d00475" providerId="LiveId" clId="{B48A09C0-C833-4930-A067-92C227C2CE23}" dt="2024-09-08T19:48:36.401" v="315"/>
           <ac:spMkLst>
             <pc:docMk/>
             <pc:sldMk cId="3675454072" sldId="257"/>
@@ -203,14 +208,29 @@
           </ac:spMkLst>
         </pc:spChg>
       </pc:sldChg>
+      <pc:sldChg chg="modSp mod">
+        <pc:chgData name="mercy ayub" userId="8c1eda65d6d00475" providerId="LiveId" clId="{B48A09C0-C833-4930-A067-92C227C2CE23}" dt="2024-09-08T19:48:12.390" v="313" actId="27636"/>
+        <pc:sldMkLst>
+          <pc:docMk/>
+          <pc:sldMk cId="4290028910" sldId="259"/>
+        </pc:sldMkLst>
+        <pc:spChg chg="mod">
+          <ac:chgData name="mercy ayub" userId="8c1eda65d6d00475" providerId="LiveId" clId="{B48A09C0-C833-4930-A067-92C227C2CE23}" dt="2024-09-08T19:48:12.390" v="313" actId="27636"/>
+          <ac:spMkLst>
+            <pc:docMk/>
+            <pc:sldMk cId="4290028910" sldId="259"/>
+            <ac:spMk id="3" creationId="{ADCFEB11-D1D0-998E-955A-77F4E7DC9BF8}"/>
+          </ac:spMkLst>
+        </pc:spChg>
+      </pc:sldChg>
       <pc:sldChg chg="modSp">
-        <pc:chgData name="mercy ayub" userId="8c1eda65d6d00475" providerId="LiveId" clId="{B48A09C0-C833-4930-A067-92C227C2CE23}" dt="2024-09-07T19:15:10.279" v="17"/>
+        <pc:chgData name="mercy ayub" userId="8c1eda65d6d00475" providerId="LiveId" clId="{B48A09C0-C833-4930-A067-92C227C2CE23}" dt="2024-09-08T19:48:36.401" v="315"/>
         <pc:sldMkLst>
           <pc:docMk/>
           <pc:sldMk cId="2695874041" sldId="260"/>
         </pc:sldMkLst>
         <pc:spChg chg="mod">
-          <ac:chgData name="mercy ayub" userId="8c1eda65d6d00475" providerId="LiveId" clId="{B48A09C0-C833-4930-A067-92C227C2CE23}" dt="2024-09-07T19:15:10.279" v="17"/>
+          <ac:chgData name="mercy ayub" userId="8c1eda65d6d00475" providerId="LiveId" clId="{B48A09C0-C833-4930-A067-92C227C2CE23}" dt="2024-09-08T19:48:36.401" v="315"/>
           <ac:spMkLst>
             <pc:docMk/>
             <pc:sldMk cId="2695874041" sldId="260"/>
@@ -218,7 +238,7 @@
           </ac:spMkLst>
         </pc:spChg>
         <pc:spChg chg="mod">
-          <ac:chgData name="mercy ayub" userId="8c1eda65d6d00475" providerId="LiveId" clId="{B48A09C0-C833-4930-A067-92C227C2CE23}" dt="2024-09-07T19:15:10.279" v="17"/>
+          <ac:chgData name="mercy ayub" userId="8c1eda65d6d00475" providerId="LiveId" clId="{B48A09C0-C833-4930-A067-92C227C2CE23}" dt="2024-09-08T19:48:36.401" v="315"/>
           <ac:spMkLst>
             <pc:docMk/>
             <pc:sldMk cId="2695874041" sldId="260"/>
@@ -226,14 +246,14 @@
           </ac:spMkLst>
         </pc:spChg>
       </pc:sldChg>
-      <pc:sldChg chg="modSp">
-        <pc:chgData name="mercy ayub" userId="8c1eda65d6d00475" providerId="LiveId" clId="{B48A09C0-C833-4930-A067-92C227C2CE23}" dt="2024-09-07T19:15:10.279" v="17"/>
+      <pc:sldChg chg="modSp mod">
+        <pc:chgData name="mercy ayub" userId="8c1eda65d6d00475" providerId="LiveId" clId="{B48A09C0-C833-4930-A067-92C227C2CE23}" dt="2024-09-08T19:48:36.401" v="315"/>
         <pc:sldMkLst>
           <pc:docMk/>
           <pc:sldMk cId="2977747662" sldId="261"/>
         </pc:sldMkLst>
         <pc:spChg chg="mod">
-          <ac:chgData name="mercy ayub" userId="8c1eda65d6d00475" providerId="LiveId" clId="{B48A09C0-C833-4930-A067-92C227C2CE23}" dt="2024-09-07T19:15:10.279" v="17"/>
+          <ac:chgData name="mercy ayub" userId="8c1eda65d6d00475" providerId="LiveId" clId="{B48A09C0-C833-4930-A067-92C227C2CE23}" dt="2024-09-08T19:48:36.401" v="315"/>
           <ac:spMkLst>
             <pc:docMk/>
             <pc:sldMk cId="2977747662" sldId="261"/>
@@ -241,7 +261,7 @@
           </ac:spMkLst>
         </pc:spChg>
         <pc:spChg chg="mod">
-          <ac:chgData name="mercy ayub" userId="8c1eda65d6d00475" providerId="LiveId" clId="{B48A09C0-C833-4930-A067-92C227C2CE23}" dt="2024-09-07T19:15:10.279" v="17"/>
+          <ac:chgData name="mercy ayub" userId="8c1eda65d6d00475" providerId="LiveId" clId="{B48A09C0-C833-4930-A067-92C227C2CE23}" dt="2024-09-08T19:44:44.551" v="304" actId="14100"/>
           <ac:spMkLst>
             <pc:docMk/>
             <pc:sldMk cId="2977747662" sldId="261"/>
@@ -250,13 +270,13 @@
         </pc:spChg>
       </pc:sldChg>
       <pc:sldChg chg="modSp">
-        <pc:chgData name="mercy ayub" userId="8c1eda65d6d00475" providerId="LiveId" clId="{B48A09C0-C833-4930-A067-92C227C2CE23}" dt="2024-09-07T19:15:10.279" v="17"/>
+        <pc:chgData name="mercy ayub" userId="8c1eda65d6d00475" providerId="LiveId" clId="{B48A09C0-C833-4930-A067-92C227C2CE23}" dt="2024-09-08T19:48:36.401" v="315"/>
         <pc:sldMkLst>
           <pc:docMk/>
           <pc:sldMk cId="2553832427" sldId="262"/>
         </pc:sldMkLst>
         <pc:spChg chg="mod">
-          <ac:chgData name="mercy ayub" userId="8c1eda65d6d00475" providerId="LiveId" clId="{B48A09C0-C833-4930-A067-92C227C2CE23}" dt="2024-09-07T19:15:10.279" v="17"/>
+          <ac:chgData name="mercy ayub" userId="8c1eda65d6d00475" providerId="LiveId" clId="{B48A09C0-C833-4930-A067-92C227C2CE23}" dt="2024-09-08T19:48:36.401" v="315"/>
           <ac:spMkLst>
             <pc:docMk/>
             <pc:sldMk cId="2553832427" sldId="262"/>
@@ -264,7 +284,7 @@
           </ac:spMkLst>
         </pc:spChg>
         <pc:spChg chg="mod">
-          <ac:chgData name="mercy ayub" userId="8c1eda65d6d00475" providerId="LiveId" clId="{B48A09C0-C833-4930-A067-92C227C2CE23}" dt="2024-09-07T19:15:10.279" v="17"/>
+          <ac:chgData name="mercy ayub" userId="8c1eda65d6d00475" providerId="LiveId" clId="{B48A09C0-C833-4930-A067-92C227C2CE23}" dt="2024-09-08T19:48:36.401" v="315"/>
           <ac:spMkLst>
             <pc:docMk/>
             <pc:sldMk cId="2553832427" sldId="262"/>
@@ -272,14 +292,14 @@
           </ac:spMkLst>
         </pc:spChg>
       </pc:sldChg>
-      <pc:sldChg chg="modSp">
-        <pc:chgData name="mercy ayub" userId="8c1eda65d6d00475" providerId="LiveId" clId="{B48A09C0-C833-4930-A067-92C227C2CE23}" dt="2024-09-07T19:15:10.279" v="17"/>
+      <pc:sldChg chg="modSp mod">
+        <pc:chgData name="mercy ayub" userId="8c1eda65d6d00475" providerId="LiveId" clId="{B48A09C0-C833-4930-A067-92C227C2CE23}" dt="2024-09-08T19:48:12.406" v="314" actId="27636"/>
         <pc:sldMkLst>
           <pc:docMk/>
           <pc:sldMk cId="1168326463" sldId="263"/>
         </pc:sldMkLst>
         <pc:spChg chg="mod">
-          <ac:chgData name="mercy ayub" userId="8c1eda65d6d00475" providerId="LiveId" clId="{B48A09C0-C833-4930-A067-92C227C2CE23}" dt="2024-09-07T19:15:10.279" v="17"/>
+          <ac:chgData name="mercy ayub" userId="8c1eda65d6d00475" providerId="LiveId" clId="{B48A09C0-C833-4930-A067-92C227C2CE23}" dt="2024-09-08T19:48:12.406" v="314" actId="27636"/>
           <ac:spMkLst>
             <pc:docMk/>
             <pc:sldMk cId="1168326463" sldId="263"/>
@@ -287,7 +307,7 @@
           </ac:spMkLst>
         </pc:spChg>
         <pc:spChg chg="mod">
-          <ac:chgData name="mercy ayub" userId="8c1eda65d6d00475" providerId="LiveId" clId="{B48A09C0-C833-4930-A067-92C227C2CE23}" dt="2024-09-07T19:15:10.279" v="17"/>
+          <ac:chgData name="mercy ayub" userId="8c1eda65d6d00475" providerId="LiveId" clId="{B48A09C0-C833-4930-A067-92C227C2CE23}" dt="2024-09-08T19:47:11.736" v="311" actId="1076"/>
           <ac:spMkLst>
             <pc:docMk/>
             <pc:sldMk cId="1168326463" sldId="263"/>
@@ -296,13 +316,13 @@
         </pc:spChg>
       </pc:sldChg>
       <pc:sldChg chg="modSp">
-        <pc:chgData name="mercy ayub" userId="8c1eda65d6d00475" providerId="LiveId" clId="{B48A09C0-C833-4930-A067-92C227C2CE23}" dt="2024-09-07T19:15:10.279" v="17"/>
+        <pc:chgData name="mercy ayub" userId="8c1eda65d6d00475" providerId="LiveId" clId="{B48A09C0-C833-4930-A067-92C227C2CE23}" dt="2024-09-08T19:48:36.401" v="315"/>
         <pc:sldMkLst>
           <pc:docMk/>
           <pc:sldMk cId="1544572754" sldId="264"/>
         </pc:sldMkLst>
         <pc:spChg chg="mod">
-          <ac:chgData name="mercy ayub" userId="8c1eda65d6d00475" providerId="LiveId" clId="{B48A09C0-C833-4930-A067-92C227C2CE23}" dt="2024-09-07T19:15:10.279" v="17"/>
+          <ac:chgData name="mercy ayub" userId="8c1eda65d6d00475" providerId="LiveId" clId="{B48A09C0-C833-4930-A067-92C227C2CE23}" dt="2024-09-08T19:48:36.401" v="315"/>
           <ac:spMkLst>
             <pc:docMk/>
             <pc:sldMk cId="1544572754" sldId="264"/>
@@ -310,7 +330,7 @@
           </ac:spMkLst>
         </pc:spChg>
         <pc:spChg chg="mod">
-          <ac:chgData name="mercy ayub" userId="8c1eda65d6d00475" providerId="LiveId" clId="{B48A09C0-C833-4930-A067-92C227C2CE23}" dt="2024-09-07T19:15:10.279" v="17"/>
+          <ac:chgData name="mercy ayub" userId="8c1eda65d6d00475" providerId="LiveId" clId="{B48A09C0-C833-4930-A067-92C227C2CE23}" dt="2024-09-08T19:48:36.401" v="315"/>
           <ac:spMkLst>
             <pc:docMk/>
             <pc:sldMk cId="1544572754" sldId="264"/>
@@ -319,13 +339,13 @@
         </pc:spChg>
       </pc:sldChg>
       <pc:sldChg chg="modSp">
-        <pc:chgData name="mercy ayub" userId="8c1eda65d6d00475" providerId="LiveId" clId="{B48A09C0-C833-4930-A067-92C227C2CE23}" dt="2024-09-07T19:15:10.279" v="17"/>
+        <pc:chgData name="mercy ayub" userId="8c1eda65d6d00475" providerId="LiveId" clId="{B48A09C0-C833-4930-A067-92C227C2CE23}" dt="2024-09-08T19:48:36.401" v="315"/>
         <pc:sldMkLst>
           <pc:docMk/>
           <pc:sldMk cId="130721275" sldId="265"/>
         </pc:sldMkLst>
         <pc:spChg chg="mod">
-          <ac:chgData name="mercy ayub" userId="8c1eda65d6d00475" providerId="LiveId" clId="{B48A09C0-C833-4930-A067-92C227C2CE23}" dt="2024-09-07T19:15:10.279" v="17"/>
+          <ac:chgData name="mercy ayub" userId="8c1eda65d6d00475" providerId="LiveId" clId="{B48A09C0-C833-4930-A067-92C227C2CE23}" dt="2024-09-08T19:48:36.401" v="315"/>
           <ac:spMkLst>
             <pc:docMk/>
             <pc:sldMk cId="130721275" sldId="265"/>
@@ -333,7 +353,7 @@
           </ac:spMkLst>
         </pc:spChg>
         <pc:spChg chg="mod">
-          <ac:chgData name="mercy ayub" userId="8c1eda65d6d00475" providerId="LiveId" clId="{B48A09C0-C833-4930-A067-92C227C2CE23}" dt="2024-09-07T19:15:10.279" v="17"/>
+          <ac:chgData name="mercy ayub" userId="8c1eda65d6d00475" providerId="LiveId" clId="{B48A09C0-C833-4930-A067-92C227C2CE23}" dt="2024-09-08T19:48:36.401" v="315"/>
           <ac:spMkLst>
             <pc:docMk/>
             <pc:sldMk cId="130721275" sldId="265"/>
@@ -347,7 +367,7 @@
 </file>
 
 <file path=ppt/slideLayouts/slideLayout1.xml><?xml version="1.0" encoding="utf-8"?>
-<p:sldLayout xmlns:a="http://schemas.openxmlformats.org/drawingml/2006/main" xmlns:r="http://schemas.openxmlformats.org/officeDocument/2006/relationships" xmlns:p="http://schemas.openxmlformats.org/presentationml/2006/main" type="title" preserve="1">
+<p:sldLayout xmlns:a="http://schemas.openxmlformats.org/drawingml/2006/main" xmlns:r="http://schemas.openxmlformats.org/officeDocument/2006/relationships" xmlns:p="http://schemas.openxmlformats.org/presentationml/2006/main" showMasterSp="0" type="title" preserve="1">
   <p:cSld name="Title Slide">
     <p:spTree>
       <p:nvGrpSpPr>
@@ -363,76 +383,584 @@
           <a:chExt cx="0" cy="0"/>
         </a:xfrm>
       </p:grpSpPr>
-      <p:sp>
-        <p:nvSpPr>
-          <p:cNvPr id="7" name="Rectangle 6"/>
-          <p:cNvSpPr>
-            <a:spLocks noChangeAspect="1"/>
-          </p:cNvSpPr>
+      <p:grpSp>
+        <p:nvGrpSpPr>
+          <p:cNvPr id="16" name="Group 15"/>
+          <p:cNvGrpSpPr/>
           <p:nvPr/>
+        </p:nvGrpSpPr>
+        <p:grpSpPr>
+          <a:xfrm>
+            <a:off x="0" y="-8467"/>
+            <a:ext cx="12192000" cy="6866467"/>
+            <a:chOff x="0" y="-8467"/>
+            <a:chExt cx="12192000" cy="6866467"/>
+          </a:xfrm>
+        </p:grpSpPr>
+        <p:sp>
+          <p:nvSpPr>
+            <p:cNvPr id="15" name="Freeform 14"/>
+            <p:cNvSpPr/>
+            <p:nvPr/>
+          </p:nvSpPr>
+          <p:spPr>
+            <a:xfrm>
+              <a:off x="0" y="-7862"/>
+              <a:ext cx="863600" cy="5698067"/>
+            </a:xfrm>
+            <a:custGeom>
+              <a:avLst/>
+              <a:gdLst/>
+              <a:ahLst/>
+              <a:cxnLst/>
+              <a:rect l="l" t="t" r="r" b="b"/>
+              <a:pathLst>
+                <a:path w="863600" h="5698067">
+                  <a:moveTo>
+                    <a:pt x="0" y="8467"/>
+                  </a:moveTo>
+                  <a:lnTo>
+                    <a:pt x="863600" y="0"/>
+                  </a:lnTo>
+                  <a:lnTo>
+                    <a:pt x="863600" y="16934"/>
+                  </a:lnTo>
+                  <a:lnTo>
+                    <a:pt x="0" y="5698067"/>
+                  </a:lnTo>
+                  <a:lnTo>
+                    <a:pt x="0" y="8467"/>
+                  </a:lnTo>
+                  <a:close/>
+                </a:path>
+              </a:pathLst>
+            </a:custGeom>
+            <a:solidFill>
+              <a:schemeClr val="accent1">
+                <a:alpha val="70000"/>
+              </a:schemeClr>
+            </a:solidFill>
+            <a:ln>
+              <a:noFill/>
+            </a:ln>
+            <a:effectLst/>
+          </p:spPr>
+          <p:style>
+            <a:lnRef idx="1">
+              <a:schemeClr val="accent1"/>
+            </a:lnRef>
+            <a:fillRef idx="3">
+              <a:schemeClr val="accent1"/>
+            </a:fillRef>
+            <a:effectRef idx="2">
+              <a:schemeClr val="accent1"/>
+            </a:effectRef>
+            <a:fontRef idx="minor">
+              <a:schemeClr val="lt1"/>
+            </a:fontRef>
+          </p:style>
+        </p:sp>
+        <p:cxnSp>
+          <p:nvCxnSpPr>
+            <p:cNvPr id="19" name="Straight Connector 18"/>
+            <p:cNvCxnSpPr/>
+            <p:nvPr/>
+          </p:nvCxnSpPr>
+          <p:spPr>
+            <a:xfrm>
+              <a:off x="9371012" y="0"/>
+              <a:ext cx="1219200" cy="6858000"/>
+            </a:xfrm>
+            <a:prstGeom prst="line">
+              <a:avLst/>
+            </a:prstGeom>
+            <a:ln w="9525">
+              <a:solidFill>
+                <a:schemeClr val="accent1">
+                  <a:alpha val="70000"/>
+                </a:schemeClr>
+              </a:solidFill>
+            </a:ln>
+          </p:spPr>
+          <p:style>
+            <a:lnRef idx="2">
+              <a:schemeClr val="accent1"/>
+            </a:lnRef>
+            <a:fillRef idx="0">
+              <a:schemeClr val="accent1"/>
+            </a:fillRef>
+            <a:effectRef idx="1">
+              <a:schemeClr val="accent1"/>
+            </a:effectRef>
+            <a:fontRef idx="minor">
+              <a:schemeClr val="tx1"/>
+            </a:fontRef>
+          </p:style>
+        </p:cxnSp>
+        <p:cxnSp>
+          <p:nvCxnSpPr>
+            <p:cNvPr id="20" name="Straight Connector 19"/>
+            <p:cNvCxnSpPr/>
+            <p:nvPr/>
+          </p:nvCxnSpPr>
+          <p:spPr>
+            <a:xfrm flipH="1">
+              <a:off x="7425267" y="3681413"/>
+              <a:ext cx="4763558" cy="3176587"/>
+            </a:xfrm>
+            <a:prstGeom prst="line">
+              <a:avLst/>
+            </a:prstGeom>
+            <a:ln w="9525">
+              <a:solidFill>
+                <a:schemeClr val="accent1">
+                  <a:alpha val="70000"/>
+                </a:schemeClr>
+              </a:solidFill>
+            </a:ln>
+          </p:spPr>
+          <p:style>
+            <a:lnRef idx="2">
+              <a:schemeClr val="accent1"/>
+            </a:lnRef>
+            <a:fillRef idx="0">
+              <a:schemeClr val="accent1"/>
+            </a:fillRef>
+            <a:effectRef idx="1">
+              <a:schemeClr val="accent1"/>
+            </a:effectRef>
+            <a:fontRef idx="minor">
+              <a:schemeClr val="tx1"/>
+            </a:fontRef>
+          </p:style>
+        </p:cxnSp>
+        <p:sp>
+          <p:nvSpPr>
+            <p:cNvPr id="21" name="Rectangle 23"/>
+            <p:cNvSpPr/>
+            <p:nvPr/>
+          </p:nvSpPr>
+          <p:spPr>
+            <a:xfrm>
+              <a:off x="9181476" y="-8467"/>
+              <a:ext cx="3007349" cy="6866467"/>
+            </a:xfrm>
+            <a:custGeom>
+              <a:avLst/>
+              <a:gdLst/>
+              <a:ahLst/>
+              <a:cxnLst/>
+              <a:rect l="l" t="t" r="r" b="b"/>
+              <a:pathLst>
+                <a:path w="3007349" h="6866467">
+                  <a:moveTo>
+                    <a:pt x="2045532" y="0"/>
+                  </a:moveTo>
+                  <a:lnTo>
+                    <a:pt x="3007349" y="0"/>
+                  </a:lnTo>
+                  <a:lnTo>
+                    <a:pt x="3007349" y="6866467"/>
+                  </a:lnTo>
+                  <a:lnTo>
+                    <a:pt x="0" y="6866467"/>
+                  </a:lnTo>
+                  <a:lnTo>
+                    <a:pt x="2045532" y="0"/>
+                  </a:lnTo>
+                  <a:close/>
+                </a:path>
+              </a:pathLst>
+            </a:custGeom>
+            <a:solidFill>
+              <a:schemeClr val="accent1">
+                <a:alpha val="36000"/>
+              </a:schemeClr>
+            </a:solidFill>
+            <a:ln>
+              <a:noFill/>
+            </a:ln>
+            <a:effectLst/>
+          </p:spPr>
+          <p:style>
+            <a:lnRef idx="1">
+              <a:schemeClr val="accent1"/>
+            </a:lnRef>
+            <a:fillRef idx="3">
+              <a:schemeClr val="accent1"/>
+            </a:fillRef>
+            <a:effectRef idx="2">
+              <a:schemeClr val="accent1"/>
+            </a:effectRef>
+            <a:fontRef idx="minor">
+              <a:schemeClr val="lt1"/>
+            </a:fontRef>
+          </p:style>
+        </p:sp>
+        <p:sp>
+          <p:nvSpPr>
+            <p:cNvPr id="22" name="Rectangle 25"/>
+            <p:cNvSpPr/>
+            <p:nvPr/>
+          </p:nvSpPr>
+          <p:spPr>
+            <a:xfrm>
+              <a:off x="9603442" y="-8467"/>
+              <a:ext cx="2588558" cy="6866467"/>
+            </a:xfrm>
+            <a:custGeom>
+              <a:avLst/>
+              <a:gdLst/>
+              <a:ahLst/>
+              <a:cxnLst/>
+              <a:rect l="l" t="t" r="r" b="b"/>
+              <a:pathLst>
+                <a:path w="2573311" h="6866467">
+                  <a:moveTo>
+                    <a:pt x="0" y="0"/>
+                  </a:moveTo>
+                  <a:lnTo>
+                    <a:pt x="2573311" y="0"/>
+                  </a:lnTo>
+                  <a:lnTo>
+                    <a:pt x="2573311" y="6866467"/>
+                  </a:lnTo>
+                  <a:lnTo>
+                    <a:pt x="1202336" y="6866467"/>
+                  </a:lnTo>
+                  <a:lnTo>
+                    <a:pt x="0" y="0"/>
+                  </a:lnTo>
+                  <a:close/>
+                </a:path>
+              </a:pathLst>
+            </a:custGeom>
+            <a:solidFill>
+              <a:schemeClr val="accent1">
+                <a:alpha val="20000"/>
+              </a:schemeClr>
+            </a:solidFill>
+            <a:ln>
+              <a:noFill/>
+            </a:ln>
+            <a:effectLst/>
+          </p:spPr>
+          <p:style>
+            <a:lnRef idx="1">
+              <a:schemeClr val="accent1"/>
+            </a:lnRef>
+            <a:fillRef idx="3">
+              <a:schemeClr val="accent1"/>
+            </a:fillRef>
+            <a:effectRef idx="2">
+              <a:schemeClr val="accent1"/>
+            </a:effectRef>
+            <a:fontRef idx="minor">
+              <a:schemeClr val="lt1"/>
+            </a:fontRef>
+          </p:style>
+        </p:sp>
+        <p:sp>
+          <p:nvSpPr>
+            <p:cNvPr id="23" name="Isosceles Triangle 22"/>
+            <p:cNvSpPr/>
+            <p:nvPr/>
+          </p:nvSpPr>
+          <p:spPr>
+            <a:xfrm>
+              <a:off x="8932333" y="3048000"/>
+              <a:ext cx="3259667" cy="3810000"/>
+            </a:xfrm>
+            <a:prstGeom prst="triangle">
+              <a:avLst>
+                <a:gd name="adj" fmla="val 100000"/>
+              </a:avLst>
+            </a:prstGeom>
+            <a:solidFill>
+              <a:schemeClr val="accent1">
+                <a:lumMod val="75000"/>
+                <a:alpha val="66000"/>
+              </a:schemeClr>
+            </a:solidFill>
+            <a:ln>
+              <a:noFill/>
+            </a:ln>
+            <a:effectLst/>
+          </p:spPr>
+          <p:style>
+            <a:lnRef idx="1">
+              <a:schemeClr val="accent1"/>
+            </a:lnRef>
+            <a:fillRef idx="3">
+              <a:schemeClr val="accent1"/>
+            </a:fillRef>
+            <a:effectRef idx="2">
+              <a:schemeClr val="accent1"/>
+            </a:effectRef>
+            <a:fontRef idx="minor">
+              <a:schemeClr val="lt1"/>
+            </a:fontRef>
+          </p:style>
+        </p:sp>
+        <p:sp>
+          <p:nvSpPr>
+            <p:cNvPr id="24" name="Rectangle 27"/>
+            <p:cNvSpPr/>
+            <p:nvPr/>
+          </p:nvSpPr>
+          <p:spPr>
+            <a:xfrm>
+              <a:off x="9334500" y="-8467"/>
+              <a:ext cx="2854326" cy="6866467"/>
+            </a:xfrm>
+            <a:custGeom>
+              <a:avLst/>
+              <a:gdLst/>
+              <a:ahLst/>
+              <a:cxnLst/>
+              <a:rect l="l" t="t" r="r" b="b"/>
+              <a:pathLst>
+                <a:path w="2858013" h="6866467">
+                  <a:moveTo>
+                    <a:pt x="0" y="0"/>
+                  </a:moveTo>
+                  <a:lnTo>
+                    <a:pt x="2858013" y="0"/>
+                  </a:lnTo>
+                  <a:lnTo>
+                    <a:pt x="2858013" y="6866467"/>
+                  </a:lnTo>
+                  <a:lnTo>
+                    <a:pt x="2473942" y="6866467"/>
+                  </a:lnTo>
+                  <a:lnTo>
+                    <a:pt x="0" y="0"/>
+                  </a:lnTo>
+                  <a:close/>
+                </a:path>
+              </a:pathLst>
+            </a:custGeom>
+            <a:solidFill>
+              <a:schemeClr val="accent1">
+                <a:lumMod val="75000"/>
+                <a:alpha val="50000"/>
+              </a:schemeClr>
+            </a:solidFill>
+            <a:ln>
+              <a:noFill/>
+            </a:ln>
+            <a:effectLst/>
+          </p:spPr>
+          <p:style>
+            <a:lnRef idx="1">
+              <a:schemeClr val="accent1"/>
+            </a:lnRef>
+            <a:fillRef idx="3">
+              <a:schemeClr val="accent1"/>
+            </a:fillRef>
+            <a:effectRef idx="2">
+              <a:schemeClr val="accent1"/>
+            </a:effectRef>
+            <a:fontRef idx="minor">
+              <a:schemeClr val="lt1"/>
+            </a:fontRef>
+          </p:style>
+        </p:sp>
+        <p:sp>
+          <p:nvSpPr>
+            <p:cNvPr id="25" name="Rectangle 28"/>
+            <p:cNvSpPr/>
+            <p:nvPr/>
+          </p:nvSpPr>
+          <p:spPr>
+            <a:xfrm>
+              <a:off x="10898730" y="-8467"/>
+              <a:ext cx="1290094" cy="6866467"/>
+            </a:xfrm>
+            <a:custGeom>
+              <a:avLst/>
+              <a:gdLst/>
+              <a:ahLst/>
+              <a:cxnLst/>
+              <a:rect l="l" t="t" r="r" b="b"/>
+              <a:pathLst>
+                <a:path w="1290094" h="6858000">
+                  <a:moveTo>
+                    <a:pt x="1019735" y="0"/>
+                  </a:moveTo>
+                  <a:lnTo>
+                    <a:pt x="1290094" y="0"/>
+                  </a:lnTo>
+                  <a:lnTo>
+                    <a:pt x="1290094" y="6858000"/>
+                  </a:lnTo>
+                  <a:lnTo>
+                    <a:pt x="0" y="6858000"/>
+                  </a:lnTo>
+                  <a:lnTo>
+                    <a:pt x="1019735" y="0"/>
+                  </a:lnTo>
+                  <a:close/>
+                </a:path>
+              </a:pathLst>
+            </a:custGeom>
+            <a:solidFill>
+              <a:schemeClr val="accent2">
+                <a:alpha val="70000"/>
+              </a:schemeClr>
+            </a:solidFill>
+            <a:ln>
+              <a:noFill/>
+            </a:ln>
+            <a:effectLst/>
+          </p:spPr>
+          <p:style>
+            <a:lnRef idx="1">
+              <a:schemeClr val="accent1"/>
+            </a:lnRef>
+            <a:fillRef idx="3">
+              <a:schemeClr val="accent1"/>
+            </a:fillRef>
+            <a:effectRef idx="2">
+              <a:schemeClr val="accent1"/>
+            </a:effectRef>
+            <a:fontRef idx="minor">
+              <a:schemeClr val="lt1"/>
+            </a:fontRef>
+          </p:style>
+        </p:sp>
+        <p:sp>
+          <p:nvSpPr>
+            <p:cNvPr id="26" name="Rectangle 29"/>
+            <p:cNvSpPr/>
+            <p:nvPr/>
+          </p:nvSpPr>
+          <p:spPr>
+            <a:xfrm>
+              <a:off x="10938999" y="-8467"/>
+              <a:ext cx="1249825" cy="6866467"/>
+            </a:xfrm>
+            <a:custGeom>
+              <a:avLst/>
+              <a:gdLst/>
+              <a:ahLst/>
+              <a:cxnLst/>
+              <a:rect l="l" t="t" r="r" b="b"/>
+              <a:pathLst>
+                <a:path w="1249825" h="6858000">
+                  <a:moveTo>
+                    <a:pt x="0" y="0"/>
+                  </a:moveTo>
+                  <a:lnTo>
+                    <a:pt x="1249825" y="0"/>
+                  </a:lnTo>
+                  <a:lnTo>
+                    <a:pt x="1249825" y="6858000"/>
+                  </a:lnTo>
+                  <a:lnTo>
+                    <a:pt x="1109382" y="6858000"/>
+                  </a:lnTo>
+                  <a:lnTo>
+                    <a:pt x="0" y="0"/>
+                  </a:lnTo>
+                  <a:close/>
+                </a:path>
+              </a:pathLst>
+            </a:custGeom>
+            <a:solidFill>
+              <a:schemeClr val="accent2">
+                <a:lumMod val="75000"/>
+                <a:alpha val="80000"/>
+              </a:schemeClr>
+            </a:solidFill>
+            <a:ln>
+              <a:noFill/>
+            </a:ln>
+            <a:effectLst/>
+          </p:spPr>
+          <p:style>
+            <a:lnRef idx="1">
+              <a:schemeClr val="accent1"/>
+            </a:lnRef>
+            <a:fillRef idx="3">
+              <a:schemeClr val="accent1"/>
+            </a:fillRef>
+            <a:effectRef idx="2">
+              <a:schemeClr val="accent1"/>
+            </a:effectRef>
+            <a:fontRef idx="minor">
+              <a:schemeClr val="lt1"/>
+            </a:fontRef>
+          </p:style>
+        </p:sp>
+        <p:sp>
+          <p:nvSpPr>
+            <p:cNvPr id="27" name="Isosceles Triangle 26"/>
+            <p:cNvSpPr/>
+            <p:nvPr/>
+          </p:nvSpPr>
+          <p:spPr>
+            <a:xfrm>
+              <a:off x="10371666" y="3589867"/>
+              <a:ext cx="1817159" cy="3268133"/>
+            </a:xfrm>
+            <a:prstGeom prst="triangle">
+              <a:avLst>
+                <a:gd name="adj" fmla="val 100000"/>
+              </a:avLst>
+            </a:prstGeom>
+            <a:solidFill>
+              <a:schemeClr val="accent1">
+                <a:lumMod val="75000"/>
+                <a:alpha val="66000"/>
+              </a:schemeClr>
+            </a:solidFill>
+            <a:ln>
+              <a:noFill/>
+            </a:ln>
+            <a:effectLst/>
+          </p:spPr>
+          <p:style>
+            <a:lnRef idx="1">
+              <a:schemeClr val="accent1"/>
+            </a:lnRef>
+            <a:fillRef idx="3">
+              <a:schemeClr val="accent1"/>
+            </a:fillRef>
+            <a:effectRef idx="2">
+              <a:schemeClr val="accent1"/>
+            </a:effectRef>
+            <a:fontRef idx="minor">
+              <a:schemeClr val="lt1"/>
+            </a:fontRef>
+          </p:style>
+        </p:sp>
+      </p:grpSp>
+      <p:sp>
+        <p:nvSpPr>
+          <p:cNvPr id="2" name="Title 1"/>
+          <p:cNvSpPr>
+            <a:spLocks noGrp="1"/>
+          </p:cNvSpPr>
+          <p:nvPr>
+            <p:ph type="ctrTitle"/>
+          </p:nvPr>
         </p:nvSpPr>
         <p:spPr>
           <a:xfrm>
-            <a:off x="231140" y="243840"/>
-            <a:ext cx="11724640" cy="6377939"/>
-          </a:xfrm>
-          <a:prstGeom prst="rect">
-            <a:avLst/>
-          </a:prstGeom>
-          <a:solidFill>
-            <a:schemeClr val="accent1"/>
-          </a:solidFill>
-          <a:ln w="12700">
-            <a:solidFill>
-              <a:srgbClr val="FFFFFF"/>
-            </a:solidFill>
-          </a:ln>
-        </p:spPr>
-        <p:style>
-          <a:lnRef idx="2">
-            <a:schemeClr val="accent1">
-              <a:shade val="50000"/>
-            </a:schemeClr>
-          </a:lnRef>
-          <a:fillRef idx="1">
-            <a:schemeClr val="accent1"/>
-          </a:fillRef>
-          <a:effectRef idx="0">
-            <a:schemeClr val="accent1"/>
-          </a:effectRef>
-          <a:fontRef idx="minor">
-            <a:schemeClr val="lt1"/>
-          </a:fontRef>
-        </p:style>
-      </p:sp>
-      <p:sp>
-        <p:nvSpPr>
-          <p:cNvPr id="2" name="Title 1"/>
-          <p:cNvSpPr>
-            <a:spLocks noGrp="1"/>
-          </p:cNvSpPr>
-          <p:nvPr>
-            <p:ph type="ctrTitle"/>
-          </p:nvPr>
-        </p:nvSpPr>
-        <p:spPr>
-          <a:xfrm>
-            <a:off x="1109980" y="882376"/>
-            <a:ext cx="9966960" cy="2926080"/>
+            <a:off x="1507067" y="2404534"/>
+            <a:ext cx="7766936" cy="1646302"/>
           </a:xfrm>
         </p:spPr>
         <p:txBody>
           <a:bodyPr anchor="b">
-            <a:normAutofit/>
+            <a:noAutofit/>
           </a:bodyPr>
           <a:lstStyle>
-            <a:lvl1pPr algn="ctr">
-              <a:lnSpc>
-                <a:spcPct val="85000"/>
-              </a:lnSpc>
-              <a:defRPr sz="7200" b="1" cap="all" baseline="0">
-                <a:solidFill>
-                  <a:srgbClr val="FFFFFF"/>
+            <a:lvl1pPr algn="r">
+              <a:defRPr sz="5400">
+                <a:solidFill>
+                  <a:schemeClr val="accent1"/>
                 </a:solidFill>
               </a:defRPr>
             </a:lvl1pPr>
@@ -458,54 +986,103 @@
         </p:nvSpPr>
         <p:spPr>
           <a:xfrm>
-            <a:off x="1709530" y="3869634"/>
-            <a:ext cx="8767860" cy="1388165"/>
+            <a:off x="1507067" y="4050833"/>
+            <a:ext cx="7766936" cy="1096899"/>
           </a:xfrm>
         </p:spPr>
         <p:txBody>
-          <a:bodyPr>
-            <a:normAutofit/>
-          </a:bodyPr>
+          <a:bodyPr anchor="t"/>
           <a:lstStyle>
-            <a:lvl1pPr marL="0" indent="0" algn="ctr">
-              <a:buNone/>
-              <a:defRPr sz="2200">
-                <a:solidFill>
-                  <a:srgbClr val="FFFFFF"/>
+            <a:lvl1pPr marL="0" indent="0" algn="r">
+              <a:buNone/>
+              <a:defRPr>
+                <a:solidFill>
+                  <a:schemeClr val="tx1">
+                    <a:lumMod val="50000"/>
+                    <a:lumOff val="50000"/>
+                  </a:schemeClr>
                 </a:solidFill>
               </a:defRPr>
             </a:lvl1pPr>
             <a:lvl2pPr marL="457200" indent="0" algn="ctr">
               <a:buNone/>
-              <a:defRPr sz="2200"/>
+              <a:defRPr>
+                <a:solidFill>
+                  <a:schemeClr val="tx1">
+                    <a:tint val="75000"/>
+                  </a:schemeClr>
+                </a:solidFill>
+              </a:defRPr>
             </a:lvl2pPr>
             <a:lvl3pPr marL="914400" indent="0" algn="ctr">
               <a:buNone/>
-              <a:defRPr sz="2200"/>
+              <a:defRPr>
+                <a:solidFill>
+                  <a:schemeClr val="tx1">
+                    <a:tint val="75000"/>
+                  </a:schemeClr>
+                </a:solidFill>
+              </a:defRPr>
             </a:lvl3pPr>
             <a:lvl4pPr marL="1371600" indent="0" algn="ctr">
               <a:buNone/>
-              <a:defRPr sz="2000"/>
+              <a:defRPr>
+                <a:solidFill>
+                  <a:schemeClr val="tx1">
+                    <a:tint val="75000"/>
+                  </a:schemeClr>
+                </a:solidFill>
+              </a:defRPr>
             </a:lvl4pPr>
             <a:lvl5pPr marL="1828800" indent="0" algn="ctr">
               <a:buNone/>
-              <a:defRPr sz="2000"/>
+              <a:defRPr>
+                <a:solidFill>
+                  <a:schemeClr val="tx1">
+                    <a:tint val="75000"/>
+                  </a:schemeClr>
+                </a:solidFill>
+              </a:defRPr>
             </a:lvl5pPr>
             <a:lvl6pPr marL="2286000" indent="0" algn="ctr">
               <a:buNone/>
-              <a:defRPr sz="2000"/>
+              <a:defRPr>
+                <a:solidFill>
+                  <a:schemeClr val="tx1">
+                    <a:tint val="75000"/>
+                  </a:schemeClr>
+                </a:solidFill>
+              </a:defRPr>
             </a:lvl6pPr>
             <a:lvl7pPr marL="2743200" indent="0" algn="ctr">
               <a:buNone/>
-              <a:defRPr sz="2000"/>
+              <a:defRPr>
+                <a:solidFill>
+                  <a:schemeClr val="tx1">
+                    <a:tint val="75000"/>
+                  </a:schemeClr>
+                </a:solidFill>
+              </a:defRPr>
             </a:lvl7pPr>
             <a:lvl8pPr marL="3200400" indent="0" algn="ctr">
               <a:buNone/>
-              <a:defRPr sz="2000"/>
+              <a:defRPr>
+                <a:solidFill>
+                  <a:schemeClr val="tx1">
+                    <a:tint val="75000"/>
+                  </a:schemeClr>
+                </a:solidFill>
+              </a:defRPr>
             </a:lvl8pPr>
             <a:lvl9pPr marL="3657600" indent="0" algn="ctr">
               <a:buNone/>
-              <a:defRPr sz="2000"/>
+              <a:defRPr>
+                <a:solidFill>
+                  <a:schemeClr val="tx1">
+                    <a:tint val="75000"/>
+                  </a:schemeClr>
+                </a:solidFill>
+              </a:defRPr>
             </a:lvl9pPr>
           </a:lstStyle>
           <a:p>
@@ -530,19 +1107,11 @@
         <p:spPr/>
         <p:txBody>
           <a:bodyPr/>
-          <a:lstStyle>
-            <a:lvl1pPr>
-              <a:defRPr>
-                <a:solidFill>
-                  <a:srgbClr val="FFFFFF"/>
-                </a:solidFill>
-              </a:defRPr>
-            </a:lvl1pPr>
-          </a:lstStyle>
+          <a:lstStyle/>
           <a:p>
             <a:fld id="{3C354BAF-8005-4048-91BB-D5FE8E5DED80}" type="datetimeFigureOut">
               <a:rPr lang="en-KE" smtClean="0"/>
-              <a:t>07/09/2024</a:t>
+              <a:t>08/09/2024</a:t>
             </a:fld>
             <a:endParaRPr lang="en-KE"/>
           </a:p>
@@ -561,15 +1130,7 @@
         <p:spPr/>
         <p:txBody>
           <a:bodyPr/>
-          <a:lstStyle>
-            <a:lvl1pPr>
-              <a:defRPr>
-                <a:solidFill>
-                  <a:srgbClr val="FFFFFF"/>
-                </a:solidFill>
-              </a:defRPr>
-            </a:lvl1pPr>
-          </a:lstStyle>
+          <a:lstStyle/>
           <a:p>
             <a:endParaRPr lang="en-KE"/>
           </a:p>
@@ -588,15 +1149,7 @@
         <p:spPr/>
         <p:txBody>
           <a:bodyPr/>
-          <a:lstStyle>
-            <a:lvl1pPr>
-              <a:defRPr>
-                <a:solidFill>
-                  <a:srgbClr val="FFFFFF"/>
-                </a:solidFill>
-              </a:defRPr>
-            </a:lvl1pPr>
-          </a:lstStyle>
+          <a:lstStyle/>
           <a:p>
             <a:fld id="{554850E0-5D55-4EBA-87A3-961C0B03FB53}" type="slidenum">
               <a:rPr lang="en-KE" smtClean="0"/>
@@ -606,45 +1159,10 @@
           </a:p>
         </p:txBody>
       </p:sp>
-      <p:cxnSp>
-        <p:nvCxnSpPr>
-          <p:cNvPr id="8" name="Straight Connector 7"/>
-          <p:cNvCxnSpPr/>
-          <p:nvPr/>
-        </p:nvCxnSpPr>
-        <p:spPr>
-          <a:xfrm>
-            <a:off x="1978660" y="3733800"/>
-            <a:ext cx="8229601" cy="0"/>
-          </a:xfrm>
-          <a:prstGeom prst="line">
-            <a:avLst/>
-          </a:prstGeom>
-          <a:ln>
-            <a:solidFill>
-              <a:srgbClr val="FFFFFF"/>
-            </a:solidFill>
-          </a:ln>
-        </p:spPr>
-        <p:style>
-          <a:lnRef idx="1">
-            <a:schemeClr val="accent1"/>
-          </a:lnRef>
-          <a:fillRef idx="0">
-            <a:schemeClr val="accent1"/>
-          </a:fillRef>
-          <a:effectRef idx="0">
-            <a:schemeClr val="accent1"/>
-          </a:effectRef>
-          <a:fontRef idx="minor">
-            <a:schemeClr val="tx1"/>
-          </a:fontRef>
-        </p:style>
-      </p:cxnSp>
     </p:spTree>
     <p:extLst>
       <p:ext uri="{BB962C8B-B14F-4D97-AF65-F5344CB8AC3E}">
-        <p14:creationId xmlns:p14="http://schemas.microsoft.com/office/powerpoint/2010/main" val="586799897"/>
+        <p14:creationId xmlns:p14="http://schemas.microsoft.com/office/powerpoint/2010/main" val="2732886423"/>
       </p:ext>
     </p:extLst>
   </p:cSld>
@@ -655,6 +1173,1611 @@
 </file>
 
 <file path=ppt/slideLayouts/slideLayout10.xml><?xml version="1.0" encoding="utf-8"?>
+<p:sldLayout xmlns:a="http://schemas.openxmlformats.org/drawingml/2006/main" xmlns:r="http://schemas.openxmlformats.org/officeDocument/2006/relationships" xmlns:p="http://schemas.openxmlformats.org/presentationml/2006/main" preserve="1">
+  <p:cSld name="Title and Caption">
+    <p:spTree>
+      <p:nvGrpSpPr>
+        <p:cNvPr id="1" name=""/>
+        <p:cNvGrpSpPr/>
+        <p:nvPr/>
+      </p:nvGrpSpPr>
+      <p:grpSpPr>
+        <a:xfrm>
+          <a:off x="0" y="0"/>
+          <a:ext cx="0" cy="0"/>
+          <a:chOff x="0" y="0"/>
+          <a:chExt cx="0" cy="0"/>
+        </a:xfrm>
+      </p:grpSpPr>
+      <p:sp>
+        <p:nvSpPr>
+          <p:cNvPr id="2" name="Title 1"/>
+          <p:cNvSpPr>
+            <a:spLocks noGrp="1"/>
+          </p:cNvSpPr>
+          <p:nvPr>
+            <p:ph type="title"/>
+          </p:nvPr>
+        </p:nvSpPr>
+        <p:spPr>
+          <a:xfrm>
+            <a:off x="677335" y="609600"/>
+            <a:ext cx="8596668" cy="3403600"/>
+          </a:xfrm>
+        </p:spPr>
+        <p:txBody>
+          <a:bodyPr anchor="ctr">
+            <a:normAutofit/>
+          </a:bodyPr>
+          <a:lstStyle>
+            <a:lvl1pPr algn="l">
+              <a:defRPr sz="4400" b="0" cap="none"/>
+            </a:lvl1pPr>
+          </a:lstStyle>
+          <a:p>
+            <a:r>
+              <a:rPr lang="en-US"/>
+              <a:t>Click to edit Master title style</a:t>
+            </a:r>
+            <a:endParaRPr lang="en-US" dirty="0"/>
+          </a:p>
+        </p:txBody>
+      </p:sp>
+      <p:sp>
+        <p:nvSpPr>
+          <p:cNvPr id="3" name="Text Placeholder 2"/>
+          <p:cNvSpPr>
+            <a:spLocks noGrp="1"/>
+          </p:cNvSpPr>
+          <p:nvPr>
+            <p:ph type="body" idx="1"/>
+          </p:nvPr>
+        </p:nvSpPr>
+        <p:spPr>
+          <a:xfrm>
+            <a:off x="677335" y="4470400"/>
+            <a:ext cx="8596668" cy="1570962"/>
+          </a:xfrm>
+        </p:spPr>
+        <p:txBody>
+          <a:bodyPr anchor="ctr">
+            <a:normAutofit/>
+          </a:bodyPr>
+          <a:lstStyle>
+            <a:lvl1pPr marL="0" indent="0" algn="l">
+              <a:buNone/>
+              <a:defRPr sz="1800">
+                <a:solidFill>
+                  <a:schemeClr val="tx1">
+                    <a:lumMod val="75000"/>
+                    <a:lumOff val="25000"/>
+                  </a:schemeClr>
+                </a:solidFill>
+              </a:defRPr>
+            </a:lvl1pPr>
+            <a:lvl2pPr marL="457200" indent="0">
+              <a:buNone/>
+              <a:defRPr sz="1800">
+                <a:solidFill>
+                  <a:schemeClr val="tx1">
+                    <a:tint val="75000"/>
+                  </a:schemeClr>
+                </a:solidFill>
+              </a:defRPr>
+            </a:lvl2pPr>
+            <a:lvl3pPr marL="914400" indent="0">
+              <a:buNone/>
+              <a:defRPr sz="1600">
+                <a:solidFill>
+                  <a:schemeClr val="tx1">
+                    <a:tint val="75000"/>
+                  </a:schemeClr>
+                </a:solidFill>
+              </a:defRPr>
+            </a:lvl3pPr>
+            <a:lvl4pPr marL="1371600" indent="0">
+              <a:buNone/>
+              <a:defRPr sz="1400">
+                <a:solidFill>
+                  <a:schemeClr val="tx1">
+                    <a:tint val="75000"/>
+                  </a:schemeClr>
+                </a:solidFill>
+              </a:defRPr>
+            </a:lvl4pPr>
+            <a:lvl5pPr marL="1828800" indent="0">
+              <a:buNone/>
+              <a:defRPr sz="1400">
+                <a:solidFill>
+                  <a:schemeClr val="tx1">
+                    <a:tint val="75000"/>
+                  </a:schemeClr>
+                </a:solidFill>
+              </a:defRPr>
+            </a:lvl5pPr>
+            <a:lvl6pPr marL="2286000" indent="0">
+              <a:buNone/>
+              <a:defRPr sz="1400">
+                <a:solidFill>
+                  <a:schemeClr val="tx1">
+                    <a:tint val="75000"/>
+                  </a:schemeClr>
+                </a:solidFill>
+              </a:defRPr>
+            </a:lvl6pPr>
+            <a:lvl7pPr marL="2743200" indent="0">
+              <a:buNone/>
+              <a:defRPr sz="1400">
+                <a:solidFill>
+                  <a:schemeClr val="tx1">
+                    <a:tint val="75000"/>
+                  </a:schemeClr>
+                </a:solidFill>
+              </a:defRPr>
+            </a:lvl7pPr>
+            <a:lvl8pPr marL="3200400" indent="0">
+              <a:buNone/>
+              <a:defRPr sz="1400">
+                <a:solidFill>
+                  <a:schemeClr val="tx1">
+                    <a:tint val="75000"/>
+                  </a:schemeClr>
+                </a:solidFill>
+              </a:defRPr>
+            </a:lvl8pPr>
+            <a:lvl9pPr marL="3657600" indent="0">
+              <a:buNone/>
+              <a:defRPr sz="1400">
+                <a:solidFill>
+                  <a:schemeClr val="tx1">
+                    <a:tint val="75000"/>
+                  </a:schemeClr>
+                </a:solidFill>
+              </a:defRPr>
+            </a:lvl9pPr>
+          </a:lstStyle>
+          <a:p>
+            <a:pPr lvl="0"/>
+            <a:r>
+              <a:rPr lang="en-US"/>
+              <a:t>Click to edit Master text styles</a:t>
+            </a:r>
+          </a:p>
+        </p:txBody>
+      </p:sp>
+      <p:sp>
+        <p:nvSpPr>
+          <p:cNvPr id="4" name="Date Placeholder 3"/>
+          <p:cNvSpPr>
+            <a:spLocks noGrp="1"/>
+          </p:cNvSpPr>
+          <p:nvPr>
+            <p:ph type="dt" sz="half" idx="10"/>
+          </p:nvPr>
+        </p:nvSpPr>
+        <p:spPr/>
+        <p:txBody>
+          <a:bodyPr/>
+          <a:lstStyle/>
+          <a:p>
+            <a:fld id="{3C354BAF-8005-4048-91BB-D5FE8E5DED80}" type="datetimeFigureOut">
+              <a:rPr lang="en-KE" smtClean="0"/>
+              <a:t>08/09/2024</a:t>
+            </a:fld>
+            <a:endParaRPr lang="en-KE"/>
+          </a:p>
+        </p:txBody>
+      </p:sp>
+      <p:sp>
+        <p:nvSpPr>
+          <p:cNvPr id="5" name="Footer Placeholder 4"/>
+          <p:cNvSpPr>
+            <a:spLocks noGrp="1"/>
+          </p:cNvSpPr>
+          <p:nvPr>
+            <p:ph type="ftr" sz="quarter" idx="11"/>
+          </p:nvPr>
+        </p:nvSpPr>
+        <p:spPr/>
+        <p:txBody>
+          <a:bodyPr/>
+          <a:lstStyle/>
+          <a:p>
+            <a:endParaRPr lang="en-KE"/>
+          </a:p>
+        </p:txBody>
+      </p:sp>
+      <p:sp>
+        <p:nvSpPr>
+          <p:cNvPr id="6" name="Slide Number Placeholder 5"/>
+          <p:cNvSpPr>
+            <a:spLocks noGrp="1"/>
+          </p:cNvSpPr>
+          <p:nvPr>
+            <p:ph type="sldNum" sz="quarter" idx="12"/>
+          </p:nvPr>
+        </p:nvSpPr>
+        <p:spPr/>
+        <p:txBody>
+          <a:bodyPr/>
+          <a:lstStyle/>
+          <a:p>
+            <a:fld id="{554850E0-5D55-4EBA-87A3-961C0B03FB53}" type="slidenum">
+              <a:rPr lang="en-KE" smtClean="0"/>
+              <a:t>‹#›</a:t>
+            </a:fld>
+            <a:endParaRPr lang="en-KE"/>
+          </a:p>
+        </p:txBody>
+      </p:sp>
+    </p:spTree>
+    <p:extLst>
+      <p:ext uri="{BB962C8B-B14F-4D97-AF65-F5344CB8AC3E}">
+        <p14:creationId xmlns:p14="http://schemas.microsoft.com/office/powerpoint/2010/main" val="3239106134"/>
+      </p:ext>
+    </p:extLst>
+  </p:cSld>
+  <p:clrMapOvr>
+    <a:masterClrMapping/>
+  </p:clrMapOvr>
+</p:sldLayout>
+</file>
+
+<file path=ppt/slideLayouts/slideLayout11.xml><?xml version="1.0" encoding="utf-8"?>
+<p:sldLayout xmlns:a="http://schemas.openxmlformats.org/drawingml/2006/main" xmlns:r="http://schemas.openxmlformats.org/officeDocument/2006/relationships" xmlns:p="http://schemas.openxmlformats.org/presentationml/2006/main" preserve="1">
+  <p:cSld name="Quote with Caption">
+    <p:spTree>
+      <p:nvGrpSpPr>
+        <p:cNvPr id="1" name=""/>
+        <p:cNvGrpSpPr/>
+        <p:nvPr/>
+      </p:nvGrpSpPr>
+      <p:grpSpPr>
+        <a:xfrm>
+          <a:off x="0" y="0"/>
+          <a:ext cx="0" cy="0"/>
+          <a:chOff x="0" y="0"/>
+          <a:chExt cx="0" cy="0"/>
+        </a:xfrm>
+      </p:grpSpPr>
+      <p:sp>
+        <p:nvSpPr>
+          <p:cNvPr id="2" name="Title 1"/>
+          <p:cNvSpPr>
+            <a:spLocks noGrp="1"/>
+          </p:cNvSpPr>
+          <p:nvPr>
+            <p:ph type="title"/>
+          </p:nvPr>
+        </p:nvSpPr>
+        <p:spPr>
+          <a:xfrm>
+            <a:off x="931334" y="609600"/>
+            <a:ext cx="8094134" cy="3022600"/>
+          </a:xfrm>
+        </p:spPr>
+        <p:txBody>
+          <a:bodyPr anchor="ctr">
+            <a:normAutofit/>
+          </a:bodyPr>
+          <a:lstStyle>
+            <a:lvl1pPr algn="l">
+              <a:defRPr sz="4400" b="0" cap="none"/>
+            </a:lvl1pPr>
+          </a:lstStyle>
+          <a:p>
+            <a:r>
+              <a:rPr lang="en-US"/>
+              <a:t>Click to edit Master title style</a:t>
+            </a:r>
+            <a:endParaRPr lang="en-US" dirty="0"/>
+          </a:p>
+        </p:txBody>
+      </p:sp>
+      <p:sp>
+        <p:nvSpPr>
+          <p:cNvPr id="23" name="Text Placeholder 9"/>
+          <p:cNvSpPr>
+            <a:spLocks noGrp="1"/>
+          </p:cNvSpPr>
+          <p:nvPr>
+            <p:ph type="body" sz="quarter" idx="13"/>
+          </p:nvPr>
+        </p:nvSpPr>
+        <p:spPr>
+          <a:xfrm>
+            <a:off x="1366139" y="3632200"/>
+            <a:ext cx="7224524" cy="381000"/>
+          </a:xfrm>
+        </p:spPr>
+        <p:txBody>
+          <a:bodyPr anchor="ctr">
+            <a:noAutofit/>
+          </a:bodyPr>
+          <a:lstStyle>
+            <a:lvl1pPr marL="0" indent="0">
+              <a:buFontTx/>
+              <a:buNone/>
+              <a:defRPr sz="1600">
+                <a:solidFill>
+                  <a:schemeClr val="tx1">
+                    <a:lumMod val="50000"/>
+                    <a:lumOff val="50000"/>
+                  </a:schemeClr>
+                </a:solidFill>
+              </a:defRPr>
+            </a:lvl1pPr>
+            <a:lvl2pPr marL="457200" indent="0">
+              <a:buFontTx/>
+              <a:buNone/>
+              <a:defRPr/>
+            </a:lvl2pPr>
+            <a:lvl3pPr marL="914400" indent="0">
+              <a:buFontTx/>
+              <a:buNone/>
+              <a:defRPr/>
+            </a:lvl3pPr>
+            <a:lvl4pPr marL="1371600" indent="0">
+              <a:buFontTx/>
+              <a:buNone/>
+              <a:defRPr/>
+            </a:lvl4pPr>
+            <a:lvl5pPr marL="1828800" indent="0">
+              <a:buFontTx/>
+              <a:buNone/>
+              <a:defRPr/>
+            </a:lvl5pPr>
+          </a:lstStyle>
+          <a:p>
+            <a:pPr lvl="0"/>
+            <a:r>
+              <a:rPr lang="en-US"/>
+              <a:t>Click to edit Master text styles</a:t>
+            </a:r>
+          </a:p>
+        </p:txBody>
+      </p:sp>
+      <p:sp>
+        <p:nvSpPr>
+          <p:cNvPr id="3" name="Text Placeholder 2"/>
+          <p:cNvSpPr>
+            <a:spLocks noGrp="1"/>
+          </p:cNvSpPr>
+          <p:nvPr>
+            <p:ph type="body" idx="1"/>
+          </p:nvPr>
+        </p:nvSpPr>
+        <p:spPr>
+          <a:xfrm>
+            <a:off x="677335" y="4470400"/>
+            <a:ext cx="8596668" cy="1570962"/>
+          </a:xfrm>
+        </p:spPr>
+        <p:txBody>
+          <a:bodyPr anchor="ctr">
+            <a:normAutofit/>
+          </a:bodyPr>
+          <a:lstStyle>
+            <a:lvl1pPr marL="0" indent="0" algn="l">
+              <a:buNone/>
+              <a:defRPr sz="1800">
+                <a:solidFill>
+                  <a:schemeClr val="tx1">
+                    <a:lumMod val="75000"/>
+                    <a:lumOff val="25000"/>
+                  </a:schemeClr>
+                </a:solidFill>
+              </a:defRPr>
+            </a:lvl1pPr>
+            <a:lvl2pPr marL="457200" indent="0">
+              <a:buNone/>
+              <a:defRPr sz="1800">
+                <a:solidFill>
+                  <a:schemeClr val="tx1">
+                    <a:tint val="75000"/>
+                  </a:schemeClr>
+                </a:solidFill>
+              </a:defRPr>
+            </a:lvl2pPr>
+            <a:lvl3pPr marL="914400" indent="0">
+              <a:buNone/>
+              <a:defRPr sz="1600">
+                <a:solidFill>
+                  <a:schemeClr val="tx1">
+                    <a:tint val="75000"/>
+                  </a:schemeClr>
+                </a:solidFill>
+              </a:defRPr>
+            </a:lvl3pPr>
+            <a:lvl4pPr marL="1371600" indent="0">
+              <a:buNone/>
+              <a:defRPr sz="1400">
+                <a:solidFill>
+                  <a:schemeClr val="tx1">
+                    <a:tint val="75000"/>
+                  </a:schemeClr>
+                </a:solidFill>
+              </a:defRPr>
+            </a:lvl4pPr>
+            <a:lvl5pPr marL="1828800" indent="0">
+              <a:buNone/>
+              <a:defRPr sz="1400">
+                <a:solidFill>
+                  <a:schemeClr val="tx1">
+                    <a:tint val="75000"/>
+                  </a:schemeClr>
+                </a:solidFill>
+              </a:defRPr>
+            </a:lvl5pPr>
+            <a:lvl6pPr marL="2286000" indent="0">
+              <a:buNone/>
+              <a:defRPr sz="1400">
+                <a:solidFill>
+                  <a:schemeClr val="tx1">
+                    <a:tint val="75000"/>
+                  </a:schemeClr>
+                </a:solidFill>
+              </a:defRPr>
+            </a:lvl6pPr>
+            <a:lvl7pPr marL="2743200" indent="0">
+              <a:buNone/>
+              <a:defRPr sz="1400">
+                <a:solidFill>
+                  <a:schemeClr val="tx1">
+                    <a:tint val="75000"/>
+                  </a:schemeClr>
+                </a:solidFill>
+              </a:defRPr>
+            </a:lvl7pPr>
+            <a:lvl8pPr marL="3200400" indent="0">
+              <a:buNone/>
+              <a:defRPr sz="1400">
+                <a:solidFill>
+                  <a:schemeClr val="tx1">
+                    <a:tint val="75000"/>
+                  </a:schemeClr>
+                </a:solidFill>
+              </a:defRPr>
+            </a:lvl8pPr>
+            <a:lvl9pPr marL="3657600" indent="0">
+              <a:buNone/>
+              <a:defRPr sz="1400">
+                <a:solidFill>
+                  <a:schemeClr val="tx1">
+                    <a:tint val="75000"/>
+                  </a:schemeClr>
+                </a:solidFill>
+              </a:defRPr>
+            </a:lvl9pPr>
+          </a:lstStyle>
+          <a:p>
+            <a:pPr lvl="0"/>
+            <a:r>
+              <a:rPr lang="en-US"/>
+              <a:t>Click to edit Master text styles</a:t>
+            </a:r>
+          </a:p>
+        </p:txBody>
+      </p:sp>
+      <p:sp>
+        <p:nvSpPr>
+          <p:cNvPr id="4" name="Date Placeholder 3"/>
+          <p:cNvSpPr>
+            <a:spLocks noGrp="1"/>
+          </p:cNvSpPr>
+          <p:nvPr>
+            <p:ph type="dt" sz="half" idx="10"/>
+          </p:nvPr>
+        </p:nvSpPr>
+        <p:spPr/>
+        <p:txBody>
+          <a:bodyPr/>
+          <a:lstStyle/>
+          <a:p>
+            <a:fld id="{3C354BAF-8005-4048-91BB-D5FE8E5DED80}" type="datetimeFigureOut">
+              <a:rPr lang="en-KE" smtClean="0"/>
+              <a:t>08/09/2024</a:t>
+            </a:fld>
+            <a:endParaRPr lang="en-KE"/>
+          </a:p>
+        </p:txBody>
+      </p:sp>
+      <p:sp>
+        <p:nvSpPr>
+          <p:cNvPr id="5" name="Footer Placeholder 4"/>
+          <p:cNvSpPr>
+            <a:spLocks noGrp="1"/>
+          </p:cNvSpPr>
+          <p:nvPr>
+            <p:ph type="ftr" sz="quarter" idx="11"/>
+          </p:nvPr>
+        </p:nvSpPr>
+        <p:spPr/>
+        <p:txBody>
+          <a:bodyPr/>
+          <a:lstStyle/>
+          <a:p>
+            <a:endParaRPr lang="en-KE"/>
+          </a:p>
+        </p:txBody>
+      </p:sp>
+      <p:sp>
+        <p:nvSpPr>
+          <p:cNvPr id="6" name="Slide Number Placeholder 5"/>
+          <p:cNvSpPr>
+            <a:spLocks noGrp="1"/>
+          </p:cNvSpPr>
+          <p:nvPr>
+            <p:ph type="sldNum" sz="quarter" idx="12"/>
+          </p:nvPr>
+        </p:nvSpPr>
+        <p:spPr/>
+        <p:txBody>
+          <a:bodyPr/>
+          <a:lstStyle/>
+          <a:p>
+            <a:fld id="{554850E0-5D55-4EBA-87A3-961C0B03FB53}" type="slidenum">
+              <a:rPr lang="en-KE" smtClean="0"/>
+              <a:t>‹#›</a:t>
+            </a:fld>
+            <a:endParaRPr lang="en-KE"/>
+          </a:p>
+        </p:txBody>
+      </p:sp>
+      <p:sp>
+        <p:nvSpPr>
+          <p:cNvPr id="24" name="TextBox 23"/>
+          <p:cNvSpPr txBox="1"/>
+          <p:nvPr/>
+        </p:nvSpPr>
+        <p:spPr>
+          <a:xfrm>
+            <a:off x="541870" y="790378"/>
+            <a:ext cx="609600" cy="584776"/>
+          </a:xfrm>
+          <a:prstGeom prst="rect">
+            <a:avLst/>
+          </a:prstGeom>
+        </p:spPr>
+        <p:txBody>
+          <a:bodyPr vert="horz" lIns="91440" tIns="45720" rIns="91440" bIns="45720" rtlCol="0" anchor="ctr">
+            <a:noAutofit/>
+          </a:bodyPr>
+          <a:lstStyle/>
+          <a:p>
+            <a:pPr lvl="0"/>
+            <a:r>
+              <a:rPr lang="en-US" sz="8000" baseline="0" dirty="0">
+                <a:ln w="3175" cmpd="sng">
+                  <a:noFill/>
+                </a:ln>
+                <a:solidFill>
+                  <a:schemeClr val="accent1">
+                    <a:lumMod val="60000"/>
+                    <a:lumOff val="40000"/>
+                  </a:schemeClr>
+                </a:solidFill>
+                <a:effectLst/>
+                <a:latin typeface="Arial"/>
+              </a:rPr>
+              <a:t>“</a:t>
+            </a:r>
+          </a:p>
+        </p:txBody>
+      </p:sp>
+      <p:sp>
+        <p:nvSpPr>
+          <p:cNvPr id="25" name="TextBox 24"/>
+          <p:cNvSpPr txBox="1"/>
+          <p:nvPr/>
+        </p:nvSpPr>
+        <p:spPr>
+          <a:xfrm>
+            <a:off x="8893011" y="2886556"/>
+            <a:ext cx="609600" cy="584776"/>
+          </a:xfrm>
+          <a:prstGeom prst="rect">
+            <a:avLst/>
+          </a:prstGeom>
+        </p:spPr>
+        <p:txBody>
+          <a:bodyPr vert="horz" lIns="91440" tIns="45720" rIns="91440" bIns="45720" rtlCol="0" anchor="ctr">
+            <a:noAutofit/>
+          </a:bodyPr>
+          <a:lstStyle/>
+          <a:p>
+            <a:pPr lvl="0"/>
+            <a:r>
+              <a:rPr lang="en-US" sz="8000" baseline="0" dirty="0">
+                <a:ln w="3175" cmpd="sng">
+                  <a:noFill/>
+                </a:ln>
+                <a:solidFill>
+                  <a:schemeClr val="accent1">
+                    <a:lumMod val="60000"/>
+                    <a:lumOff val="40000"/>
+                  </a:schemeClr>
+                </a:solidFill>
+                <a:effectLst/>
+                <a:latin typeface="Arial"/>
+              </a:rPr>
+              <a:t>”</a:t>
+            </a:r>
+          </a:p>
+        </p:txBody>
+      </p:sp>
+    </p:spTree>
+    <p:extLst>
+      <p:ext uri="{BB962C8B-B14F-4D97-AF65-F5344CB8AC3E}">
+        <p14:creationId xmlns:p14="http://schemas.microsoft.com/office/powerpoint/2010/main" val="1515680364"/>
+      </p:ext>
+    </p:extLst>
+  </p:cSld>
+  <p:clrMapOvr>
+    <a:masterClrMapping/>
+  </p:clrMapOvr>
+</p:sldLayout>
+</file>
+
+<file path=ppt/slideLayouts/slideLayout12.xml><?xml version="1.0" encoding="utf-8"?>
+<p:sldLayout xmlns:a="http://schemas.openxmlformats.org/drawingml/2006/main" xmlns:r="http://schemas.openxmlformats.org/officeDocument/2006/relationships" xmlns:p="http://schemas.openxmlformats.org/presentationml/2006/main" preserve="1">
+  <p:cSld name="Name Card">
+    <p:spTree>
+      <p:nvGrpSpPr>
+        <p:cNvPr id="1" name=""/>
+        <p:cNvGrpSpPr/>
+        <p:nvPr/>
+      </p:nvGrpSpPr>
+      <p:grpSpPr>
+        <a:xfrm>
+          <a:off x="0" y="0"/>
+          <a:ext cx="0" cy="0"/>
+          <a:chOff x="0" y="0"/>
+          <a:chExt cx="0" cy="0"/>
+        </a:xfrm>
+      </p:grpSpPr>
+      <p:sp>
+        <p:nvSpPr>
+          <p:cNvPr id="2" name="Title 1"/>
+          <p:cNvSpPr>
+            <a:spLocks noGrp="1"/>
+          </p:cNvSpPr>
+          <p:nvPr>
+            <p:ph type="title"/>
+          </p:nvPr>
+        </p:nvSpPr>
+        <p:spPr>
+          <a:xfrm>
+            <a:off x="677335" y="1931988"/>
+            <a:ext cx="8596668" cy="2595460"/>
+          </a:xfrm>
+        </p:spPr>
+        <p:txBody>
+          <a:bodyPr anchor="b">
+            <a:normAutofit/>
+          </a:bodyPr>
+          <a:lstStyle>
+            <a:lvl1pPr algn="l">
+              <a:defRPr sz="4400" b="0" cap="none"/>
+            </a:lvl1pPr>
+          </a:lstStyle>
+          <a:p>
+            <a:r>
+              <a:rPr lang="en-US"/>
+              <a:t>Click to edit Master title style</a:t>
+            </a:r>
+            <a:endParaRPr lang="en-US" dirty="0"/>
+          </a:p>
+        </p:txBody>
+      </p:sp>
+      <p:sp>
+        <p:nvSpPr>
+          <p:cNvPr id="3" name="Text Placeholder 2"/>
+          <p:cNvSpPr>
+            <a:spLocks noGrp="1"/>
+          </p:cNvSpPr>
+          <p:nvPr>
+            <p:ph type="body" idx="1"/>
+          </p:nvPr>
+        </p:nvSpPr>
+        <p:spPr>
+          <a:xfrm>
+            <a:off x="677335" y="4527448"/>
+            <a:ext cx="8596668" cy="1513914"/>
+          </a:xfrm>
+        </p:spPr>
+        <p:txBody>
+          <a:bodyPr anchor="t">
+            <a:normAutofit/>
+          </a:bodyPr>
+          <a:lstStyle>
+            <a:lvl1pPr marL="0" indent="0" algn="l">
+              <a:buNone/>
+              <a:defRPr sz="1800">
+                <a:solidFill>
+                  <a:schemeClr val="tx1">
+                    <a:lumMod val="75000"/>
+                    <a:lumOff val="25000"/>
+                  </a:schemeClr>
+                </a:solidFill>
+              </a:defRPr>
+            </a:lvl1pPr>
+            <a:lvl2pPr marL="457200" indent="0">
+              <a:buNone/>
+              <a:defRPr sz="1800">
+                <a:solidFill>
+                  <a:schemeClr val="tx1">
+                    <a:tint val="75000"/>
+                  </a:schemeClr>
+                </a:solidFill>
+              </a:defRPr>
+            </a:lvl2pPr>
+            <a:lvl3pPr marL="914400" indent="0">
+              <a:buNone/>
+              <a:defRPr sz="1600">
+                <a:solidFill>
+                  <a:schemeClr val="tx1">
+                    <a:tint val="75000"/>
+                  </a:schemeClr>
+                </a:solidFill>
+              </a:defRPr>
+            </a:lvl3pPr>
+            <a:lvl4pPr marL="1371600" indent="0">
+              <a:buNone/>
+              <a:defRPr sz="1400">
+                <a:solidFill>
+                  <a:schemeClr val="tx1">
+                    <a:tint val="75000"/>
+                  </a:schemeClr>
+                </a:solidFill>
+              </a:defRPr>
+            </a:lvl4pPr>
+            <a:lvl5pPr marL="1828800" indent="0">
+              <a:buNone/>
+              <a:defRPr sz="1400">
+                <a:solidFill>
+                  <a:schemeClr val="tx1">
+                    <a:tint val="75000"/>
+                  </a:schemeClr>
+                </a:solidFill>
+              </a:defRPr>
+            </a:lvl5pPr>
+            <a:lvl6pPr marL="2286000" indent="0">
+              <a:buNone/>
+              <a:defRPr sz="1400">
+                <a:solidFill>
+                  <a:schemeClr val="tx1">
+                    <a:tint val="75000"/>
+                  </a:schemeClr>
+                </a:solidFill>
+              </a:defRPr>
+            </a:lvl6pPr>
+            <a:lvl7pPr marL="2743200" indent="0">
+              <a:buNone/>
+              <a:defRPr sz="1400">
+                <a:solidFill>
+                  <a:schemeClr val="tx1">
+                    <a:tint val="75000"/>
+                  </a:schemeClr>
+                </a:solidFill>
+              </a:defRPr>
+            </a:lvl7pPr>
+            <a:lvl8pPr marL="3200400" indent="0">
+              <a:buNone/>
+              <a:defRPr sz="1400">
+                <a:solidFill>
+                  <a:schemeClr val="tx1">
+                    <a:tint val="75000"/>
+                  </a:schemeClr>
+                </a:solidFill>
+              </a:defRPr>
+            </a:lvl8pPr>
+            <a:lvl9pPr marL="3657600" indent="0">
+              <a:buNone/>
+              <a:defRPr sz="1400">
+                <a:solidFill>
+                  <a:schemeClr val="tx1">
+                    <a:tint val="75000"/>
+                  </a:schemeClr>
+                </a:solidFill>
+              </a:defRPr>
+            </a:lvl9pPr>
+          </a:lstStyle>
+          <a:p>
+            <a:pPr lvl="0"/>
+            <a:r>
+              <a:rPr lang="en-US"/>
+              <a:t>Click to edit Master text styles</a:t>
+            </a:r>
+          </a:p>
+        </p:txBody>
+      </p:sp>
+      <p:sp>
+        <p:nvSpPr>
+          <p:cNvPr id="4" name="Date Placeholder 3"/>
+          <p:cNvSpPr>
+            <a:spLocks noGrp="1"/>
+          </p:cNvSpPr>
+          <p:nvPr>
+            <p:ph type="dt" sz="half" idx="10"/>
+          </p:nvPr>
+        </p:nvSpPr>
+        <p:spPr/>
+        <p:txBody>
+          <a:bodyPr/>
+          <a:lstStyle/>
+          <a:p>
+            <a:fld id="{3C354BAF-8005-4048-91BB-D5FE8E5DED80}" type="datetimeFigureOut">
+              <a:rPr lang="en-KE" smtClean="0"/>
+              <a:t>08/09/2024</a:t>
+            </a:fld>
+            <a:endParaRPr lang="en-KE"/>
+          </a:p>
+        </p:txBody>
+      </p:sp>
+      <p:sp>
+        <p:nvSpPr>
+          <p:cNvPr id="5" name="Footer Placeholder 4"/>
+          <p:cNvSpPr>
+            <a:spLocks noGrp="1"/>
+          </p:cNvSpPr>
+          <p:nvPr>
+            <p:ph type="ftr" sz="quarter" idx="11"/>
+          </p:nvPr>
+        </p:nvSpPr>
+        <p:spPr/>
+        <p:txBody>
+          <a:bodyPr/>
+          <a:lstStyle/>
+          <a:p>
+            <a:endParaRPr lang="en-KE"/>
+          </a:p>
+        </p:txBody>
+      </p:sp>
+      <p:sp>
+        <p:nvSpPr>
+          <p:cNvPr id="6" name="Slide Number Placeholder 5"/>
+          <p:cNvSpPr>
+            <a:spLocks noGrp="1"/>
+          </p:cNvSpPr>
+          <p:nvPr>
+            <p:ph type="sldNum" sz="quarter" idx="12"/>
+          </p:nvPr>
+        </p:nvSpPr>
+        <p:spPr/>
+        <p:txBody>
+          <a:bodyPr/>
+          <a:lstStyle/>
+          <a:p>
+            <a:fld id="{554850E0-5D55-4EBA-87A3-961C0B03FB53}" type="slidenum">
+              <a:rPr lang="en-KE" smtClean="0"/>
+              <a:t>‹#›</a:t>
+            </a:fld>
+            <a:endParaRPr lang="en-KE"/>
+          </a:p>
+        </p:txBody>
+      </p:sp>
+    </p:spTree>
+    <p:extLst>
+      <p:ext uri="{BB962C8B-B14F-4D97-AF65-F5344CB8AC3E}">
+        <p14:creationId xmlns:p14="http://schemas.microsoft.com/office/powerpoint/2010/main" val="2713088937"/>
+      </p:ext>
+    </p:extLst>
+  </p:cSld>
+  <p:clrMapOvr>
+    <a:masterClrMapping/>
+  </p:clrMapOvr>
+</p:sldLayout>
+</file>
+
+<file path=ppt/slideLayouts/slideLayout13.xml><?xml version="1.0" encoding="utf-8"?>
+<p:sldLayout xmlns:a="http://schemas.openxmlformats.org/drawingml/2006/main" xmlns:r="http://schemas.openxmlformats.org/officeDocument/2006/relationships" xmlns:p="http://schemas.openxmlformats.org/presentationml/2006/main" preserve="1">
+  <p:cSld name="Quote Name Card">
+    <p:spTree>
+      <p:nvGrpSpPr>
+        <p:cNvPr id="1" name=""/>
+        <p:cNvGrpSpPr/>
+        <p:nvPr/>
+      </p:nvGrpSpPr>
+      <p:grpSpPr>
+        <a:xfrm>
+          <a:off x="0" y="0"/>
+          <a:ext cx="0" cy="0"/>
+          <a:chOff x="0" y="0"/>
+          <a:chExt cx="0" cy="0"/>
+        </a:xfrm>
+      </p:grpSpPr>
+      <p:sp>
+        <p:nvSpPr>
+          <p:cNvPr id="2" name="Title 1"/>
+          <p:cNvSpPr>
+            <a:spLocks noGrp="1"/>
+          </p:cNvSpPr>
+          <p:nvPr>
+            <p:ph type="title"/>
+          </p:nvPr>
+        </p:nvSpPr>
+        <p:spPr>
+          <a:xfrm>
+            <a:off x="931334" y="609600"/>
+            <a:ext cx="8094134" cy="3022600"/>
+          </a:xfrm>
+        </p:spPr>
+        <p:txBody>
+          <a:bodyPr anchor="ctr">
+            <a:normAutofit/>
+          </a:bodyPr>
+          <a:lstStyle>
+            <a:lvl1pPr algn="l">
+              <a:defRPr sz="4400" b="0" cap="none"/>
+            </a:lvl1pPr>
+          </a:lstStyle>
+          <a:p>
+            <a:r>
+              <a:rPr lang="en-US"/>
+              <a:t>Click to edit Master title style</a:t>
+            </a:r>
+            <a:endParaRPr lang="en-US" dirty="0"/>
+          </a:p>
+        </p:txBody>
+      </p:sp>
+      <p:sp>
+        <p:nvSpPr>
+          <p:cNvPr id="23" name="Text Placeholder 9"/>
+          <p:cNvSpPr>
+            <a:spLocks noGrp="1"/>
+          </p:cNvSpPr>
+          <p:nvPr>
+            <p:ph type="body" sz="quarter" idx="13"/>
+          </p:nvPr>
+        </p:nvSpPr>
+        <p:spPr>
+          <a:xfrm>
+            <a:off x="677332" y="4013200"/>
+            <a:ext cx="8596669" cy="514248"/>
+          </a:xfrm>
+        </p:spPr>
+        <p:txBody>
+          <a:bodyPr anchor="b">
+            <a:noAutofit/>
+          </a:bodyPr>
+          <a:lstStyle>
+            <a:lvl1pPr marL="0" indent="0">
+              <a:buFontTx/>
+              <a:buNone/>
+              <a:defRPr sz="2400">
+                <a:solidFill>
+                  <a:schemeClr val="tx1">
+                    <a:lumMod val="75000"/>
+                    <a:lumOff val="25000"/>
+                  </a:schemeClr>
+                </a:solidFill>
+              </a:defRPr>
+            </a:lvl1pPr>
+            <a:lvl2pPr marL="457200" indent="0">
+              <a:buFontTx/>
+              <a:buNone/>
+              <a:defRPr/>
+            </a:lvl2pPr>
+            <a:lvl3pPr marL="914400" indent="0">
+              <a:buFontTx/>
+              <a:buNone/>
+              <a:defRPr/>
+            </a:lvl3pPr>
+            <a:lvl4pPr marL="1371600" indent="0">
+              <a:buFontTx/>
+              <a:buNone/>
+              <a:defRPr/>
+            </a:lvl4pPr>
+            <a:lvl5pPr marL="1828800" indent="0">
+              <a:buFontTx/>
+              <a:buNone/>
+              <a:defRPr/>
+            </a:lvl5pPr>
+          </a:lstStyle>
+          <a:p>
+            <a:pPr lvl="0"/>
+            <a:r>
+              <a:rPr lang="en-US"/>
+              <a:t>Click to edit Master text styles</a:t>
+            </a:r>
+          </a:p>
+        </p:txBody>
+      </p:sp>
+      <p:sp>
+        <p:nvSpPr>
+          <p:cNvPr id="3" name="Text Placeholder 2"/>
+          <p:cNvSpPr>
+            <a:spLocks noGrp="1"/>
+          </p:cNvSpPr>
+          <p:nvPr>
+            <p:ph type="body" idx="1"/>
+          </p:nvPr>
+        </p:nvSpPr>
+        <p:spPr>
+          <a:xfrm>
+            <a:off x="677335" y="4527448"/>
+            <a:ext cx="8596668" cy="1513914"/>
+          </a:xfrm>
+        </p:spPr>
+        <p:txBody>
+          <a:bodyPr anchor="t">
+            <a:normAutofit/>
+          </a:bodyPr>
+          <a:lstStyle>
+            <a:lvl1pPr marL="0" indent="0" algn="l">
+              <a:buNone/>
+              <a:defRPr sz="1800">
+                <a:solidFill>
+                  <a:schemeClr val="tx1">
+                    <a:lumMod val="50000"/>
+                    <a:lumOff val="50000"/>
+                  </a:schemeClr>
+                </a:solidFill>
+              </a:defRPr>
+            </a:lvl1pPr>
+            <a:lvl2pPr marL="457200" indent="0">
+              <a:buNone/>
+              <a:defRPr sz="1800">
+                <a:solidFill>
+                  <a:schemeClr val="tx1">
+                    <a:tint val="75000"/>
+                  </a:schemeClr>
+                </a:solidFill>
+              </a:defRPr>
+            </a:lvl2pPr>
+            <a:lvl3pPr marL="914400" indent="0">
+              <a:buNone/>
+              <a:defRPr sz="1600">
+                <a:solidFill>
+                  <a:schemeClr val="tx1">
+                    <a:tint val="75000"/>
+                  </a:schemeClr>
+                </a:solidFill>
+              </a:defRPr>
+            </a:lvl3pPr>
+            <a:lvl4pPr marL="1371600" indent="0">
+              <a:buNone/>
+              <a:defRPr sz="1400">
+                <a:solidFill>
+                  <a:schemeClr val="tx1">
+                    <a:tint val="75000"/>
+                  </a:schemeClr>
+                </a:solidFill>
+              </a:defRPr>
+            </a:lvl4pPr>
+            <a:lvl5pPr marL="1828800" indent="0">
+              <a:buNone/>
+              <a:defRPr sz="1400">
+                <a:solidFill>
+                  <a:schemeClr val="tx1">
+                    <a:tint val="75000"/>
+                  </a:schemeClr>
+                </a:solidFill>
+              </a:defRPr>
+            </a:lvl5pPr>
+            <a:lvl6pPr marL="2286000" indent="0">
+              <a:buNone/>
+              <a:defRPr sz="1400">
+                <a:solidFill>
+                  <a:schemeClr val="tx1">
+                    <a:tint val="75000"/>
+                  </a:schemeClr>
+                </a:solidFill>
+              </a:defRPr>
+            </a:lvl6pPr>
+            <a:lvl7pPr marL="2743200" indent="0">
+              <a:buNone/>
+              <a:defRPr sz="1400">
+                <a:solidFill>
+                  <a:schemeClr val="tx1">
+                    <a:tint val="75000"/>
+                  </a:schemeClr>
+                </a:solidFill>
+              </a:defRPr>
+            </a:lvl7pPr>
+            <a:lvl8pPr marL="3200400" indent="0">
+              <a:buNone/>
+              <a:defRPr sz="1400">
+                <a:solidFill>
+                  <a:schemeClr val="tx1">
+                    <a:tint val="75000"/>
+                  </a:schemeClr>
+                </a:solidFill>
+              </a:defRPr>
+            </a:lvl8pPr>
+            <a:lvl9pPr marL="3657600" indent="0">
+              <a:buNone/>
+              <a:defRPr sz="1400">
+                <a:solidFill>
+                  <a:schemeClr val="tx1">
+                    <a:tint val="75000"/>
+                  </a:schemeClr>
+                </a:solidFill>
+              </a:defRPr>
+            </a:lvl9pPr>
+          </a:lstStyle>
+          <a:p>
+            <a:pPr lvl="0"/>
+            <a:r>
+              <a:rPr lang="en-US"/>
+              <a:t>Click to edit Master text styles</a:t>
+            </a:r>
+          </a:p>
+        </p:txBody>
+      </p:sp>
+      <p:sp>
+        <p:nvSpPr>
+          <p:cNvPr id="4" name="Date Placeholder 3"/>
+          <p:cNvSpPr>
+            <a:spLocks noGrp="1"/>
+          </p:cNvSpPr>
+          <p:nvPr>
+            <p:ph type="dt" sz="half" idx="10"/>
+          </p:nvPr>
+        </p:nvSpPr>
+        <p:spPr/>
+        <p:txBody>
+          <a:bodyPr/>
+          <a:lstStyle/>
+          <a:p>
+            <a:fld id="{3C354BAF-8005-4048-91BB-D5FE8E5DED80}" type="datetimeFigureOut">
+              <a:rPr lang="en-KE" smtClean="0"/>
+              <a:t>08/09/2024</a:t>
+            </a:fld>
+            <a:endParaRPr lang="en-KE"/>
+          </a:p>
+        </p:txBody>
+      </p:sp>
+      <p:sp>
+        <p:nvSpPr>
+          <p:cNvPr id="5" name="Footer Placeholder 4"/>
+          <p:cNvSpPr>
+            <a:spLocks noGrp="1"/>
+          </p:cNvSpPr>
+          <p:nvPr>
+            <p:ph type="ftr" sz="quarter" idx="11"/>
+          </p:nvPr>
+        </p:nvSpPr>
+        <p:spPr/>
+        <p:txBody>
+          <a:bodyPr/>
+          <a:lstStyle/>
+          <a:p>
+            <a:endParaRPr lang="en-KE"/>
+          </a:p>
+        </p:txBody>
+      </p:sp>
+      <p:sp>
+        <p:nvSpPr>
+          <p:cNvPr id="6" name="Slide Number Placeholder 5"/>
+          <p:cNvSpPr>
+            <a:spLocks noGrp="1"/>
+          </p:cNvSpPr>
+          <p:nvPr>
+            <p:ph type="sldNum" sz="quarter" idx="12"/>
+          </p:nvPr>
+        </p:nvSpPr>
+        <p:spPr/>
+        <p:txBody>
+          <a:bodyPr/>
+          <a:lstStyle/>
+          <a:p>
+            <a:fld id="{554850E0-5D55-4EBA-87A3-961C0B03FB53}" type="slidenum">
+              <a:rPr lang="en-KE" smtClean="0"/>
+              <a:t>‹#›</a:t>
+            </a:fld>
+            <a:endParaRPr lang="en-KE"/>
+          </a:p>
+        </p:txBody>
+      </p:sp>
+      <p:sp>
+        <p:nvSpPr>
+          <p:cNvPr id="24" name="TextBox 23"/>
+          <p:cNvSpPr txBox="1"/>
+          <p:nvPr/>
+        </p:nvSpPr>
+        <p:spPr>
+          <a:xfrm>
+            <a:off x="541870" y="790378"/>
+            <a:ext cx="609600" cy="584776"/>
+          </a:xfrm>
+          <a:prstGeom prst="rect">
+            <a:avLst/>
+          </a:prstGeom>
+        </p:spPr>
+        <p:txBody>
+          <a:bodyPr vert="horz" lIns="91440" tIns="45720" rIns="91440" bIns="45720" rtlCol="0" anchor="ctr">
+            <a:noAutofit/>
+          </a:bodyPr>
+          <a:lstStyle/>
+          <a:p>
+            <a:pPr lvl="0"/>
+            <a:r>
+              <a:rPr lang="en-US" sz="8000" baseline="0" dirty="0">
+                <a:ln w="3175" cmpd="sng">
+                  <a:noFill/>
+                </a:ln>
+                <a:solidFill>
+                  <a:schemeClr val="accent1">
+                    <a:lumMod val="60000"/>
+                    <a:lumOff val="40000"/>
+                  </a:schemeClr>
+                </a:solidFill>
+                <a:effectLst/>
+                <a:latin typeface="Arial"/>
+              </a:rPr>
+              <a:t>“</a:t>
+            </a:r>
+          </a:p>
+        </p:txBody>
+      </p:sp>
+      <p:sp>
+        <p:nvSpPr>
+          <p:cNvPr id="25" name="TextBox 24"/>
+          <p:cNvSpPr txBox="1"/>
+          <p:nvPr/>
+        </p:nvSpPr>
+        <p:spPr>
+          <a:xfrm>
+            <a:off x="8893011" y="2886556"/>
+            <a:ext cx="609600" cy="584776"/>
+          </a:xfrm>
+          <a:prstGeom prst="rect">
+            <a:avLst/>
+          </a:prstGeom>
+        </p:spPr>
+        <p:txBody>
+          <a:bodyPr vert="horz" lIns="91440" tIns="45720" rIns="91440" bIns="45720" rtlCol="0" anchor="ctr">
+            <a:noAutofit/>
+          </a:bodyPr>
+          <a:lstStyle/>
+          <a:p>
+            <a:pPr lvl="0"/>
+            <a:r>
+              <a:rPr lang="en-US" sz="8000" baseline="0" dirty="0">
+                <a:ln w="3175" cmpd="sng">
+                  <a:noFill/>
+                </a:ln>
+                <a:solidFill>
+                  <a:schemeClr val="accent1">
+                    <a:lumMod val="60000"/>
+                    <a:lumOff val="40000"/>
+                  </a:schemeClr>
+                </a:solidFill>
+                <a:effectLst/>
+                <a:latin typeface="Arial"/>
+              </a:rPr>
+              <a:t>”</a:t>
+            </a:r>
+          </a:p>
+        </p:txBody>
+      </p:sp>
+    </p:spTree>
+    <p:extLst>
+      <p:ext uri="{BB962C8B-B14F-4D97-AF65-F5344CB8AC3E}">
+        <p14:creationId xmlns:p14="http://schemas.microsoft.com/office/powerpoint/2010/main" val="267767407"/>
+      </p:ext>
+    </p:extLst>
+  </p:cSld>
+  <p:clrMapOvr>
+    <a:masterClrMapping/>
+  </p:clrMapOvr>
+</p:sldLayout>
+</file>
+
+<file path=ppt/slideLayouts/slideLayout14.xml><?xml version="1.0" encoding="utf-8"?>
+<p:sldLayout xmlns:a="http://schemas.openxmlformats.org/drawingml/2006/main" xmlns:r="http://schemas.openxmlformats.org/officeDocument/2006/relationships" xmlns:p="http://schemas.openxmlformats.org/presentationml/2006/main" preserve="1">
+  <p:cSld name="True or False">
+    <p:spTree>
+      <p:nvGrpSpPr>
+        <p:cNvPr id="1" name=""/>
+        <p:cNvGrpSpPr/>
+        <p:nvPr/>
+      </p:nvGrpSpPr>
+      <p:grpSpPr>
+        <a:xfrm>
+          <a:off x="0" y="0"/>
+          <a:ext cx="0" cy="0"/>
+          <a:chOff x="0" y="0"/>
+          <a:chExt cx="0" cy="0"/>
+        </a:xfrm>
+      </p:grpSpPr>
+      <p:sp>
+        <p:nvSpPr>
+          <p:cNvPr id="2" name="Title 1"/>
+          <p:cNvSpPr>
+            <a:spLocks noGrp="1"/>
+          </p:cNvSpPr>
+          <p:nvPr>
+            <p:ph type="title"/>
+          </p:nvPr>
+        </p:nvSpPr>
+        <p:spPr>
+          <a:xfrm>
+            <a:off x="685799" y="609600"/>
+            <a:ext cx="8588203" cy="3022600"/>
+          </a:xfrm>
+        </p:spPr>
+        <p:txBody>
+          <a:bodyPr anchor="ctr">
+            <a:normAutofit/>
+          </a:bodyPr>
+          <a:lstStyle>
+            <a:lvl1pPr algn="l">
+              <a:defRPr sz="4400" b="0" cap="none"/>
+            </a:lvl1pPr>
+          </a:lstStyle>
+          <a:p>
+            <a:r>
+              <a:rPr lang="en-US"/>
+              <a:t>Click to edit Master title style</a:t>
+            </a:r>
+            <a:endParaRPr lang="en-US" dirty="0"/>
+          </a:p>
+        </p:txBody>
+      </p:sp>
+      <p:sp>
+        <p:nvSpPr>
+          <p:cNvPr id="23" name="Text Placeholder 9"/>
+          <p:cNvSpPr>
+            <a:spLocks noGrp="1"/>
+          </p:cNvSpPr>
+          <p:nvPr>
+            <p:ph type="body" sz="quarter" idx="13"/>
+          </p:nvPr>
+        </p:nvSpPr>
+        <p:spPr>
+          <a:xfrm>
+            <a:off x="677332" y="4013200"/>
+            <a:ext cx="8596669" cy="514248"/>
+          </a:xfrm>
+        </p:spPr>
+        <p:txBody>
+          <a:bodyPr anchor="b">
+            <a:noAutofit/>
+          </a:bodyPr>
+          <a:lstStyle>
+            <a:lvl1pPr marL="0" indent="0">
+              <a:buFontTx/>
+              <a:buNone/>
+              <a:defRPr sz="2400">
+                <a:solidFill>
+                  <a:schemeClr val="accent1"/>
+                </a:solidFill>
+              </a:defRPr>
+            </a:lvl1pPr>
+            <a:lvl2pPr marL="457200" indent="0">
+              <a:buFontTx/>
+              <a:buNone/>
+              <a:defRPr/>
+            </a:lvl2pPr>
+            <a:lvl3pPr marL="914400" indent="0">
+              <a:buFontTx/>
+              <a:buNone/>
+              <a:defRPr/>
+            </a:lvl3pPr>
+            <a:lvl4pPr marL="1371600" indent="0">
+              <a:buFontTx/>
+              <a:buNone/>
+              <a:defRPr/>
+            </a:lvl4pPr>
+            <a:lvl5pPr marL="1828800" indent="0">
+              <a:buFontTx/>
+              <a:buNone/>
+              <a:defRPr/>
+            </a:lvl5pPr>
+          </a:lstStyle>
+          <a:p>
+            <a:pPr lvl="0"/>
+            <a:r>
+              <a:rPr lang="en-US"/>
+              <a:t>Click to edit Master text styles</a:t>
+            </a:r>
+          </a:p>
+        </p:txBody>
+      </p:sp>
+      <p:sp>
+        <p:nvSpPr>
+          <p:cNvPr id="3" name="Text Placeholder 2"/>
+          <p:cNvSpPr>
+            <a:spLocks noGrp="1"/>
+          </p:cNvSpPr>
+          <p:nvPr>
+            <p:ph type="body" idx="1"/>
+          </p:nvPr>
+        </p:nvSpPr>
+        <p:spPr>
+          <a:xfrm>
+            <a:off x="677335" y="4527448"/>
+            <a:ext cx="8596668" cy="1513914"/>
+          </a:xfrm>
+        </p:spPr>
+        <p:txBody>
+          <a:bodyPr anchor="t">
+            <a:normAutofit/>
+          </a:bodyPr>
+          <a:lstStyle>
+            <a:lvl1pPr marL="0" indent="0" algn="l">
+              <a:buNone/>
+              <a:defRPr sz="1800">
+                <a:solidFill>
+                  <a:schemeClr val="tx1">
+                    <a:lumMod val="50000"/>
+                    <a:lumOff val="50000"/>
+                  </a:schemeClr>
+                </a:solidFill>
+              </a:defRPr>
+            </a:lvl1pPr>
+            <a:lvl2pPr marL="457200" indent="0">
+              <a:buNone/>
+              <a:defRPr sz="1800">
+                <a:solidFill>
+                  <a:schemeClr val="tx1">
+                    <a:tint val="75000"/>
+                  </a:schemeClr>
+                </a:solidFill>
+              </a:defRPr>
+            </a:lvl2pPr>
+            <a:lvl3pPr marL="914400" indent="0">
+              <a:buNone/>
+              <a:defRPr sz="1600">
+                <a:solidFill>
+                  <a:schemeClr val="tx1">
+                    <a:tint val="75000"/>
+                  </a:schemeClr>
+                </a:solidFill>
+              </a:defRPr>
+            </a:lvl3pPr>
+            <a:lvl4pPr marL="1371600" indent="0">
+              <a:buNone/>
+              <a:defRPr sz="1400">
+                <a:solidFill>
+                  <a:schemeClr val="tx1">
+                    <a:tint val="75000"/>
+                  </a:schemeClr>
+                </a:solidFill>
+              </a:defRPr>
+            </a:lvl4pPr>
+            <a:lvl5pPr marL="1828800" indent="0">
+              <a:buNone/>
+              <a:defRPr sz="1400">
+                <a:solidFill>
+                  <a:schemeClr val="tx1">
+                    <a:tint val="75000"/>
+                  </a:schemeClr>
+                </a:solidFill>
+              </a:defRPr>
+            </a:lvl5pPr>
+            <a:lvl6pPr marL="2286000" indent="0">
+              <a:buNone/>
+              <a:defRPr sz="1400">
+                <a:solidFill>
+                  <a:schemeClr val="tx1">
+                    <a:tint val="75000"/>
+                  </a:schemeClr>
+                </a:solidFill>
+              </a:defRPr>
+            </a:lvl6pPr>
+            <a:lvl7pPr marL="2743200" indent="0">
+              <a:buNone/>
+              <a:defRPr sz="1400">
+                <a:solidFill>
+                  <a:schemeClr val="tx1">
+                    <a:tint val="75000"/>
+                  </a:schemeClr>
+                </a:solidFill>
+              </a:defRPr>
+            </a:lvl7pPr>
+            <a:lvl8pPr marL="3200400" indent="0">
+              <a:buNone/>
+              <a:defRPr sz="1400">
+                <a:solidFill>
+                  <a:schemeClr val="tx1">
+                    <a:tint val="75000"/>
+                  </a:schemeClr>
+                </a:solidFill>
+              </a:defRPr>
+            </a:lvl8pPr>
+            <a:lvl9pPr marL="3657600" indent="0">
+              <a:buNone/>
+              <a:defRPr sz="1400">
+                <a:solidFill>
+                  <a:schemeClr val="tx1">
+                    <a:tint val="75000"/>
+                  </a:schemeClr>
+                </a:solidFill>
+              </a:defRPr>
+            </a:lvl9pPr>
+          </a:lstStyle>
+          <a:p>
+            <a:pPr lvl="0"/>
+            <a:r>
+              <a:rPr lang="en-US"/>
+              <a:t>Click to edit Master text styles</a:t>
+            </a:r>
+          </a:p>
+        </p:txBody>
+      </p:sp>
+      <p:sp>
+        <p:nvSpPr>
+          <p:cNvPr id="4" name="Date Placeholder 3"/>
+          <p:cNvSpPr>
+            <a:spLocks noGrp="1"/>
+          </p:cNvSpPr>
+          <p:nvPr>
+            <p:ph type="dt" sz="half" idx="10"/>
+          </p:nvPr>
+        </p:nvSpPr>
+        <p:spPr/>
+        <p:txBody>
+          <a:bodyPr/>
+          <a:lstStyle/>
+          <a:p>
+            <a:fld id="{3C354BAF-8005-4048-91BB-D5FE8E5DED80}" type="datetimeFigureOut">
+              <a:rPr lang="en-KE" smtClean="0"/>
+              <a:t>08/09/2024</a:t>
+            </a:fld>
+            <a:endParaRPr lang="en-KE"/>
+          </a:p>
+        </p:txBody>
+      </p:sp>
+      <p:sp>
+        <p:nvSpPr>
+          <p:cNvPr id="5" name="Footer Placeholder 4"/>
+          <p:cNvSpPr>
+            <a:spLocks noGrp="1"/>
+          </p:cNvSpPr>
+          <p:nvPr>
+            <p:ph type="ftr" sz="quarter" idx="11"/>
+          </p:nvPr>
+        </p:nvSpPr>
+        <p:spPr/>
+        <p:txBody>
+          <a:bodyPr/>
+          <a:lstStyle/>
+          <a:p>
+            <a:endParaRPr lang="en-KE"/>
+          </a:p>
+        </p:txBody>
+      </p:sp>
+      <p:sp>
+        <p:nvSpPr>
+          <p:cNvPr id="6" name="Slide Number Placeholder 5"/>
+          <p:cNvSpPr>
+            <a:spLocks noGrp="1"/>
+          </p:cNvSpPr>
+          <p:nvPr>
+            <p:ph type="sldNum" sz="quarter" idx="12"/>
+          </p:nvPr>
+        </p:nvSpPr>
+        <p:spPr/>
+        <p:txBody>
+          <a:bodyPr/>
+          <a:lstStyle/>
+          <a:p>
+            <a:fld id="{554850E0-5D55-4EBA-87A3-961C0B03FB53}" type="slidenum">
+              <a:rPr lang="en-KE" smtClean="0"/>
+              <a:t>‹#›</a:t>
+            </a:fld>
+            <a:endParaRPr lang="en-KE"/>
+          </a:p>
+        </p:txBody>
+      </p:sp>
+    </p:spTree>
+    <p:extLst>
+      <p:ext uri="{BB962C8B-B14F-4D97-AF65-F5344CB8AC3E}">
+        <p14:creationId xmlns:p14="http://schemas.microsoft.com/office/powerpoint/2010/main" val="3757653435"/>
+      </p:ext>
+    </p:extLst>
+  </p:cSld>
+  <p:clrMapOvr>
+    <a:masterClrMapping/>
+  </p:clrMapOvr>
+</p:sldLayout>
+</file>
+
+<file path=ppt/slideLayouts/slideLayout15.xml><?xml version="1.0" encoding="utf-8"?>
 <p:sldLayout xmlns:a="http://schemas.openxmlformats.org/drawingml/2006/main" xmlns:r="http://schemas.openxmlformats.org/officeDocument/2006/relationships" xmlns:p="http://schemas.openxmlformats.org/presentationml/2006/main" type="vertTx" preserve="1">
   <p:cSld name="Title and Vertical Text">
     <p:spTree>
@@ -763,7 +2886,7 @@
           <a:p>
             <a:fld id="{3C354BAF-8005-4048-91BB-D5FE8E5DED80}" type="datetimeFigureOut">
               <a:rPr lang="en-KE" smtClean="0"/>
-              <a:t>07/09/2024</a:t>
+              <a:t>08/09/2024</a:t>
             </a:fld>
             <a:endParaRPr lang="en-KE"/>
           </a:p>
@@ -814,7 +2937,7 @@
     </p:spTree>
     <p:extLst>
       <p:ext uri="{BB962C8B-B14F-4D97-AF65-F5344CB8AC3E}">
-        <p14:creationId xmlns:p14="http://schemas.microsoft.com/office/powerpoint/2010/main" val="3726960267"/>
+        <p14:creationId xmlns:p14="http://schemas.microsoft.com/office/powerpoint/2010/main" val="2959475771"/>
       </p:ext>
     </p:extLst>
   </p:cSld>
@@ -824,7 +2947,7 @@
 </p:sldLayout>
 </file>
 
-<file path=ppt/slideLayouts/slideLayout11.xml><?xml version="1.0" encoding="utf-8"?>
+<file path=ppt/slideLayouts/slideLayout16.xml><?xml version="1.0" encoding="utf-8"?>
 <p:sldLayout xmlns:a="http://schemas.openxmlformats.org/drawingml/2006/main" xmlns:r="http://schemas.openxmlformats.org/officeDocument/2006/relationships" xmlns:p="http://schemas.openxmlformats.org/presentationml/2006/main" type="vertTitleAndTx" preserve="1">
   <p:cSld name="Vertical Title and Text">
     <p:spTree>
@@ -853,12 +2976,12 @@
         </p:nvSpPr>
         <p:spPr>
           <a:xfrm>
-            <a:off x="8724900" y="762000"/>
-            <a:ext cx="2324100" cy="5410200"/>
+            <a:off x="7967673" y="609599"/>
+            <a:ext cx="1304743" cy="5251451"/>
           </a:xfrm>
         </p:spPr>
         <p:txBody>
-          <a:bodyPr vert="eaVert"/>
+          <a:bodyPr vert="eaVert" anchor="ctr"/>
           <a:lstStyle/>
           <a:p>
             <a:r>
@@ -881,8 +3004,8 @@
         </p:nvSpPr>
         <p:spPr>
           <a:xfrm>
-            <a:off x="1143000" y="762000"/>
-            <a:ext cx="7429500" cy="5410200"/>
+            <a:off x="677335" y="609600"/>
+            <a:ext cx="7060150" cy="5251450"/>
           </a:xfrm>
         </p:spPr>
         <p:txBody>
@@ -943,7 +3066,7 @@
           <a:p>
             <a:fld id="{3C354BAF-8005-4048-91BB-D5FE8E5DED80}" type="datetimeFigureOut">
               <a:rPr lang="en-KE" smtClean="0"/>
-              <a:t>07/09/2024</a:t>
+              <a:t>08/09/2024</a:t>
             </a:fld>
             <a:endParaRPr lang="en-KE"/>
           </a:p>
@@ -994,7 +3117,7 @@
     </p:spTree>
     <p:extLst>
       <p:ext uri="{BB962C8B-B14F-4D97-AF65-F5344CB8AC3E}">
-        <p14:creationId xmlns:p14="http://schemas.microsoft.com/office/powerpoint/2010/main" val="3000584922"/>
+        <p14:creationId xmlns:p14="http://schemas.microsoft.com/office/powerpoint/2010/main" val="1495259335"/>
       </p:ext>
     </p:extLst>
   </p:cSld>
@@ -1113,7 +3236,7 @@
           <a:p>
             <a:fld id="{3C354BAF-8005-4048-91BB-D5FE8E5DED80}" type="datetimeFigureOut">
               <a:rPr lang="en-KE" smtClean="0"/>
-              <a:t>07/09/2024</a:t>
+              <a:t>08/09/2024</a:t>
             </a:fld>
             <a:endParaRPr lang="en-KE"/>
           </a:p>
@@ -1164,7 +3287,7 @@
     </p:spTree>
     <p:extLst>
       <p:ext uri="{BB962C8B-B14F-4D97-AF65-F5344CB8AC3E}">
-        <p14:creationId xmlns:p14="http://schemas.microsoft.com/office/powerpoint/2010/main" val="2168597335"/>
+        <p14:creationId xmlns:p14="http://schemas.microsoft.com/office/powerpoint/2010/main" val="1283205820"/>
       </p:ext>
     </p:extLst>
   </p:cSld>
@@ -1203,20 +3326,15 @@
         </p:nvSpPr>
         <p:spPr>
           <a:xfrm>
-            <a:off x="1106424" y="1173575"/>
-            <a:ext cx="9966960" cy="2926080"/>
+            <a:off x="677335" y="2700867"/>
+            <a:ext cx="8596668" cy="1826581"/>
           </a:xfrm>
         </p:spPr>
         <p:txBody>
-          <a:bodyPr anchor="b">
-            <a:noAutofit/>
-          </a:bodyPr>
+          <a:bodyPr anchor="b"/>
           <a:lstStyle>
-            <a:lvl1pPr algn="ctr">
-              <a:lnSpc>
-                <a:spcPct val="85000"/>
-              </a:lnSpc>
-              <a:defRPr sz="7200" b="0" cap="all" baseline="0"/>
+            <a:lvl1pPr algn="l">
+              <a:defRPr sz="4000" b="0" cap="none"/>
             </a:lvl1pPr>
           </a:lstStyle>
           <a:p>
@@ -1240,20 +3358,21 @@
         </p:nvSpPr>
         <p:spPr>
           <a:xfrm>
-            <a:off x="1709928" y="4154520"/>
-            <a:ext cx="8769096" cy="1363806"/>
+            <a:off x="677335" y="4527448"/>
+            <a:ext cx="8596668" cy="860400"/>
           </a:xfrm>
         </p:spPr>
         <p:txBody>
-          <a:bodyPr anchor="t">
-            <a:normAutofit/>
-          </a:bodyPr>
+          <a:bodyPr anchor="t"/>
           <a:lstStyle>
-            <a:lvl1pPr marL="0" indent="0" algn="ctr">
-              <a:buNone/>
-              <a:defRPr sz="2200">
-                <a:solidFill>
-                  <a:schemeClr val="accent1"/>
+            <a:lvl1pPr marL="0" indent="0" algn="l">
+              <a:buNone/>
+              <a:defRPr sz="2000">
+                <a:solidFill>
+                  <a:schemeClr val="tx1">
+                    <a:lumMod val="50000"/>
+                    <a:lumOff val="50000"/>
+                  </a:schemeClr>
                 </a:solidFill>
               </a:defRPr>
             </a:lvl1pPr>
@@ -1364,7 +3483,7 @@
           <a:p>
             <a:fld id="{3C354BAF-8005-4048-91BB-D5FE8E5DED80}" type="datetimeFigureOut">
               <a:rPr lang="en-KE" smtClean="0"/>
-              <a:t>07/09/2024</a:t>
+              <a:t>08/09/2024</a:t>
             </a:fld>
             <a:endParaRPr lang="en-KE"/>
           </a:p>
@@ -1412,45 +3531,10 @@
           </a:p>
         </p:txBody>
       </p:sp>
-      <p:cxnSp>
-        <p:nvCxnSpPr>
-          <p:cNvPr id="7" name="Straight Connector 6"/>
-          <p:cNvCxnSpPr/>
-          <p:nvPr/>
-        </p:nvCxnSpPr>
-        <p:spPr>
-          <a:xfrm>
-            <a:off x="1981200" y="4020408"/>
-            <a:ext cx="8229601" cy="0"/>
-          </a:xfrm>
-          <a:prstGeom prst="line">
-            <a:avLst/>
-          </a:prstGeom>
-          <a:ln>
-            <a:solidFill>
-              <a:schemeClr val="accent1"/>
-            </a:solidFill>
-          </a:ln>
-        </p:spPr>
-        <p:style>
-          <a:lnRef idx="1">
-            <a:schemeClr val="accent1"/>
-          </a:lnRef>
-          <a:fillRef idx="0">
-            <a:schemeClr val="accent1"/>
-          </a:fillRef>
-          <a:effectRef idx="0">
-            <a:schemeClr val="accent1"/>
-          </a:effectRef>
-          <a:fontRef idx="minor">
-            <a:schemeClr val="tx1"/>
-          </a:fontRef>
-        </p:style>
-      </p:cxnSp>
     </p:spTree>
     <p:extLst>
       <p:ext uri="{BB962C8B-B14F-4D97-AF65-F5344CB8AC3E}">
-        <p14:creationId xmlns:p14="http://schemas.microsoft.com/office/powerpoint/2010/main" val="2336873663"/>
+        <p14:creationId xmlns:p14="http://schemas.microsoft.com/office/powerpoint/2010/main" val="2261958712"/>
       </p:ext>
     </p:extLst>
   </p:cSld>
@@ -1479,7 +3563,7 @@
       </p:grpSpPr>
       <p:sp>
         <p:nvSpPr>
-          <p:cNvPr id="8" name="Title 7"/>
+          <p:cNvPr id="2" name="Title 1"/>
           <p:cNvSpPr>
             <a:spLocks noGrp="1"/>
           </p:cNvSpPr>
@@ -1512,41 +3596,13 @@
         </p:nvSpPr>
         <p:spPr>
           <a:xfrm>
-            <a:off x="1143000" y="2057399"/>
-            <a:ext cx="4754880" cy="4023360"/>
+            <a:off x="677334" y="2160589"/>
+            <a:ext cx="4184035" cy="3880772"/>
           </a:xfrm>
         </p:spPr>
         <p:txBody>
           <a:bodyPr/>
-          <a:lstStyle>
-            <a:lvl1pPr>
-              <a:defRPr sz="2200"/>
-            </a:lvl1pPr>
-            <a:lvl2pPr>
-              <a:defRPr sz="2000"/>
-            </a:lvl2pPr>
-            <a:lvl3pPr>
-              <a:defRPr sz="1800"/>
-            </a:lvl3pPr>
-            <a:lvl4pPr>
-              <a:defRPr sz="1600"/>
-            </a:lvl4pPr>
-            <a:lvl5pPr>
-              <a:defRPr sz="1600"/>
-            </a:lvl5pPr>
-            <a:lvl6pPr>
-              <a:defRPr sz="1600"/>
-            </a:lvl6pPr>
-            <a:lvl7pPr>
-              <a:defRPr sz="1600"/>
-            </a:lvl7pPr>
-            <a:lvl8pPr>
-              <a:defRPr sz="1600"/>
-            </a:lvl8pPr>
-            <a:lvl9pPr>
-              <a:defRPr sz="1600"/>
-            </a:lvl9pPr>
-          </a:lstStyle>
+          <a:lstStyle/>
           <a:p>
             <a:pPr lvl="0"/>
             <a:r>
@@ -1597,41 +3653,13 @@
         </p:nvSpPr>
         <p:spPr>
           <a:xfrm>
-            <a:off x="6267612" y="2057400"/>
-            <a:ext cx="4754880" cy="4023360"/>
+            <a:off x="5089970" y="2160589"/>
+            <a:ext cx="4184034" cy="3880773"/>
           </a:xfrm>
         </p:spPr>
         <p:txBody>
           <a:bodyPr/>
-          <a:lstStyle>
-            <a:lvl1pPr>
-              <a:defRPr sz="2200"/>
-            </a:lvl1pPr>
-            <a:lvl2pPr>
-              <a:defRPr sz="2000"/>
-            </a:lvl2pPr>
-            <a:lvl3pPr>
-              <a:defRPr sz="1800"/>
-            </a:lvl3pPr>
-            <a:lvl4pPr>
-              <a:defRPr sz="1600"/>
-            </a:lvl4pPr>
-            <a:lvl5pPr>
-              <a:defRPr sz="1600"/>
-            </a:lvl5pPr>
-            <a:lvl6pPr>
-              <a:defRPr sz="1600"/>
-            </a:lvl6pPr>
-            <a:lvl7pPr>
-              <a:defRPr sz="1600"/>
-            </a:lvl7pPr>
-            <a:lvl8pPr>
-              <a:defRPr sz="1600"/>
-            </a:lvl8pPr>
-            <a:lvl9pPr>
-              <a:defRPr sz="1600"/>
-            </a:lvl9pPr>
-          </a:lstStyle>
+          <a:lstStyle/>
           <a:p>
             <a:pPr lvl="0"/>
             <a:r>
@@ -1687,7 +3715,7 @@
           <a:p>
             <a:fld id="{3C354BAF-8005-4048-91BB-D5FE8E5DED80}" type="datetimeFigureOut">
               <a:rPr lang="en-KE" smtClean="0"/>
-              <a:t>07/09/2024</a:t>
+              <a:t>08/09/2024</a:t>
             </a:fld>
             <a:endParaRPr lang="en-KE"/>
           </a:p>
@@ -1738,7 +3766,7 @@
     </p:spTree>
     <p:extLst>
       <p:ext uri="{BB962C8B-B14F-4D97-AF65-F5344CB8AC3E}">
-        <p14:creationId xmlns:p14="http://schemas.microsoft.com/office/powerpoint/2010/main" val="3953359756"/>
+        <p14:creationId xmlns:p14="http://schemas.microsoft.com/office/powerpoint/2010/main" val="1299303166"/>
       </p:ext>
     </p:extLst>
   </p:cSld>
@@ -1767,7 +3795,7 @@
       </p:grpSpPr>
       <p:sp>
         <p:nvSpPr>
-          <p:cNvPr id="10" name="Title 9"/>
+          <p:cNvPr id="2" name="Title 1"/>
           <p:cNvSpPr>
             <a:spLocks noGrp="1"/>
           </p:cNvSpPr>
@@ -1778,7 +3806,11 @@
         <p:spPr/>
         <p:txBody>
           <a:bodyPr/>
-          <a:lstStyle/>
+          <a:lstStyle>
+            <a:lvl1pPr>
+              <a:defRPr/>
+            </a:lvl1pPr>
+          </a:lstStyle>
           <a:p>
             <a:r>
               <a:rPr lang="en-US"/>
@@ -1800,19 +3832,18 @@
         </p:nvSpPr>
         <p:spPr>
           <a:xfrm>
-            <a:off x="1143000" y="2001511"/>
-            <a:ext cx="4754880" cy="777240"/>
+            <a:off x="675745" y="2160983"/>
+            <a:ext cx="4185623" cy="576262"/>
           </a:xfrm>
         </p:spPr>
         <p:txBody>
-          <a:bodyPr anchor="ctr"/>
+          <a:bodyPr anchor="b">
+            <a:noAutofit/>
+          </a:bodyPr>
           <a:lstStyle>
             <a:lvl1pPr marL="0" indent="0">
-              <a:spcBef>
-                <a:spcPts val="0"/>
-              </a:spcBef>
-              <a:buNone/>
-              <a:defRPr sz="2400" b="1"/>
+              <a:buNone/>
+              <a:defRPr sz="2400" b="0"/>
             </a:lvl1pPr>
             <a:lvl2pPr marL="457200" indent="0">
               <a:buNone/>
@@ -1868,41 +3899,15 @@
         </p:nvSpPr>
         <p:spPr>
           <a:xfrm>
-            <a:off x="1143000" y="2721483"/>
-            <a:ext cx="4754880" cy="3383280"/>
+            <a:off x="675745" y="2737245"/>
+            <a:ext cx="4185623" cy="3304117"/>
           </a:xfrm>
         </p:spPr>
         <p:txBody>
-          <a:bodyPr/>
-          <a:lstStyle>
-            <a:lvl1pPr>
-              <a:defRPr sz="2200"/>
-            </a:lvl1pPr>
-            <a:lvl2pPr>
-              <a:defRPr sz="2000"/>
-            </a:lvl2pPr>
-            <a:lvl3pPr>
-              <a:defRPr sz="1800"/>
-            </a:lvl3pPr>
-            <a:lvl4pPr>
-              <a:defRPr sz="1600"/>
-            </a:lvl4pPr>
-            <a:lvl5pPr>
-              <a:defRPr sz="1600"/>
-            </a:lvl5pPr>
-            <a:lvl6pPr>
-              <a:defRPr sz="1600"/>
-            </a:lvl6pPr>
-            <a:lvl7pPr>
-              <a:defRPr sz="1600"/>
-            </a:lvl7pPr>
-            <a:lvl8pPr>
-              <a:defRPr sz="1600"/>
-            </a:lvl8pPr>
-            <a:lvl9pPr>
-              <a:defRPr sz="1600"/>
-            </a:lvl9pPr>
-          </a:lstStyle>
+          <a:bodyPr>
+            <a:normAutofit/>
+          </a:bodyPr>
+          <a:lstStyle/>
           <a:p>
             <a:pPr lvl="0"/>
             <a:r>
@@ -1953,19 +3958,18 @@
         </p:nvSpPr>
         <p:spPr>
           <a:xfrm>
-            <a:off x="6269173" y="1999032"/>
-            <a:ext cx="4754880" cy="777240"/>
+            <a:off x="5088383" y="2160983"/>
+            <a:ext cx="4185618" cy="576262"/>
           </a:xfrm>
         </p:spPr>
         <p:txBody>
-          <a:bodyPr anchor="ctr"/>
+          <a:bodyPr anchor="b">
+            <a:noAutofit/>
+          </a:bodyPr>
           <a:lstStyle>
             <a:lvl1pPr marL="0" indent="0">
-              <a:spcBef>
-                <a:spcPts val="0"/>
-              </a:spcBef>
-              <a:buNone/>
-              <a:defRPr sz="2400" b="1"/>
+              <a:buNone/>
+              <a:defRPr sz="2400" b="0"/>
             </a:lvl1pPr>
             <a:lvl2pPr marL="457200" indent="0">
               <a:buNone/>
@@ -2021,41 +4025,15 @@
         </p:nvSpPr>
         <p:spPr>
           <a:xfrm>
-            <a:off x="6269173" y="2719322"/>
-            <a:ext cx="4754880" cy="3383280"/>
+            <a:off x="5088384" y="2737245"/>
+            <a:ext cx="4185617" cy="3304117"/>
           </a:xfrm>
         </p:spPr>
         <p:txBody>
-          <a:bodyPr/>
-          <a:lstStyle>
-            <a:lvl1pPr>
-              <a:defRPr sz="2200"/>
-            </a:lvl1pPr>
-            <a:lvl2pPr>
-              <a:defRPr sz="2000"/>
-            </a:lvl2pPr>
-            <a:lvl3pPr>
-              <a:defRPr sz="1800"/>
-            </a:lvl3pPr>
-            <a:lvl4pPr>
-              <a:defRPr sz="1600"/>
-            </a:lvl4pPr>
-            <a:lvl5pPr>
-              <a:defRPr sz="1600"/>
-            </a:lvl5pPr>
-            <a:lvl6pPr>
-              <a:defRPr sz="1600"/>
-            </a:lvl6pPr>
-            <a:lvl7pPr>
-              <a:defRPr sz="1600"/>
-            </a:lvl7pPr>
-            <a:lvl8pPr>
-              <a:defRPr sz="1600"/>
-            </a:lvl8pPr>
-            <a:lvl9pPr>
-              <a:defRPr sz="1600"/>
-            </a:lvl9pPr>
-          </a:lstStyle>
+          <a:bodyPr>
+            <a:normAutofit/>
+          </a:bodyPr>
+          <a:lstStyle/>
           <a:p>
             <a:pPr lvl="0"/>
             <a:r>
@@ -2111,7 +4089,7 @@
           <a:p>
             <a:fld id="{3C354BAF-8005-4048-91BB-D5FE8E5DED80}" type="datetimeFigureOut">
               <a:rPr lang="en-KE" smtClean="0"/>
-              <a:t>07/09/2024</a:t>
+              <a:t>08/09/2024</a:t>
             </a:fld>
             <a:endParaRPr lang="en-KE"/>
           </a:p>
@@ -2162,7 +4140,7 @@
     </p:spTree>
     <p:extLst>
       <p:ext uri="{BB962C8B-B14F-4D97-AF65-F5344CB8AC3E}">
-        <p14:creationId xmlns:p14="http://schemas.microsoft.com/office/powerpoint/2010/main" val="786598856"/>
+        <p14:creationId xmlns:p14="http://schemas.microsoft.com/office/powerpoint/2010/main" val="1674639904"/>
       </p:ext>
     </p:extLst>
   </p:cSld>
@@ -2199,7 +4177,12 @@
             <p:ph type="title"/>
           </p:nvPr>
         </p:nvSpPr>
-        <p:spPr/>
+        <p:spPr>
+          <a:xfrm>
+            <a:off x="677334" y="609600"/>
+            <a:ext cx="8596668" cy="1320800"/>
+          </a:xfrm>
+        </p:spPr>
         <p:txBody>
           <a:bodyPr/>
           <a:lstStyle/>
@@ -2229,7 +4212,7 @@
           <a:p>
             <a:fld id="{3C354BAF-8005-4048-91BB-D5FE8E5DED80}" type="datetimeFigureOut">
               <a:rPr lang="en-KE" smtClean="0"/>
-              <a:t>07/09/2024</a:t>
+              <a:t>08/09/2024</a:t>
             </a:fld>
             <a:endParaRPr lang="en-KE"/>
           </a:p>
@@ -2280,7 +4263,7 @@
     </p:spTree>
     <p:extLst>
       <p:ext uri="{BB962C8B-B14F-4D97-AF65-F5344CB8AC3E}">
-        <p14:creationId xmlns:p14="http://schemas.microsoft.com/office/powerpoint/2010/main" val="2185371188"/>
+        <p14:creationId xmlns:p14="http://schemas.microsoft.com/office/powerpoint/2010/main" val="1153441723"/>
       </p:ext>
     </p:extLst>
   </p:cSld>
@@ -2324,7 +4307,7 @@
           <a:p>
             <a:fld id="{3C354BAF-8005-4048-91BB-D5FE8E5DED80}" type="datetimeFigureOut">
               <a:rPr lang="en-KE" smtClean="0"/>
-              <a:t>07/09/2024</a:t>
+              <a:t>08/09/2024</a:t>
             </a:fld>
             <a:endParaRPr lang="en-KE"/>
           </a:p>
@@ -2375,7 +4358,7 @@
     </p:spTree>
     <p:extLst>
       <p:ext uri="{BB962C8B-B14F-4D97-AF65-F5344CB8AC3E}">
-        <p14:creationId xmlns:p14="http://schemas.microsoft.com/office/powerpoint/2010/main" val="3541518008"/>
+        <p14:creationId xmlns:p14="http://schemas.microsoft.com/office/powerpoint/2010/main" val="711646548"/>
       </p:ext>
     </p:extLst>
   </p:cSld>
@@ -2414,20 +4397,17 @@
         </p:nvSpPr>
         <p:spPr>
           <a:xfrm>
-            <a:off x="1143000" y="1097280"/>
-            <a:ext cx="3931920" cy="1737360"/>
+            <a:off x="677334" y="1498604"/>
+            <a:ext cx="3854528" cy="1278466"/>
           </a:xfrm>
         </p:spPr>
         <p:txBody>
           <a:bodyPr anchor="b">
-            <a:noAutofit/>
+            <a:normAutofit/>
           </a:bodyPr>
           <a:lstStyle>
             <a:lvl1pPr>
-              <a:lnSpc>
-                <a:spcPct val="90000"/>
-              </a:lnSpc>
-              <a:defRPr sz="4000" b="0"/>
+              <a:defRPr sz="2000"/>
             </a:lvl1pPr>
           </a:lstStyle>
           <a:p>
@@ -2451,41 +4431,15 @@
         </p:nvSpPr>
         <p:spPr>
           <a:xfrm>
-            <a:off x="5852159" y="1097280"/>
-            <a:ext cx="5212080" cy="4663440"/>
+            <a:off x="4760461" y="514924"/>
+            <a:ext cx="4513541" cy="5526437"/>
           </a:xfrm>
         </p:spPr>
         <p:txBody>
-          <a:bodyPr/>
-          <a:lstStyle>
-            <a:lvl1pPr>
-              <a:defRPr sz="3200"/>
-            </a:lvl1pPr>
-            <a:lvl2pPr>
-              <a:defRPr sz="2800"/>
-            </a:lvl2pPr>
-            <a:lvl3pPr>
-              <a:defRPr sz="2400"/>
-            </a:lvl3pPr>
-            <a:lvl4pPr>
-              <a:defRPr sz="2000"/>
-            </a:lvl4pPr>
-            <a:lvl5pPr>
-              <a:defRPr sz="2000"/>
-            </a:lvl5pPr>
-            <a:lvl6pPr>
-              <a:defRPr sz="2000"/>
-            </a:lvl6pPr>
-            <a:lvl7pPr>
-              <a:defRPr sz="2000"/>
-            </a:lvl7pPr>
-            <a:lvl8pPr>
-              <a:defRPr sz="2000"/>
-            </a:lvl8pPr>
-            <a:lvl9pPr>
-              <a:defRPr sz="2000"/>
-            </a:lvl9pPr>
-          </a:lstStyle>
+          <a:bodyPr>
+            <a:normAutofit/>
+          </a:bodyPr>
+          <a:lstStyle/>
           <a:p>
             <a:pPr lvl="0"/>
             <a:r>
@@ -2536,8 +4490,8 @@
         </p:nvSpPr>
         <p:spPr>
           <a:xfrm>
-            <a:off x="1143000" y="2834640"/>
-            <a:ext cx="3931920" cy="3017520"/>
+            <a:off x="677334" y="2777069"/>
+            <a:ext cx="3854528" cy="2584449"/>
           </a:xfrm>
         </p:spPr>
         <p:txBody>
@@ -2546,46 +4500,40 @@
           </a:bodyPr>
           <a:lstStyle>
             <a:lvl1pPr marL="0" indent="0">
-              <a:lnSpc>
-                <a:spcPct val="100000"/>
-              </a:lnSpc>
-              <a:spcBef>
-                <a:spcPts val="1000"/>
-              </a:spcBef>
-              <a:buNone/>
-              <a:defRPr sz="1700"/>
+              <a:buNone/>
+              <a:defRPr sz="1400"/>
             </a:lvl1pPr>
-            <a:lvl2pPr marL="457200" indent="0">
+            <a:lvl2pPr marL="457063" indent="0">
+              <a:buNone/>
+              <a:defRPr sz="1400"/>
+            </a:lvl2pPr>
+            <a:lvl3pPr marL="914126" indent="0">
               <a:buNone/>
               <a:defRPr sz="1200"/>
-            </a:lvl2pPr>
-            <a:lvl3pPr marL="914400" indent="0">
+            </a:lvl3pPr>
+            <a:lvl4pPr marL="1371189" indent="0">
               <a:buNone/>
               <a:defRPr sz="1000"/>
-            </a:lvl3pPr>
-            <a:lvl4pPr marL="1371600" indent="0">
-              <a:buNone/>
-              <a:defRPr sz="900"/>
             </a:lvl4pPr>
-            <a:lvl5pPr marL="1828800" indent="0">
-              <a:buNone/>
-              <a:defRPr sz="900"/>
+            <a:lvl5pPr marL="1828251" indent="0">
+              <a:buNone/>
+              <a:defRPr sz="1000"/>
             </a:lvl5pPr>
-            <a:lvl6pPr marL="2286000" indent="0">
-              <a:buNone/>
-              <a:defRPr sz="900"/>
+            <a:lvl6pPr marL="2285314" indent="0">
+              <a:buNone/>
+              <a:defRPr sz="1000"/>
             </a:lvl6pPr>
-            <a:lvl7pPr marL="2743200" indent="0">
-              <a:buNone/>
-              <a:defRPr sz="900"/>
+            <a:lvl7pPr marL="2742377" indent="0">
+              <a:buNone/>
+              <a:defRPr sz="1000"/>
             </a:lvl7pPr>
-            <a:lvl8pPr marL="3200400" indent="0">
-              <a:buNone/>
-              <a:defRPr sz="900"/>
+            <a:lvl8pPr marL="3199440" indent="0">
+              <a:buNone/>
+              <a:defRPr sz="1000"/>
             </a:lvl8pPr>
-            <a:lvl9pPr marL="3657600" indent="0">
-              <a:buNone/>
-              <a:defRPr sz="900"/>
+            <a:lvl9pPr marL="3656503" indent="0">
+              <a:buNone/>
+              <a:defRPr sz="1000"/>
             </a:lvl9pPr>
           </a:lstStyle>
           <a:p>
@@ -2614,7 +4562,7 @@
           <a:p>
             <a:fld id="{3C354BAF-8005-4048-91BB-D5FE8E5DED80}" type="datetimeFigureOut">
               <a:rPr lang="en-KE" smtClean="0"/>
-              <a:t>07/09/2024</a:t>
+              <a:t>08/09/2024</a:t>
             </a:fld>
             <a:endParaRPr lang="en-KE"/>
           </a:p>
@@ -2665,7 +4613,7 @@
     </p:spTree>
     <p:extLst>
       <p:ext uri="{BB962C8B-B14F-4D97-AF65-F5344CB8AC3E}">
-        <p14:creationId xmlns:p14="http://schemas.microsoft.com/office/powerpoint/2010/main" val="1999253607"/>
+        <p14:creationId xmlns:p14="http://schemas.microsoft.com/office/powerpoint/2010/main" val="1181587613"/>
       </p:ext>
     </p:extLst>
   </p:cSld>
@@ -2704,87 +4652,84 @@
         </p:nvSpPr>
         <p:spPr>
           <a:xfrm>
-            <a:off x="1143000" y="1097280"/>
-            <a:ext cx="3931920" cy="1737360"/>
+            <a:off x="677334" y="4800600"/>
+            <a:ext cx="8596667" cy="566738"/>
           </a:xfrm>
         </p:spPr>
         <p:txBody>
           <a:bodyPr anchor="b">
-            <a:noAutofit/>
-          </a:bodyPr>
-          <a:lstStyle>
-            <a:lvl1pPr>
-              <a:lnSpc>
-                <a:spcPct val="90000"/>
-              </a:lnSpc>
-              <a:defRPr sz="4000" b="0"/>
-            </a:lvl1pPr>
-          </a:lstStyle>
-          <a:p>
-            <a:r>
-              <a:rPr lang="en-US"/>
-              <a:t>Click to edit Master title style</a:t>
-            </a:r>
-            <a:endParaRPr lang="en-US" dirty="0"/>
-          </a:p>
-        </p:txBody>
-      </p:sp>
-      <p:sp>
-        <p:nvSpPr>
-          <p:cNvPr id="3" name="Picture Placeholder 2"/>
-          <p:cNvSpPr>
-            <a:spLocks noGrp="1" noChangeAspect="1"/>
-          </p:cNvSpPr>
-          <p:nvPr>
-            <p:ph type="pic" idx="1"/>
-          </p:nvPr>
-        </p:nvSpPr>
-        <p:spPr>
-          <a:xfrm>
-            <a:off x="5413248" y="1069847"/>
-            <a:ext cx="6099048" cy="4800600"/>
-          </a:xfrm>
-        </p:spPr>
-        <p:txBody>
-          <a:bodyPr lIns="274320" tIns="182880" anchor="t">
             <a:normAutofit/>
           </a:bodyPr>
           <a:lstStyle>
-            <a:lvl1pPr marL="0" indent="0">
-              <a:buNone/>
-              <a:defRPr sz="2800"/>
+            <a:lvl1pPr algn="l">
+              <a:defRPr sz="2400" b="0"/>
+            </a:lvl1pPr>
+          </a:lstStyle>
+          <a:p>
+            <a:r>
+              <a:rPr lang="en-US"/>
+              <a:t>Click to edit Master title style</a:t>
+            </a:r>
+            <a:endParaRPr lang="en-US" dirty="0"/>
+          </a:p>
+        </p:txBody>
+      </p:sp>
+      <p:sp>
+        <p:nvSpPr>
+          <p:cNvPr id="3" name="Picture Placeholder 2"/>
+          <p:cNvSpPr>
+            <a:spLocks noGrp="1" noChangeAspect="1"/>
+          </p:cNvSpPr>
+          <p:nvPr>
+            <p:ph type="pic" idx="1"/>
+          </p:nvPr>
+        </p:nvSpPr>
+        <p:spPr>
+          <a:xfrm>
+            <a:off x="677334" y="609600"/>
+            <a:ext cx="8596668" cy="3845718"/>
+          </a:xfrm>
+        </p:spPr>
+        <p:txBody>
+          <a:bodyPr anchor="t">
+            <a:normAutofit/>
+          </a:bodyPr>
+          <a:lstStyle>
+            <a:lvl1pPr marL="0" indent="0" algn="ctr">
+              <a:buNone/>
+              <a:defRPr sz="1600"/>
             </a:lvl1pPr>
             <a:lvl2pPr marL="457200" indent="0">
               <a:buNone/>
-              <a:defRPr sz="2800"/>
+              <a:defRPr sz="1600"/>
             </a:lvl2pPr>
             <a:lvl3pPr marL="914400" indent="0">
               <a:buNone/>
-              <a:defRPr sz="2400"/>
+              <a:defRPr sz="1600"/>
             </a:lvl3pPr>
             <a:lvl4pPr marL="1371600" indent="0">
               <a:buNone/>
-              <a:defRPr sz="2000"/>
+              <a:defRPr sz="1600"/>
             </a:lvl4pPr>
             <a:lvl5pPr marL="1828800" indent="0">
               <a:buNone/>
-              <a:defRPr sz="2000"/>
+              <a:defRPr sz="1600"/>
             </a:lvl5pPr>
             <a:lvl6pPr marL="2286000" indent="0">
               <a:buNone/>
-              <a:defRPr sz="2000"/>
+              <a:defRPr sz="1600"/>
             </a:lvl6pPr>
             <a:lvl7pPr marL="2743200" indent="0">
               <a:buNone/>
-              <a:defRPr sz="2000"/>
+              <a:defRPr sz="1600"/>
             </a:lvl7pPr>
             <a:lvl8pPr marL="3200400" indent="0">
               <a:buNone/>
-              <a:defRPr sz="2000"/>
+              <a:defRPr sz="1600"/>
             </a:lvl8pPr>
             <a:lvl9pPr marL="3657600" indent="0">
               <a:buNone/>
-              <a:defRPr sz="2000"/>
+              <a:defRPr sz="1600"/>
             </a:lvl9pPr>
           </a:lstStyle>
           <a:p>
@@ -2808,8 +4753,8 @@
         </p:nvSpPr>
         <p:spPr>
           <a:xfrm>
-            <a:off x="1143000" y="2834640"/>
-            <a:ext cx="3931920" cy="2880360"/>
+            <a:off x="677334" y="5367338"/>
+            <a:ext cx="8596667" cy="674024"/>
           </a:xfrm>
         </p:spPr>
         <p:txBody>
@@ -2818,14 +4763,8 @@
           </a:bodyPr>
           <a:lstStyle>
             <a:lvl1pPr marL="0" indent="0">
-              <a:lnSpc>
-                <a:spcPct val="100000"/>
-              </a:lnSpc>
-              <a:spcBef>
-                <a:spcPts val="1000"/>
-              </a:spcBef>
-              <a:buNone/>
-              <a:defRPr sz="1700"/>
+              <a:buNone/>
+              <a:defRPr sz="1200"/>
             </a:lvl1pPr>
             <a:lvl2pPr marL="457200" indent="0">
               <a:buNone/>
@@ -2866,29 +4805,6 @@
               <a:rPr lang="en-US"/>
               <a:t>Click to edit Master text styles</a:t>
             </a:r>
-          </a:p>
-        </p:txBody>
-      </p:sp>
-      <p:sp>
-        <p:nvSpPr>
-          <p:cNvPr id="5" name="Date Placeholder 4"/>
-          <p:cNvSpPr>
-            <a:spLocks noGrp="1"/>
-          </p:cNvSpPr>
-          <p:nvPr>
-            <p:ph type="dt" sz="half" idx="10"/>
-          </p:nvPr>
-        </p:nvSpPr>
-        <p:spPr/>
-        <p:txBody>
-          <a:bodyPr/>
-          <a:lstStyle/>
-          <a:p>
-            <a:fld id="{3C354BAF-8005-4048-91BB-D5FE8E5DED80}" type="datetimeFigureOut">
-              <a:rPr lang="en-KE" smtClean="0"/>
-              <a:t>07/09/2024</a:t>
-            </a:fld>
-            <a:endParaRPr lang="en-KE"/>
           </a:p>
         </p:txBody>
       </p:sp>
@@ -2934,10 +4850,33 @@
           </a:p>
         </p:txBody>
       </p:sp>
+      <p:sp>
+        <p:nvSpPr>
+          <p:cNvPr id="5" name="Date Placeholder 4"/>
+          <p:cNvSpPr>
+            <a:spLocks noGrp="1"/>
+          </p:cNvSpPr>
+          <p:nvPr>
+            <p:ph type="dt" sz="half" idx="10"/>
+          </p:nvPr>
+        </p:nvSpPr>
+        <p:spPr/>
+        <p:txBody>
+          <a:bodyPr/>
+          <a:lstStyle/>
+          <a:p>
+            <a:fld id="{3C354BAF-8005-4048-91BB-D5FE8E5DED80}" type="datetimeFigureOut">
+              <a:rPr lang="en-KE" smtClean="0"/>
+              <a:t>08/09/2024</a:t>
+            </a:fld>
+            <a:endParaRPr lang="en-KE"/>
+          </a:p>
+        </p:txBody>
+      </p:sp>
     </p:spTree>
     <p:extLst>
       <p:ext uri="{BB962C8B-B14F-4D97-AF65-F5344CB8AC3E}">
-        <p14:creationId xmlns:p14="http://schemas.microsoft.com/office/powerpoint/2010/main" val="269781729"/>
+        <p14:creationId xmlns:p14="http://schemas.microsoft.com/office/powerpoint/2010/main" val="2738607826"/>
       </p:ext>
     </p:extLst>
   </p:cSld>
@@ -2951,12 +4890,9 @@
 <p:sldMaster xmlns:a="http://schemas.openxmlformats.org/drawingml/2006/main" xmlns:r="http://schemas.openxmlformats.org/officeDocument/2006/relationships" xmlns:p="http://schemas.openxmlformats.org/presentationml/2006/main">
   <p:cSld>
     <p:bg>
-      <p:bgPr>
-        <a:solidFill>
-          <a:schemeClr val="accent1"/>
-        </a:solidFill>
-        <a:effectLst/>
-      </p:bgPr>
+      <p:bgRef idx="1001">
+        <a:schemeClr val="bg1"/>
+      </p:bgRef>
     </p:bg>
     <p:spTree>
       <p:nvGrpSpPr>
@@ -2972,67 +4908,558 @@
           <a:chExt cx="0" cy="0"/>
         </a:xfrm>
       </p:grpSpPr>
-      <p:sp>
-        <p:nvSpPr>
-          <p:cNvPr id="7" name="Rectangle 6"/>
-          <p:cNvSpPr>
-            <a:spLocks noChangeAspect="1"/>
-          </p:cNvSpPr>
+      <p:grpSp>
+        <p:nvGrpSpPr>
+          <p:cNvPr id="44" name="Group 43"/>
+          <p:cNvGrpSpPr/>
           <p:nvPr/>
+        </p:nvGrpSpPr>
+        <p:grpSpPr>
+          <a:xfrm>
+            <a:off x="0" y="-8467"/>
+            <a:ext cx="12192000" cy="6866467"/>
+            <a:chOff x="0" y="-8467"/>
+            <a:chExt cx="12192000" cy="6866467"/>
+          </a:xfrm>
+        </p:grpSpPr>
+        <p:cxnSp>
+          <p:nvCxnSpPr>
+            <p:cNvPr id="20" name="Straight Connector 19"/>
+            <p:cNvCxnSpPr/>
+            <p:nvPr/>
+          </p:nvCxnSpPr>
+          <p:spPr>
+            <a:xfrm>
+              <a:off x="9371012" y="0"/>
+              <a:ext cx="1219200" cy="6858000"/>
+            </a:xfrm>
+            <a:prstGeom prst="line">
+              <a:avLst/>
+            </a:prstGeom>
+            <a:ln w="9525">
+              <a:solidFill>
+                <a:schemeClr val="accent1">
+                  <a:alpha val="70000"/>
+                </a:schemeClr>
+              </a:solidFill>
+            </a:ln>
+          </p:spPr>
+          <p:style>
+            <a:lnRef idx="2">
+              <a:schemeClr val="accent1"/>
+            </a:lnRef>
+            <a:fillRef idx="0">
+              <a:schemeClr val="accent1"/>
+            </a:fillRef>
+            <a:effectRef idx="1">
+              <a:schemeClr val="accent1"/>
+            </a:effectRef>
+            <a:fontRef idx="minor">
+              <a:schemeClr val="tx1"/>
+            </a:fontRef>
+          </p:style>
+        </p:cxnSp>
+        <p:cxnSp>
+          <p:nvCxnSpPr>
+            <p:cNvPr id="21" name="Straight Connector 20"/>
+            <p:cNvCxnSpPr/>
+            <p:nvPr/>
+          </p:nvCxnSpPr>
+          <p:spPr>
+            <a:xfrm flipH="1">
+              <a:off x="7425267" y="3681413"/>
+              <a:ext cx="4763558" cy="3176587"/>
+            </a:xfrm>
+            <a:prstGeom prst="line">
+              <a:avLst/>
+            </a:prstGeom>
+            <a:ln w="9525">
+              <a:solidFill>
+                <a:schemeClr val="accent1">
+                  <a:alpha val="70000"/>
+                </a:schemeClr>
+              </a:solidFill>
+            </a:ln>
+          </p:spPr>
+          <p:style>
+            <a:lnRef idx="2">
+              <a:schemeClr val="accent1"/>
+            </a:lnRef>
+            <a:fillRef idx="0">
+              <a:schemeClr val="accent1"/>
+            </a:fillRef>
+            <a:effectRef idx="1">
+              <a:schemeClr val="accent1"/>
+            </a:effectRef>
+            <a:fontRef idx="minor">
+              <a:schemeClr val="tx1"/>
+            </a:fontRef>
+          </p:style>
+        </p:cxnSp>
+        <p:sp>
+          <p:nvSpPr>
+            <p:cNvPr id="22" name="Rectangle 23"/>
+            <p:cNvSpPr/>
+            <p:nvPr/>
+          </p:nvSpPr>
+          <p:spPr>
+            <a:xfrm>
+              <a:off x="9181476" y="-8467"/>
+              <a:ext cx="3007349" cy="6866467"/>
+            </a:xfrm>
+            <a:custGeom>
+              <a:avLst/>
+              <a:gdLst/>
+              <a:ahLst/>
+              <a:cxnLst/>
+              <a:rect l="l" t="t" r="r" b="b"/>
+              <a:pathLst>
+                <a:path w="3007349" h="6866467">
+                  <a:moveTo>
+                    <a:pt x="2045532" y="0"/>
+                  </a:moveTo>
+                  <a:lnTo>
+                    <a:pt x="3007349" y="0"/>
+                  </a:lnTo>
+                  <a:lnTo>
+                    <a:pt x="3007349" y="6866467"/>
+                  </a:lnTo>
+                  <a:lnTo>
+                    <a:pt x="0" y="6866467"/>
+                  </a:lnTo>
+                  <a:lnTo>
+                    <a:pt x="2045532" y="0"/>
+                  </a:lnTo>
+                  <a:close/>
+                </a:path>
+              </a:pathLst>
+            </a:custGeom>
+            <a:solidFill>
+              <a:schemeClr val="accent1">
+                <a:alpha val="36000"/>
+              </a:schemeClr>
+            </a:solidFill>
+            <a:ln>
+              <a:noFill/>
+            </a:ln>
+            <a:effectLst/>
+          </p:spPr>
+          <p:style>
+            <a:lnRef idx="1">
+              <a:schemeClr val="accent1"/>
+            </a:lnRef>
+            <a:fillRef idx="3">
+              <a:schemeClr val="accent1"/>
+            </a:fillRef>
+            <a:effectRef idx="2">
+              <a:schemeClr val="accent1"/>
+            </a:effectRef>
+            <a:fontRef idx="minor">
+              <a:schemeClr val="lt1"/>
+            </a:fontRef>
+          </p:style>
+        </p:sp>
+        <p:sp>
+          <p:nvSpPr>
+            <p:cNvPr id="23" name="Rectangle 25"/>
+            <p:cNvSpPr/>
+            <p:nvPr/>
+          </p:nvSpPr>
+          <p:spPr>
+            <a:xfrm>
+              <a:off x="9603442" y="-8467"/>
+              <a:ext cx="2588558" cy="6866467"/>
+            </a:xfrm>
+            <a:custGeom>
+              <a:avLst/>
+              <a:gdLst/>
+              <a:ahLst/>
+              <a:cxnLst/>
+              <a:rect l="l" t="t" r="r" b="b"/>
+              <a:pathLst>
+                <a:path w="2573311" h="6866467">
+                  <a:moveTo>
+                    <a:pt x="0" y="0"/>
+                  </a:moveTo>
+                  <a:lnTo>
+                    <a:pt x="2573311" y="0"/>
+                  </a:lnTo>
+                  <a:lnTo>
+                    <a:pt x="2573311" y="6866467"/>
+                  </a:lnTo>
+                  <a:lnTo>
+                    <a:pt x="1202336" y="6866467"/>
+                  </a:lnTo>
+                  <a:lnTo>
+                    <a:pt x="0" y="0"/>
+                  </a:lnTo>
+                  <a:close/>
+                </a:path>
+              </a:pathLst>
+            </a:custGeom>
+            <a:solidFill>
+              <a:schemeClr val="accent1">
+                <a:alpha val="20000"/>
+              </a:schemeClr>
+            </a:solidFill>
+            <a:ln>
+              <a:noFill/>
+            </a:ln>
+            <a:effectLst/>
+          </p:spPr>
+          <p:style>
+            <a:lnRef idx="1">
+              <a:schemeClr val="accent1"/>
+            </a:lnRef>
+            <a:fillRef idx="3">
+              <a:schemeClr val="accent1"/>
+            </a:fillRef>
+            <a:effectRef idx="2">
+              <a:schemeClr val="accent1"/>
+            </a:effectRef>
+            <a:fontRef idx="minor">
+              <a:schemeClr val="lt1"/>
+            </a:fontRef>
+          </p:style>
+        </p:sp>
+        <p:sp>
+          <p:nvSpPr>
+            <p:cNvPr id="24" name="Isosceles Triangle 23"/>
+            <p:cNvSpPr/>
+            <p:nvPr/>
+          </p:nvSpPr>
+          <p:spPr>
+            <a:xfrm>
+              <a:off x="8932333" y="3048000"/>
+              <a:ext cx="3259667" cy="3810000"/>
+            </a:xfrm>
+            <a:prstGeom prst="triangle">
+              <a:avLst>
+                <a:gd name="adj" fmla="val 100000"/>
+              </a:avLst>
+            </a:prstGeom>
+            <a:solidFill>
+              <a:schemeClr val="accent1">
+                <a:lumMod val="75000"/>
+                <a:alpha val="66000"/>
+              </a:schemeClr>
+            </a:solidFill>
+            <a:ln>
+              <a:noFill/>
+            </a:ln>
+            <a:effectLst/>
+          </p:spPr>
+          <p:style>
+            <a:lnRef idx="1">
+              <a:schemeClr val="accent1"/>
+            </a:lnRef>
+            <a:fillRef idx="3">
+              <a:schemeClr val="accent1"/>
+            </a:fillRef>
+            <a:effectRef idx="2">
+              <a:schemeClr val="accent1"/>
+            </a:effectRef>
+            <a:fontRef idx="minor">
+              <a:schemeClr val="lt1"/>
+            </a:fontRef>
+          </p:style>
+        </p:sp>
+        <p:sp>
+          <p:nvSpPr>
+            <p:cNvPr id="25" name="Rectangle 27"/>
+            <p:cNvSpPr/>
+            <p:nvPr/>
+          </p:nvSpPr>
+          <p:spPr>
+            <a:xfrm>
+              <a:off x="9334500" y="-8467"/>
+              <a:ext cx="2854326" cy="6866467"/>
+            </a:xfrm>
+            <a:custGeom>
+              <a:avLst/>
+              <a:gdLst/>
+              <a:ahLst/>
+              <a:cxnLst/>
+              <a:rect l="l" t="t" r="r" b="b"/>
+              <a:pathLst>
+                <a:path w="2858013" h="6866467">
+                  <a:moveTo>
+                    <a:pt x="0" y="0"/>
+                  </a:moveTo>
+                  <a:lnTo>
+                    <a:pt x="2858013" y="0"/>
+                  </a:lnTo>
+                  <a:lnTo>
+                    <a:pt x="2858013" y="6866467"/>
+                  </a:lnTo>
+                  <a:lnTo>
+                    <a:pt x="2473942" y="6866467"/>
+                  </a:lnTo>
+                  <a:lnTo>
+                    <a:pt x="0" y="0"/>
+                  </a:lnTo>
+                  <a:close/>
+                </a:path>
+              </a:pathLst>
+            </a:custGeom>
+            <a:solidFill>
+              <a:schemeClr val="accent1">
+                <a:lumMod val="75000"/>
+                <a:alpha val="50000"/>
+              </a:schemeClr>
+            </a:solidFill>
+            <a:ln>
+              <a:noFill/>
+            </a:ln>
+            <a:effectLst/>
+          </p:spPr>
+          <p:style>
+            <a:lnRef idx="1">
+              <a:schemeClr val="accent1"/>
+            </a:lnRef>
+            <a:fillRef idx="3">
+              <a:schemeClr val="accent1"/>
+            </a:fillRef>
+            <a:effectRef idx="2">
+              <a:schemeClr val="accent1"/>
+            </a:effectRef>
+            <a:fontRef idx="minor">
+              <a:schemeClr val="lt1"/>
+            </a:fontRef>
+          </p:style>
+        </p:sp>
+        <p:sp>
+          <p:nvSpPr>
+            <p:cNvPr id="26" name="Rectangle 28"/>
+            <p:cNvSpPr/>
+            <p:nvPr/>
+          </p:nvSpPr>
+          <p:spPr>
+            <a:xfrm>
+              <a:off x="10898730" y="-8467"/>
+              <a:ext cx="1290094" cy="6866467"/>
+            </a:xfrm>
+            <a:custGeom>
+              <a:avLst/>
+              <a:gdLst/>
+              <a:ahLst/>
+              <a:cxnLst/>
+              <a:rect l="l" t="t" r="r" b="b"/>
+              <a:pathLst>
+                <a:path w="1290094" h="6858000">
+                  <a:moveTo>
+                    <a:pt x="1019735" y="0"/>
+                  </a:moveTo>
+                  <a:lnTo>
+                    <a:pt x="1290094" y="0"/>
+                  </a:lnTo>
+                  <a:lnTo>
+                    <a:pt x="1290094" y="6858000"/>
+                  </a:lnTo>
+                  <a:lnTo>
+                    <a:pt x="0" y="6858000"/>
+                  </a:lnTo>
+                  <a:lnTo>
+                    <a:pt x="1019735" y="0"/>
+                  </a:lnTo>
+                  <a:close/>
+                </a:path>
+              </a:pathLst>
+            </a:custGeom>
+            <a:solidFill>
+              <a:schemeClr val="accent2">
+                <a:alpha val="70000"/>
+              </a:schemeClr>
+            </a:solidFill>
+            <a:ln>
+              <a:noFill/>
+            </a:ln>
+            <a:effectLst/>
+          </p:spPr>
+          <p:style>
+            <a:lnRef idx="1">
+              <a:schemeClr val="accent1"/>
+            </a:lnRef>
+            <a:fillRef idx="3">
+              <a:schemeClr val="accent1"/>
+            </a:fillRef>
+            <a:effectRef idx="2">
+              <a:schemeClr val="accent1"/>
+            </a:effectRef>
+            <a:fontRef idx="minor">
+              <a:schemeClr val="lt1"/>
+            </a:fontRef>
+          </p:style>
+        </p:sp>
+        <p:sp>
+          <p:nvSpPr>
+            <p:cNvPr id="27" name="Rectangle 29"/>
+            <p:cNvSpPr/>
+            <p:nvPr/>
+          </p:nvSpPr>
+          <p:spPr>
+            <a:xfrm>
+              <a:off x="10938999" y="-8467"/>
+              <a:ext cx="1249825" cy="6866467"/>
+            </a:xfrm>
+            <a:custGeom>
+              <a:avLst/>
+              <a:gdLst/>
+              <a:ahLst/>
+              <a:cxnLst/>
+              <a:rect l="l" t="t" r="r" b="b"/>
+              <a:pathLst>
+                <a:path w="1249825" h="6858000">
+                  <a:moveTo>
+                    <a:pt x="0" y="0"/>
+                  </a:moveTo>
+                  <a:lnTo>
+                    <a:pt x="1249825" y="0"/>
+                  </a:lnTo>
+                  <a:lnTo>
+                    <a:pt x="1249825" y="6858000"/>
+                  </a:lnTo>
+                  <a:lnTo>
+                    <a:pt x="1109382" y="6858000"/>
+                  </a:lnTo>
+                  <a:lnTo>
+                    <a:pt x="0" y="0"/>
+                  </a:lnTo>
+                  <a:close/>
+                </a:path>
+              </a:pathLst>
+            </a:custGeom>
+            <a:solidFill>
+              <a:schemeClr val="accent2">
+                <a:lumMod val="75000"/>
+                <a:alpha val="80000"/>
+              </a:schemeClr>
+            </a:solidFill>
+            <a:ln>
+              <a:noFill/>
+            </a:ln>
+            <a:effectLst/>
+          </p:spPr>
+          <p:style>
+            <a:lnRef idx="1">
+              <a:schemeClr val="accent1"/>
+            </a:lnRef>
+            <a:fillRef idx="3">
+              <a:schemeClr val="accent1"/>
+            </a:fillRef>
+            <a:effectRef idx="2">
+              <a:schemeClr val="accent1"/>
+            </a:effectRef>
+            <a:fontRef idx="minor">
+              <a:schemeClr val="lt1"/>
+            </a:fontRef>
+          </p:style>
+        </p:sp>
+        <p:sp>
+          <p:nvSpPr>
+            <p:cNvPr id="28" name="Isosceles Triangle 27"/>
+            <p:cNvSpPr/>
+            <p:nvPr/>
+          </p:nvSpPr>
+          <p:spPr>
+            <a:xfrm>
+              <a:off x="10371666" y="3589867"/>
+              <a:ext cx="1817159" cy="3268133"/>
+            </a:xfrm>
+            <a:prstGeom prst="triangle">
+              <a:avLst>
+                <a:gd name="adj" fmla="val 100000"/>
+              </a:avLst>
+            </a:prstGeom>
+            <a:solidFill>
+              <a:schemeClr val="accent1">
+                <a:lumMod val="75000"/>
+                <a:alpha val="66000"/>
+              </a:schemeClr>
+            </a:solidFill>
+            <a:ln>
+              <a:noFill/>
+            </a:ln>
+            <a:effectLst/>
+          </p:spPr>
+          <p:style>
+            <a:lnRef idx="1">
+              <a:schemeClr val="accent1"/>
+            </a:lnRef>
+            <a:fillRef idx="3">
+              <a:schemeClr val="accent1"/>
+            </a:fillRef>
+            <a:effectRef idx="2">
+              <a:schemeClr val="accent1"/>
+            </a:effectRef>
+            <a:fontRef idx="minor">
+              <a:schemeClr val="lt1"/>
+            </a:fontRef>
+          </p:style>
+        </p:sp>
+        <p:sp>
+          <p:nvSpPr>
+            <p:cNvPr id="19" name="Isosceles Triangle 18"/>
+            <p:cNvSpPr/>
+            <p:nvPr/>
+          </p:nvSpPr>
+          <p:spPr>
+            <a:xfrm>
+              <a:off x="0" y="4013200"/>
+              <a:ext cx="448733" cy="2844800"/>
+            </a:xfrm>
+            <a:prstGeom prst="triangle">
+              <a:avLst>
+                <a:gd name="adj" fmla="val 0"/>
+              </a:avLst>
+            </a:prstGeom>
+            <a:solidFill>
+              <a:schemeClr val="accent1">
+                <a:alpha val="70000"/>
+              </a:schemeClr>
+            </a:solidFill>
+            <a:ln>
+              <a:noFill/>
+            </a:ln>
+            <a:effectLst/>
+          </p:spPr>
+          <p:style>
+            <a:lnRef idx="1">
+              <a:schemeClr val="accent1"/>
+            </a:lnRef>
+            <a:fillRef idx="3">
+              <a:schemeClr val="accent1"/>
+            </a:fillRef>
+            <a:effectRef idx="2">
+              <a:schemeClr val="accent1"/>
+            </a:effectRef>
+            <a:fontRef idx="minor">
+              <a:schemeClr val="lt1"/>
+            </a:fontRef>
+          </p:style>
+        </p:sp>
+      </p:grpSp>
+      <p:sp>
+        <p:nvSpPr>
+          <p:cNvPr id="2" name="Title Placeholder 1"/>
+          <p:cNvSpPr>
+            <a:spLocks noGrp="1"/>
+          </p:cNvSpPr>
+          <p:nvPr>
+            <p:ph type="title"/>
+          </p:nvPr>
         </p:nvSpPr>
         <p:spPr>
           <a:xfrm>
-            <a:off x="231140" y="243840"/>
-            <a:ext cx="11724640" cy="6377939"/>
-          </a:xfrm>
-          <a:prstGeom prst="rect">
-            <a:avLst/>
-          </a:prstGeom>
-          <a:solidFill>
-            <a:schemeClr val="bg1"/>
-          </a:solidFill>
-          <a:ln w="12700">
-            <a:noFill/>
-          </a:ln>
-        </p:spPr>
-        <p:style>
-          <a:lnRef idx="2">
-            <a:schemeClr val="accent1">
-              <a:shade val="50000"/>
-            </a:schemeClr>
-          </a:lnRef>
-          <a:fillRef idx="1">
-            <a:schemeClr val="accent1"/>
-          </a:fillRef>
-          <a:effectRef idx="0">
-            <a:schemeClr val="accent1"/>
-          </a:effectRef>
-          <a:fontRef idx="minor">
-            <a:schemeClr val="lt1"/>
-          </a:fontRef>
-        </p:style>
-      </p:sp>
-      <p:sp>
-        <p:nvSpPr>
-          <p:cNvPr id="2" name="Title Placeholder 1"/>
-          <p:cNvSpPr>
-            <a:spLocks noGrp="1"/>
-          </p:cNvSpPr>
-          <p:nvPr>
-            <p:ph type="title"/>
-          </p:nvPr>
-        </p:nvSpPr>
-        <p:spPr>
-          <a:xfrm>
-            <a:off x="1143000" y="609600"/>
-            <a:ext cx="9875520" cy="1356360"/>
+            <a:off x="677334" y="609600"/>
+            <a:ext cx="8596668" cy="1320800"/>
           </a:xfrm>
           <a:prstGeom prst="rect">
             <a:avLst/>
           </a:prstGeom>
         </p:spPr>
         <p:txBody>
-          <a:bodyPr vert="horz" lIns="91440" tIns="45720" rIns="91440" bIns="45720" rtlCol="0" anchor="ctr">
+          <a:bodyPr vert="horz" lIns="91440" tIns="45720" rIns="91440" bIns="45720" rtlCol="0" anchor="t">
             <a:normAutofit/>
           </a:bodyPr>
           <a:lstStyle/>
@@ -3057,8 +5484,8 @@
         </p:nvSpPr>
         <p:spPr>
           <a:xfrm>
-            <a:off x="1143000" y="2057400"/>
-            <a:ext cx="9872871" cy="4038600"/>
+            <a:off x="677334" y="2160589"/>
+            <a:ext cx="8596668" cy="3880773"/>
           </a:xfrm>
           <a:prstGeom prst="rect">
             <a:avLst/>
@@ -3119,8 +5546,8 @@
         </p:nvSpPr>
         <p:spPr>
           <a:xfrm>
-            <a:off x="1142996" y="6223828"/>
-            <a:ext cx="2329074" cy="365125"/>
+            <a:off x="7205133" y="6041362"/>
+            <a:ext cx="911939" cy="365125"/>
           </a:xfrm>
           <a:prstGeom prst="rect">
             <a:avLst/>
@@ -3129,10 +5556,12 @@
         <p:txBody>
           <a:bodyPr vert="horz" lIns="91440" tIns="45720" rIns="91440" bIns="45720" rtlCol="0" anchor="ctr"/>
           <a:lstStyle>
-            <a:lvl1pPr algn="l">
-              <a:defRPr sz="1200">
-                <a:solidFill>
-                  <a:schemeClr val="accent1"/>
+            <a:lvl1pPr algn="r">
+              <a:defRPr sz="900">
+                <a:solidFill>
+                  <a:schemeClr val="tx1">
+                    <a:tint val="75000"/>
+                  </a:schemeClr>
                 </a:solidFill>
               </a:defRPr>
             </a:lvl1pPr>
@@ -3140,7 +5569,7 @@
           <a:p>
             <a:fld id="{3C354BAF-8005-4048-91BB-D5FE8E5DED80}" type="datetimeFigureOut">
               <a:rPr lang="en-KE" smtClean="0"/>
-              <a:t>07/09/2024</a:t>
+              <a:t>08/09/2024</a:t>
             </a:fld>
             <a:endParaRPr lang="en-KE"/>
           </a:p>
@@ -3158,8 +5587,8 @@
         </p:nvSpPr>
         <p:spPr>
           <a:xfrm>
-            <a:off x="3949148" y="6223828"/>
-            <a:ext cx="4717774" cy="365125"/>
+            <a:off x="677334" y="6041362"/>
+            <a:ext cx="6297612" cy="365125"/>
           </a:xfrm>
           <a:prstGeom prst="rect">
             <a:avLst/>
@@ -3168,10 +5597,12 @@
         <p:txBody>
           <a:bodyPr vert="horz" lIns="91440" tIns="45720" rIns="91440" bIns="45720" rtlCol="0" anchor="ctr"/>
           <a:lstStyle>
-            <a:lvl1pPr algn="ctr">
-              <a:defRPr sz="1200">
-                <a:solidFill>
-                  <a:schemeClr val="accent1"/>
+            <a:lvl1pPr algn="l">
+              <a:defRPr sz="900">
+                <a:solidFill>
+                  <a:schemeClr val="tx1">
+                    <a:tint val="75000"/>
+                  </a:schemeClr>
                 </a:solidFill>
               </a:defRPr>
             </a:lvl1pPr>
@@ -3193,8 +5624,8 @@
         </p:nvSpPr>
         <p:spPr>
           <a:xfrm>
-            <a:off x="9329530" y="6223828"/>
-            <a:ext cx="1706217" cy="365125"/>
+            <a:off x="8590663" y="6041362"/>
+            <a:ext cx="683339" cy="365125"/>
           </a:xfrm>
           <a:prstGeom prst="rect">
             <a:avLst/>
@@ -3204,7 +5635,7 @@
           <a:bodyPr vert="horz" lIns="91440" tIns="45720" rIns="91440" bIns="45720" rtlCol="0" anchor="ctr"/>
           <a:lstStyle>
             <a:lvl1pPr algn="r">
-              <a:defRPr sz="1200">
+              <a:defRPr sz="900">
                 <a:solidFill>
                   <a:schemeClr val="accent1"/>
                 </a:solidFill>
@@ -3223,35 +5654,37 @@
     </p:spTree>
     <p:extLst>
       <p:ext uri="{BB962C8B-B14F-4D97-AF65-F5344CB8AC3E}">
-        <p14:creationId xmlns:p14="http://schemas.microsoft.com/office/powerpoint/2010/main" val="1623651112"/>
+        <p14:creationId xmlns:p14="http://schemas.microsoft.com/office/powerpoint/2010/main" val="3142547588"/>
       </p:ext>
     </p:extLst>
   </p:cSld>
   <p:clrMap bg1="lt1" tx1="dk1" bg2="lt2" tx2="dk2" accent1="accent1" accent2="accent2" accent3="accent3" accent4="accent4" accent5="accent5" accent6="accent6" hlink="hlink" folHlink="folHlink"/>
   <p:sldLayoutIdLst>
-    <p:sldLayoutId id="2147483731" r:id="rId1"/>
-    <p:sldLayoutId id="2147483732" r:id="rId2"/>
-    <p:sldLayoutId id="2147483733" r:id="rId3"/>
-    <p:sldLayoutId id="2147483734" r:id="rId4"/>
-    <p:sldLayoutId id="2147483735" r:id="rId5"/>
-    <p:sldLayoutId id="2147483736" r:id="rId6"/>
-    <p:sldLayoutId id="2147483737" r:id="rId7"/>
-    <p:sldLayoutId id="2147483738" r:id="rId8"/>
-    <p:sldLayoutId id="2147483739" r:id="rId9"/>
-    <p:sldLayoutId id="2147483740" r:id="rId10"/>
-    <p:sldLayoutId id="2147483741" r:id="rId11"/>
+    <p:sldLayoutId id="2147483772" r:id="rId1"/>
+    <p:sldLayoutId id="2147483773" r:id="rId2"/>
+    <p:sldLayoutId id="2147483774" r:id="rId3"/>
+    <p:sldLayoutId id="2147483775" r:id="rId4"/>
+    <p:sldLayoutId id="2147483776" r:id="rId5"/>
+    <p:sldLayoutId id="2147483777" r:id="rId6"/>
+    <p:sldLayoutId id="2147483778" r:id="rId7"/>
+    <p:sldLayoutId id="2147483779" r:id="rId8"/>
+    <p:sldLayoutId id="2147483780" r:id="rId9"/>
+    <p:sldLayoutId id="2147483781" r:id="rId10"/>
+    <p:sldLayoutId id="2147483782" r:id="rId11"/>
+    <p:sldLayoutId id="2147483783" r:id="rId12"/>
+    <p:sldLayoutId id="2147483784" r:id="rId13"/>
+    <p:sldLayoutId id="2147483785" r:id="rId14"/>
+    <p:sldLayoutId id="2147483786" r:id="rId15"/>
+    <p:sldLayoutId id="2147483787" r:id="rId16"/>
   </p:sldLayoutIdLst>
   <p:txStyles>
     <p:titleStyle>
-      <a:lvl1pPr algn="l" defTabSz="914400" rtl="0" eaLnBrk="1" latinLnBrk="0" hangingPunct="1">
-        <a:lnSpc>
-          <a:spcPct val="90000"/>
-        </a:lnSpc>
+      <a:lvl1pPr algn="l" defTabSz="457200" rtl="0" eaLnBrk="1" latinLnBrk="0" hangingPunct="1">
         <a:spcBef>
           <a:spcPct val="0"/>
         </a:spcBef>
         <a:buNone/>
-        <a:defRPr sz="4400" kern="1200">
+        <a:defRPr sz="3600" kern="1200">
           <a:solidFill>
             <a:schemeClr val="accent1"/>
           </a:solidFill>
@@ -3260,224 +5693,283 @@
           <a:cs typeface="+mj-cs"/>
         </a:defRPr>
       </a:lvl1pPr>
+      <a:lvl2pPr eaLnBrk="1" hangingPunct="1">
+        <a:defRPr>
+          <a:solidFill>
+            <a:schemeClr val="tx2"/>
+          </a:solidFill>
+        </a:defRPr>
+      </a:lvl2pPr>
+      <a:lvl3pPr eaLnBrk="1" hangingPunct="1">
+        <a:defRPr>
+          <a:solidFill>
+            <a:schemeClr val="tx2"/>
+          </a:solidFill>
+        </a:defRPr>
+      </a:lvl3pPr>
+      <a:lvl4pPr eaLnBrk="1" hangingPunct="1">
+        <a:defRPr>
+          <a:solidFill>
+            <a:schemeClr val="tx2"/>
+          </a:solidFill>
+        </a:defRPr>
+      </a:lvl4pPr>
+      <a:lvl5pPr eaLnBrk="1" hangingPunct="1">
+        <a:defRPr>
+          <a:solidFill>
+            <a:schemeClr val="tx2"/>
+          </a:solidFill>
+        </a:defRPr>
+      </a:lvl5pPr>
+      <a:lvl6pPr eaLnBrk="1" hangingPunct="1">
+        <a:defRPr>
+          <a:solidFill>
+            <a:schemeClr val="tx2"/>
+          </a:solidFill>
+        </a:defRPr>
+      </a:lvl6pPr>
+      <a:lvl7pPr eaLnBrk="1" hangingPunct="1">
+        <a:defRPr>
+          <a:solidFill>
+            <a:schemeClr val="tx2"/>
+          </a:solidFill>
+        </a:defRPr>
+      </a:lvl7pPr>
+      <a:lvl8pPr eaLnBrk="1" hangingPunct="1">
+        <a:defRPr>
+          <a:solidFill>
+            <a:schemeClr val="tx2"/>
+          </a:solidFill>
+        </a:defRPr>
+      </a:lvl8pPr>
+      <a:lvl9pPr eaLnBrk="1" hangingPunct="1">
+        <a:defRPr>
+          <a:solidFill>
+            <a:schemeClr val="tx2"/>
+          </a:solidFill>
+        </a:defRPr>
+      </a:lvl9pPr>
     </p:titleStyle>
     <p:bodyStyle>
-      <a:lvl1pPr marL="228600" indent="-182880" algn="l" defTabSz="914400" rtl="0" eaLnBrk="1" latinLnBrk="0" hangingPunct="1">
-        <a:lnSpc>
-          <a:spcPct val="90000"/>
-        </a:lnSpc>
+      <a:lvl1pPr marL="342900" indent="-342900" algn="l" defTabSz="457200" rtl="0" eaLnBrk="1" latinLnBrk="0" hangingPunct="1">
         <a:spcBef>
-          <a:spcPts val="1400"/>
+          <a:spcPts val="1000"/>
         </a:spcBef>
+        <a:spcAft>
+          <a:spcPts val="0"/>
+        </a:spcAft>
         <a:buClr>
           <a:schemeClr val="accent1"/>
         </a:buClr>
         <a:buSzPct val="80000"/>
-        <a:buFont typeface="Corbel" pitchFamily="34" charset="0"/>
-        <a:buChar char="•"/>
-        <a:defRPr sz="2200" kern="1200">
+        <a:buFont typeface="Wingdings 3" charset="2"/>
+        <a:buChar char=""/>
+        <a:defRPr sz="1800" kern="1200">
           <a:solidFill>
-            <a:schemeClr val="accent1"/>
+            <a:schemeClr val="tx1">
+              <a:lumMod val="75000"/>
+              <a:lumOff val="25000"/>
+            </a:schemeClr>
           </a:solidFill>
           <a:latin typeface="+mn-lt"/>
           <a:ea typeface="+mn-ea"/>
           <a:cs typeface="+mn-cs"/>
         </a:defRPr>
       </a:lvl1pPr>
-      <a:lvl2pPr marL="457200" indent="-182880" algn="l" defTabSz="914400" rtl="0" eaLnBrk="1" latinLnBrk="0" hangingPunct="1">
-        <a:lnSpc>
-          <a:spcPct val="90000"/>
-        </a:lnSpc>
+      <a:lvl2pPr marL="742950" indent="-285750" algn="l" defTabSz="457200" rtl="0" eaLnBrk="1" latinLnBrk="0" hangingPunct="1">
         <a:spcBef>
-          <a:spcPts val="200"/>
+          <a:spcPts val="1000"/>
         </a:spcBef>
         <a:spcAft>
-          <a:spcPts val="400"/>
+          <a:spcPts val="0"/>
         </a:spcAft>
         <a:buClr>
           <a:schemeClr val="accent1"/>
         </a:buClr>
         <a:buSzPct val="80000"/>
-        <a:buFont typeface="Corbel" pitchFamily="34" charset="0"/>
-        <a:buChar char="•"/>
-        <a:defRPr sz="2000" kern="1200">
+        <a:buFont typeface="Wingdings 3" charset="2"/>
+        <a:buChar char=""/>
+        <a:defRPr sz="1600" kern="1200">
           <a:solidFill>
-            <a:schemeClr val="accent1"/>
+            <a:schemeClr val="tx1">
+              <a:lumMod val="75000"/>
+              <a:lumOff val="25000"/>
+            </a:schemeClr>
           </a:solidFill>
           <a:latin typeface="+mn-lt"/>
           <a:ea typeface="+mn-ea"/>
           <a:cs typeface="+mn-cs"/>
         </a:defRPr>
       </a:lvl2pPr>
-      <a:lvl3pPr marL="731520" indent="-182880" algn="l" defTabSz="914400" rtl="0" eaLnBrk="1" latinLnBrk="0" hangingPunct="1">
-        <a:lnSpc>
-          <a:spcPct val="90000"/>
-        </a:lnSpc>
+      <a:lvl3pPr marL="1143000" indent="-228600" algn="l" defTabSz="457200" rtl="0" eaLnBrk="1" latinLnBrk="0" hangingPunct="1">
         <a:spcBef>
-          <a:spcPts val="200"/>
+          <a:spcPts val="1000"/>
         </a:spcBef>
         <a:spcAft>
-          <a:spcPts val="400"/>
+          <a:spcPts val="0"/>
         </a:spcAft>
         <a:buClr>
           <a:schemeClr val="accent1"/>
         </a:buClr>
         <a:buSzPct val="80000"/>
-        <a:buFont typeface="Corbel" pitchFamily="34" charset="0"/>
-        <a:buChar char="•"/>
-        <a:defRPr sz="1800" kern="1200">
+        <a:buFont typeface="Wingdings 3" charset="2"/>
+        <a:buChar char=""/>
+        <a:defRPr sz="1400" kern="1200">
           <a:solidFill>
-            <a:schemeClr val="accent1"/>
+            <a:schemeClr val="tx1">
+              <a:lumMod val="75000"/>
+              <a:lumOff val="25000"/>
+            </a:schemeClr>
           </a:solidFill>
           <a:latin typeface="+mn-lt"/>
           <a:ea typeface="+mn-ea"/>
           <a:cs typeface="+mn-cs"/>
         </a:defRPr>
       </a:lvl3pPr>
-      <a:lvl4pPr marL="1005840" indent="-182880" algn="l" defTabSz="914400" rtl="0" eaLnBrk="1" latinLnBrk="0" hangingPunct="1">
-        <a:lnSpc>
-          <a:spcPct val="90000"/>
-        </a:lnSpc>
+      <a:lvl4pPr marL="1600200" indent="-228600" algn="l" defTabSz="457200" rtl="0" eaLnBrk="1" latinLnBrk="0" hangingPunct="1">
         <a:spcBef>
-          <a:spcPts val="200"/>
+          <a:spcPts val="1000"/>
         </a:spcBef>
         <a:spcAft>
-          <a:spcPts val="400"/>
+          <a:spcPts val="0"/>
         </a:spcAft>
         <a:buClr>
           <a:schemeClr val="accent1"/>
         </a:buClr>
         <a:buSzPct val="80000"/>
-        <a:buFont typeface="Corbel" pitchFamily="34" charset="0"/>
-        <a:buChar char="•"/>
-        <a:defRPr sz="1600" kern="1200">
+        <a:buFont typeface="Wingdings 3" charset="2"/>
+        <a:buChar char=""/>
+        <a:defRPr sz="1200" kern="1200">
           <a:solidFill>
-            <a:schemeClr val="accent1"/>
+            <a:schemeClr val="tx1">
+              <a:lumMod val="75000"/>
+              <a:lumOff val="25000"/>
+            </a:schemeClr>
           </a:solidFill>
           <a:latin typeface="+mn-lt"/>
           <a:ea typeface="+mn-ea"/>
           <a:cs typeface="+mn-cs"/>
         </a:defRPr>
       </a:lvl4pPr>
-      <a:lvl5pPr marL="1280160" indent="-182880" algn="l" defTabSz="914400" rtl="0" eaLnBrk="1" latinLnBrk="0" hangingPunct="1">
-        <a:lnSpc>
-          <a:spcPct val="90000"/>
-        </a:lnSpc>
+      <a:lvl5pPr marL="2057400" indent="-228600" algn="l" defTabSz="457200" rtl="0" eaLnBrk="1" latinLnBrk="0" hangingPunct="1">
         <a:spcBef>
-          <a:spcPts val="200"/>
+          <a:spcPts val="1000"/>
         </a:spcBef>
         <a:spcAft>
-          <a:spcPts val="400"/>
+          <a:spcPts val="0"/>
         </a:spcAft>
         <a:buClr>
           <a:schemeClr val="accent1"/>
         </a:buClr>
         <a:buSzPct val="80000"/>
-        <a:buFont typeface="Corbel" pitchFamily="34" charset="0"/>
-        <a:buChar char="•"/>
-        <a:defRPr sz="1600" kern="1200">
+        <a:buFont typeface="Wingdings 3" charset="2"/>
+        <a:buChar char=""/>
+        <a:defRPr sz="1200" kern="1200">
           <a:solidFill>
-            <a:schemeClr val="accent1"/>
+            <a:schemeClr val="tx1">
+              <a:lumMod val="75000"/>
+              <a:lumOff val="25000"/>
+            </a:schemeClr>
           </a:solidFill>
           <a:latin typeface="+mn-lt"/>
           <a:ea typeface="+mn-ea"/>
           <a:cs typeface="+mn-cs"/>
         </a:defRPr>
       </a:lvl5pPr>
-      <a:lvl6pPr marL="1600000" indent="-228600" algn="l" defTabSz="914400" rtl="0" eaLnBrk="1" latinLnBrk="0" hangingPunct="1">
-        <a:lnSpc>
-          <a:spcPct val="90000"/>
-        </a:lnSpc>
+      <a:lvl6pPr marL="2514600" indent="-228600" algn="l" defTabSz="457200" rtl="0" eaLnBrk="1" latinLnBrk="0" hangingPunct="1">
         <a:spcBef>
-          <a:spcPts val="200"/>
+          <a:spcPts val="1000"/>
         </a:spcBef>
         <a:spcAft>
-          <a:spcPts val="400"/>
+          <a:spcPts val="0"/>
         </a:spcAft>
         <a:buClr>
           <a:schemeClr val="accent1"/>
         </a:buClr>
         <a:buSzPct val="80000"/>
-        <a:buFont typeface="Corbel" pitchFamily="34" charset="0"/>
-        <a:buChar char="•"/>
-        <a:defRPr sz="1600" kern="1200">
+        <a:buFont typeface="Wingdings 3" charset="2"/>
+        <a:buChar char=""/>
+        <a:defRPr sz="1200" kern="1200">
           <a:solidFill>
-            <a:schemeClr val="accent1"/>
+            <a:schemeClr val="tx1">
+              <a:lumMod val="75000"/>
+              <a:lumOff val="25000"/>
+            </a:schemeClr>
           </a:solidFill>
           <a:latin typeface="+mn-lt"/>
           <a:ea typeface="+mn-ea"/>
           <a:cs typeface="+mn-cs"/>
         </a:defRPr>
       </a:lvl6pPr>
-      <a:lvl7pPr marL="1900000" indent="-228600" algn="l" defTabSz="914400" rtl="0" eaLnBrk="1" latinLnBrk="0" hangingPunct="1">
-        <a:lnSpc>
-          <a:spcPct val="90000"/>
-        </a:lnSpc>
+      <a:lvl7pPr marL="2971800" indent="-228600" algn="l" defTabSz="457200" rtl="0" eaLnBrk="1" latinLnBrk="0" hangingPunct="1">
         <a:spcBef>
-          <a:spcPts val="200"/>
+          <a:spcPts val="1000"/>
         </a:spcBef>
         <a:spcAft>
-          <a:spcPts val="400"/>
+          <a:spcPts val="0"/>
         </a:spcAft>
         <a:buClr>
           <a:schemeClr val="accent1"/>
         </a:buClr>
         <a:buSzPct val="80000"/>
-        <a:buFont typeface="Corbel" pitchFamily="34" charset="0"/>
-        <a:buChar char="•"/>
-        <a:defRPr sz="1600" kern="1200">
+        <a:buFont typeface="Wingdings 3" charset="2"/>
+        <a:buChar char=""/>
+        <a:defRPr sz="1200" kern="1200">
           <a:solidFill>
-            <a:schemeClr val="accent1"/>
+            <a:schemeClr val="tx1">
+              <a:lumMod val="75000"/>
+              <a:lumOff val="25000"/>
+            </a:schemeClr>
           </a:solidFill>
           <a:latin typeface="+mn-lt"/>
           <a:ea typeface="+mn-ea"/>
           <a:cs typeface="+mn-cs"/>
         </a:defRPr>
       </a:lvl7pPr>
-      <a:lvl8pPr marL="2200000" indent="-228600" algn="l" defTabSz="914400" rtl="0" eaLnBrk="1" latinLnBrk="0" hangingPunct="1">
-        <a:lnSpc>
-          <a:spcPct val="90000"/>
-        </a:lnSpc>
+      <a:lvl8pPr marL="3429000" indent="-228600" algn="l" defTabSz="457200" rtl="0" eaLnBrk="1" latinLnBrk="0" hangingPunct="1">
         <a:spcBef>
-          <a:spcPts val="200"/>
+          <a:spcPts val="1000"/>
         </a:spcBef>
         <a:spcAft>
-          <a:spcPts val="400"/>
+          <a:spcPts val="0"/>
         </a:spcAft>
         <a:buClr>
           <a:schemeClr val="accent1"/>
         </a:buClr>
         <a:buSzPct val="80000"/>
-        <a:buFont typeface="Corbel" pitchFamily="34" charset="0"/>
-        <a:buChar char="•"/>
-        <a:defRPr sz="1600" kern="1200">
+        <a:buFont typeface="Wingdings 3" charset="2"/>
+        <a:buChar char=""/>
+        <a:defRPr sz="1200" kern="1200">
           <a:solidFill>
-            <a:schemeClr val="accent1"/>
+            <a:schemeClr val="tx1">
+              <a:lumMod val="75000"/>
+              <a:lumOff val="25000"/>
+            </a:schemeClr>
           </a:solidFill>
           <a:latin typeface="+mn-lt"/>
           <a:ea typeface="+mn-ea"/>
           <a:cs typeface="+mn-cs"/>
         </a:defRPr>
       </a:lvl8pPr>
-      <a:lvl9pPr marL="2500000" indent="-228600" algn="l" defTabSz="914400" rtl="0" eaLnBrk="1" latinLnBrk="0" hangingPunct="1">
-        <a:lnSpc>
-          <a:spcPct val="90000"/>
-        </a:lnSpc>
+      <a:lvl9pPr marL="3886200" indent="-228600" algn="l" defTabSz="457200" rtl="0" eaLnBrk="1" latinLnBrk="0" hangingPunct="1">
         <a:spcBef>
-          <a:spcPts val="200"/>
+          <a:spcPts val="1000"/>
         </a:spcBef>
         <a:spcAft>
-          <a:spcPts val="400"/>
+          <a:spcPts val="0"/>
         </a:spcAft>
         <a:buClr>
           <a:schemeClr val="accent1"/>
         </a:buClr>
         <a:buSzPct val="80000"/>
-        <a:buFont typeface="Corbel" pitchFamily="34" charset="0"/>
-        <a:buChar char="•"/>
-        <a:defRPr sz="1600" kern="1200">
+        <a:buFont typeface="Wingdings 3" charset="2"/>
+        <a:buChar char=""/>
+        <a:defRPr sz="1200" kern="1200">
           <a:solidFill>
-            <a:schemeClr val="accent1"/>
+            <a:schemeClr val="tx1">
+              <a:lumMod val="75000"/>
+              <a:lumOff val="25000"/>
+            </a:schemeClr>
           </a:solidFill>
           <a:latin typeface="+mn-lt"/>
           <a:ea typeface="+mn-ea"/>
@@ -3489,7 +5981,7 @@
       <a:defPPr>
         <a:defRPr lang="en-US"/>
       </a:defPPr>
-      <a:lvl1pPr marL="0" algn="l" defTabSz="914400" rtl="0" eaLnBrk="1" latinLnBrk="0" hangingPunct="1">
+      <a:lvl1pPr marL="0" algn="l" defTabSz="457200" rtl="0" eaLnBrk="1" latinLnBrk="0" hangingPunct="1">
         <a:defRPr sz="1800" kern="1200">
           <a:solidFill>
             <a:schemeClr val="tx1"/>
@@ -3499,7 +5991,7 @@
           <a:cs typeface="+mn-cs"/>
         </a:defRPr>
       </a:lvl1pPr>
-      <a:lvl2pPr marL="457200" algn="l" defTabSz="914400" rtl="0" eaLnBrk="1" latinLnBrk="0" hangingPunct="1">
+      <a:lvl2pPr marL="457200" algn="l" defTabSz="457200" rtl="0" eaLnBrk="1" latinLnBrk="0" hangingPunct="1">
         <a:defRPr sz="1800" kern="1200">
           <a:solidFill>
             <a:schemeClr val="tx1"/>
@@ -3509,7 +6001,7 @@
           <a:cs typeface="+mn-cs"/>
         </a:defRPr>
       </a:lvl2pPr>
-      <a:lvl3pPr marL="914400" algn="l" defTabSz="914400" rtl="0" eaLnBrk="1" latinLnBrk="0" hangingPunct="1">
+      <a:lvl3pPr marL="914400" algn="l" defTabSz="457200" rtl="0" eaLnBrk="1" latinLnBrk="0" hangingPunct="1">
         <a:defRPr sz="1800" kern="1200">
           <a:solidFill>
             <a:schemeClr val="tx1"/>
@@ -3519,7 +6011,7 @@
           <a:cs typeface="+mn-cs"/>
         </a:defRPr>
       </a:lvl3pPr>
-      <a:lvl4pPr marL="1371600" algn="l" defTabSz="914400" rtl="0" eaLnBrk="1" latinLnBrk="0" hangingPunct="1">
+      <a:lvl4pPr marL="1371600" algn="l" defTabSz="457200" rtl="0" eaLnBrk="1" latinLnBrk="0" hangingPunct="1">
         <a:defRPr sz="1800" kern="1200">
           <a:solidFill>
             <a:schemeClr val="tx1"/>
@@ -3529,7 +6021,7 @@
           <a:cs typeface="+mn-cs"/>
         </a:defRPr>
       </a:lvl4pPr>
-      <a:lvl5pPr marL="1828800" algn="l" defTabSz="914400" rtl="0" eaLnBrk="1" latinLnBrk="0" hangingPunct="1">
+      <a:lvl5pPr marL="1828800" algn="l" defTabSz="457200" rtl="0" eaLnBrk="1" latinLnBrk="0" hangingPunct="1">
         <a:defRPr sz="1800" kern="1200">
           <a:solidFill>
             <a:schemeClr val="tx1"/>
@@ -3539,7 +6031,7 @@
           <a:cs typeface="+mn-cs"/>
         </a:defRPr>
       </a:lvl5pPr>
-      <a:lvl6pPr marL="2286000" algn="l" defTabSz="914400" rtl="0" eaLnBrk="1" latinLnBrk="0" hangingPunct="1">
+      <a:lvl6pPr marL="2286000" algn="l" defTabSz="457200" rtl="0" eaLnBrk="1" latinLnBrk="0" hangingPunct="1">
         <a:defRPr sz="1800" kern="1200">
           <a:solidFill>
             <a:schemeClr val="tx1"/>
@@ -3549,7 +6041,7 @@
           <a:cs typeface="+mn-cs"/>
         </a:defRPr>
       </a:lvl6pPr>
-      <a:lvl7pPr marL="2743200" algn="l" defTabSz="914400" rtl="0" eaLnBrk="1" latinLnBrk="0" hangingPunct="1">
+      <a:lvl7pPr marL="2743200" algn="l" defTabSz="457200" rtl="0" eaLnBrk="1" latinLnBrk="0" hangingPunct="1">
         <a:defRPr sz="1800" kern="1200">
           <a:solidFill>
             <a:schemeClr val="tx1"/>
@@ -3559,7 +6051,7 @@
           <a:cs typeface="+mn-cs"/>
         </a:defRPr>
       </a:lvl7pPr>
-      <a:lvl8pPr marL="3200400" algn="l" defTabSz="914400" rtl="0" eaLnBrk="1" latinLnBrk="0" hangingPunct="1">
+      <a:lvl8pPr marL="3200400" algn="l" defTabSz="457200" rtl="0" eaLnBrk="1" latinLnBrk="0" hangingPunct="1">
         <a:defRPr sz="1800" kern="1200">
           <a:solidFill>
             <a:schemeClr val="tx1"/>
@@ -3569,7 +6061,7 @@
           <a:cs typeface="+mn-cs"/>
         </a:defRPr>
       </a:lvl8pPr>
-      <a:lvl9pPr marL="3657600" algn="l" defTabSz="914400" rtl="0" eaLnBrk="1" latinLnBrk="0" hangingPunct="1">
+      <a:lvl9pPr marL="3657600" algn="l" defTabSz="457200" rtl="0" eaLnBrk="1" latinLnBrk="0" hangingPunct="1">
         <a:defRPr sz="1800" kern="1200">
           <a:solidFill>
             <a:schemeClr val="tx1"/>
@@ -3623,12 +6115,8 @@
           <a:lstStyle/>
           <a:p>
             <a:r>
-              <a:rPr lang="en-US" dirty="0" err="1"/>
-              <a:t>Dspt</a:t>
-            </a:r>
-            <a:r>
               <a:rPr lang="en-US" dirty="0"/>
-              <a:t> Phase 1 Project</a:t>
+              <a:t>Aircraft accident data analysis</a:t>
             </a:r>
             <a:endParaRPr lang="en-KE" dirty="0"/>
           </a:p>
@@ -3658,6 +6146,12 @@
             <a:r>
               <a:rPr lang="en-US" dirty="0"/>
               <a:t>By Mercy Ayub</a:t>
+            </a:r>
+          </a:p>
+          <a:p>
+            <a:r>
+              <a:rPr lang="en-US" dirty="0"/>
+              <a:t>Phase 1 Project</a:t>
             </a:r>
             <a:endParaRPr lang="en-KE" dirty="0"/>
           </a:p>
@@ -4449,15 +6943,59 @@
         </p:nvSpPr>
         <p:spPr>
           <a:xfrm>
-            <a:off x="677334" y="1360715"/>
-            <a:ext cx="8596668" cy="5170714"/>
+            <a:off x="677334" y="1177290"/>
+            <a:ext cx="10958406" cy="5354139"/>
           </a:xfrm>
         </p:spPr>
         <p:txBody>
-          <a:bodyPr/>
-          <a:lstStyle/>
-          <a:p>
-            <a:endParaRPr lang="en-KE" dirty="0"/>
+          <a:bodyPr>
+            <a:normAutofit lnSpcReduction="10000"/>
+          </a:bodyPr>
+          <a:lstStyle/>
+          <a:p>
+            <a:pPr>
+              <a:lnSpc>
+                <a:spcPct val="150000"/>
+              </a:lnSpc>
+            </a:pPr>
+            <a:r>
+              <a:rPr lang="en-US" sz="2800" dirty="0"/>
+              <a:t>Company seeks to start a new business endeavor, operating aircrafts for commercial and private enterprises</a:t>
+            </a:r>
+          </a:p>
+          <a:p>
+            <a:pPr>
+              <a:lnSpc>
+                <a:spcPct val="150000"/>
+              </a:lnSpc>
+            </a:pPr>
+            <a:r>
+              <a:rPr lang="en-US" sz="2800" dirty="0"/>
+              <a:t>what factors should we consider for low risk. This may include looking at the number of injuries, level of damage, etc.</a:t>
+            </a:r>
+          </a:p>
+          <a:p>
+            <a:pPr>
+              <a:lnSpc>
+                <a:spcPct val="150000"/>
+              </a:lnSpc>
+            </a:pPr>
+            <a:r>
+              <a:rPr lang="en-US" sz="2800" dirty="0"/>
+              <a:t>    What make have minimal or no accidents, which models specifically?</a:t>
+            </a:r>
+          </a:p>
+          <a:p>
+            <a:pPr>
+              <a:lnSpc>
+                <a:spcPct val="150000"/>
+              </a:lnSpc>
+            </a:pPr>
+            <a:r>
+              <a:rPr lang="en-US" sz="2800" dirty="0"/>
+              <a:t>    what level of damage did they acquire during those incidences?</a:t>
+            </a:r>
+            <a:endParaRPr lang="en-KE" sz="2800" dirty="0"/>
           </a:p>
         </p:txBody>
       </p:sp>
@@ -4626,12 +7164,50 @@
             <p:ph idx="1"/>
           </p:nvPr>
         </p:nvSpPr>
-        <p:spPr/>
-        <p:txBody>
-          <a:bodyPr/>
-          <a:lstStyle/>
-          <a:p>
-            <a:endParaRPr lang="en-KE"/>
+        <p:spPr>
+          <a:xfrm>
+            <a:off x="1143000" y="1680210"/>
+            <a:ext cx="9872871" cy="4415790"/>
+          </a:xfrm>
+        </p:spPr>
+        <p:txBody>
+          <a:bodyPr>
+            <a:normAutofit/>
+          </a:bodyPr>
+          <a:lstStyle/>
+          <a:p>
+            <a:pPr>
+              <a:lnSpc>
+                <a:spcPct val="150000"/>
+              </a:lnSpc>
+            </a:pPr>
+            <a:r>
+              <a:rPr lang="en-US" sz="2800" dirty="0"/>
+              <a:t>Data on accidents and incidents from aviation used to determine low-risk aircraft</a:t>
+            </a:r>
+          </a:p>
+          <a:p>
+            <a:pPr>
+              <a:lnSpc>
+                <a:spcPct val="150000"/>
+              </a:lnSpc>
+            </a:pPr>
+            <a:r>
+              <a:rPr lang="en-US" sz="2800" dirty="0"/>
+              <a:t>Data from the National Transportation Safety Board</a:t>
+            </a:r>
+          </a:p>
+          <a:p>
+            <a:pPr>
+              <a:lnSpc>
+                <a:spcPct val="150000"/>
+              </a:lnSpc>
+            </a:pPr>
+            <a:r>
+              <a:rPr lang="en-US" sz="2800" dirty="0"/>
+              <a:t>Coverage =&gt; United States, its territories and international waters from 1962 and later</a:t>
+            </a:r>
+            <a:endParaRPr lang="en-KE" sz="2800" dirty="0"/>
           </a:p>
         </p:txBody>
       </p:sp>
@@ -4780,10 +7356,15 @@
             <p:ph type="title"/>
           </p:nvPr>
         </p:nvSpPr>
-        <p:spPr/>
+        <p:spPr>
+          <a:xfrm>
+            <a:off x="628650" y="609600"/>
+            <a:ext cx="10789920" cy="1047750"/>
+          </a:xfrm>
+        </p:spPr>
         <p:txBody>
           <a:bodyPr>
-            <a:normAutofit fontScale="90000"/>
+            <a:normAutofit/>
           </a:bodyPr>
           <a:lstStyle/>
           <a:p>
@@ -4806,15 +7387,6 @@
               </a:rPr>
               <a:t>esults &amp; business application (recommendations)</a:t>
             </a:r>
-            <a:br>
-              <a:rPr lang="en-US" b="0" i="0" dirty="0">
-                <a:solidFill>
-                  <a:srgbClr val="1F2328"/>
-                </a:solidFill>
-                <a:effectLst/>
-                <a:latin typeface="-apple-system"/>
-              </a:rPr>
-            </a:br>
             <a:endParaRPr lang="en-KE" dirty="0"/>
           </a:p>
         </p:txBody>
@@ -4835,12 +7407,17 @@
             <p:ph idx="1"/>
           </p:nvPr>
         </p:nvSpPr>
-        <p:spPr/>
+        <p:spPr>
+          <a:xfrm>
+            <a:off x="891540" y="2034540"/>
+            <a:ext cx="9872871" cy="4038600"/>
+          </a:xfrm>
+        </p:spPr>
         <p:txBody>
           <a:bodyPr/>
           <a:lstStyle/>
           <a:p>
-            <a:endParaRPr lang="en-KE"/>
+            <a:endParaRPr lang="en-KE" dirty="0"/>
           </a:p>
         </p:txBody>
       </p:sp>
@@ -4957,9 +7534,9 @@
 </file>
 
 <file path=ppt/theme/theme1.xml><?xml version="1.0" encoding="utf-8"?>
-<a:theme xmlns:a="http://schemas.openxmlformats.org/drawingml/2006/main" name="Basis">
+<a:theme xmlns:a="http://schemas.openxmlformats.org/drawingml/2006/main" name="Facet">
   <a:themeElements>
-    <a:clrScheme name="Blue">
+    <a:clrScheme name="Blue II">
       <a:dk1>
         <a:sysClr val="windowText" lastClr="000000"/>
       </a:dk1>
@@ -4967,48 +7544,48 @@
         <a:sysClr val="window" lastClr="FFFFFF"/>
       </a:lt1>
       <a:dk2>
-        <a:srgbClr val="17406D"/>
+        <a:srgbClr val="335B74"/>
       </a:dk2>
       <a:lt2>
-        <a:srgbClr val="DBEFF9"/>
+        <a:srgbClr val="DFE3E5"/>
       </a:lt2>
       <a:accent1>
-        <a:srgbClr val="0F6FC6"/>
+        <a:srgbClr val="1CADE4"/>
       </a:accent1>
       <a:accent2>
-        <a:srgbClr val="009DD9"/>
+        <a:srgbClr val="2683C6"/>
       </a:accent2>
       <a:accent3>
-        <a:srgbClr val="0BD0D9"/>
+        <a:srgbClr val="27CED7"/>
       </a:accent3>
       <a:accent4>
-        <a:srgbClr val="10CF9B"/>
+        <a:srgbClr val="42BA97"/>
       </a:accent4>
       <a:accent5>
-        <a:srgbClr val="7CCA62"/>
+        <a:srgbClr val="3E8853"/>
       </a:accent5>
       <a:accent6>
-        <a:srgbClr val="A5C249"/>
+        <a:srgbClr val="62A39F"/>
       </a:accent6>
       <a:hlink>
-        <a:srgbClr val="F49100"/>
+        <a:srgbClr val="6EAC1C"/>
       </a:hlink>
       <a:folHlink>
-        <a:srgbClr val="85DFD0"/>
+        <a:srgbClr val="B26B02"/>
       </a:folHlink>
     </a:clrScheme>
-    <a:fontScheme name="Basis">
+    <a:fontScheme name="Facet">
       <a:majorFont>
-        <a:latin typeface="Corbel" panose="020B0503020204020204"/>
+        <a:latin typeface="Trebuchet MS" panose="020B0603020202020204"/>
         <a:ea typeface=""/>
         <a:cs typeface=""/>
-        <a:font script="Jpan" typeface="ＭＳ ゴシック"/>
+        <a:font script="Jpan" typeface="メイリオ"/>
         <a:font script="Hang" typeface="맑은 고딕"/>
-        <a:font script="Hans" typeface="宋体"/>
-        <a:font script="Hant" typeface="新細明體"/>
+        <a:font script="Hans" typeface="方正姚体"/>
+        <a:font script="Hant" typeface="微軟正黑體"/>
         <a:font script="Arab" typeface="Tahoma"/>
-        <a:font script="Hebr" typeface="Gisha"/>
-        <a:font script="Thai" typeface="DilleniaUPC"/>
+        <a:font script="Hebr" typeface="Arial"/>
+        <a:font script="Thai" typeface="Cordia New"/>
         <a:font script="Ethi" typeface="Nyala"/>
         <a:font script="Beng" typeface="Vrinda"/>
         <a:font script="Gujr" typeface="Shruti"/>
@@ -5034,16 +7611,16 @@
         <a:font script="Geor" typeface="Sylfaen"/>
       </a:majorFont>
       <a:minorFont>
-        <a:latin typeface="Corbel" panose="020B0503020204020204"/>
+        <a:latin typeface="Trebuchet MS" panose="020B0603020202020204"/>
         <a:ea typeface=""/>
         <a:cs typeface=""/>
-        <a:font script="Jpan" typeface="ＭＳ ゴシック"/>
-        <a:font script="Hang" typeface="맑은 고딕"/>
-        <a:font script="Hans" typeface="宋体"/>
-        <a:font script="Hant" typeface="新細明體"/>
+        <a:font script="Jpan" typeface="メイリオ"/>
+        <a:font script="Hang" typeface="HY그래픽M"/>
+        <a:font script="Hans" typeface="华文新魏"/>
+        <a:font script="Hant" typeface="微軟正黑體"/>
         <a:font script="Arab" typeface="Tahoma"/>
         <a:font script="Hebr" typeface="Gisha"/>
-        <a:font script="Thai" typeface="DilleniaUPC"/>
+        <a:font script="Thai" typeface="IrisUPC"/>
         <a:font script="Ethi" typeface="Nyala"/>
         <a:font script="Beng" typeface="Vrinda"/>
         <a:font script="Gujr" typeface="Shruti"/>
@@ -5064,59 +7641,64 @@
         <a:font script="Laoo" typeface="DokChampa"/>
         <a:font script="Sinh" typeface="Iskoola Pota"/>
         <a:font script="Mong" typeface="Mongolian Baiti"/>
-        <a:font script="Viet" typeface="Verdana"/>
+        <a:font script="Viet" typeface="Arial"/>
         <a:font script="Uigh" typeface="Microsoft Uighur"/>
         <a:font script="Geor" typeface="Sylfaen"/>
       </a:minorFont>
     </a:fontScheme>
-    <a:fmtScheme name="Basis">
+    <a:fmtScheme name="Facet">
       <a:fillStyleLst>
         <a:solidFill>
           <a:schemeClr val="phClr"/>
         </a:solidFill>
-        <a:solidFill>
-          <a:schemeClr val="phClr">
-            <a:tint val="55000"/>
-            <a:satMod val="130000"/>
-          </a:schemeClr>
-        </a:solidFill>
         <a:gradFill rotWithShape="1">
           <a:gsLst>
             <a:gs pos="0">
-              <a:schemeClr val="phClr"/>
-            </a:gs>
-            <a:gs pos="90000">
               <a:schemeClr val="phClr">
-                <a:shade val="100000"/>
-                <a:satMod val="105000"/>
+                <a:tint val="65000"/>
+                <a:lumMod val="110000"/>
               </a:schemeClr>
             </a:gs>
-            <a:gs pos="100000">
+            <a:gs pos="88000">
               <a:schemeClr val="phClr">
-                <a:shade val="80000"/>
-                <a:satMod val="120000"/>
+                <a:tint val="90000"/>
               </a:schemeClr>
             </a:gs>
           </a:gsLst>
-          <a:path path="circle">
-            <a:fillToRect l="100000" t="100000" r="100000" b="100000"/>
-          </a:path>
+          <a:lin ang="5400000" scaled="0"/>
+        </a:gradFill>
+        <a:gradFill rotWithShape="1">
+          <a:gsLst>
+            <a:gs pos="0">
+              <a:schemeClr val="phClr">
+                <a:tint val="96000"/>
+                <a:lumMod val="100000"/>
+              </a:schemeClr>
+            </a:gs>
+            <a:gs pos="78000">
+              <a:schemeClr val="phClr">
+                <a:shade val="94000"/>
+                <a:lumMod val="94000"/>
+              </a:schemeClr>
+            </a:gs>
+          </a:gsLst>
+          <a:lin ang="5400000" scaled="0"/>
         </a:gradFill>
       </a:fillStyleLst>
       <a:lnStyleLst>
-        <a:ln w="10000" cap="flat" cmpd="sng" algn="ctr">
+        <a:ln w="12700" cap="rnd" cmpd="sng" algn="ctr">
           <a:solidFill>
             <a:schemeClr val="phClr"/>
           </a:solidFill>
           <a:prstDash val="solid"/>
         </a:ln>
-        <a:ln w="19050" cap="flat" cmpd="sng" algn="ctr">
+        <a:ln w="19050" cap="rnd" cmpd="sng" algn="ctr">
           <a:solidFill>
             <a:schemeClr val="phClr"/>
           </a:solidFill>
           <a:prstDash val="solid"/>
         </a:ln>
-        <a:ln w="53975" cap="flat" cmpd="dbl" algn="ctr">
+        <a:ln w="25400" cap="rnd" cmpd="sng" algn="ctr">
           <a:solidFill>
             <a:schemeClr val="phClr"/>
           </a:solidFill>
@@ -5131,16 +7713,16 @@
           <a:effectLst>
             <a:outerShdw blurRad="38100" dist="25400" dir="5400000" rotWithShape="0">
               <a:srgbClr val="000000">
-                <a:alpha val="45000"/>
+                <a:alpha val="35000"/>
               </a:srgbClr>
             </a:outerShdw>
           </a:effectLst>
         </a:effectStyle>
         <a:effectStyle>
           <a:effectLst>
-            <a:outerShdw blurRad="38100" dist="25400" dir="5400000" rotWithShape="0">
+            <a:outerShdw blurRad="50800" dist="38100" dir="5400000" rotWithShape="0">
               <a:srgbClr val="000000">
-                <a:alpha val="45000"/>
+                <a:alpha val="35000"/>
               </a:srgbClr>
             </a:outerShdw>
           </a:effectLst>
@@ -5148,16 +7730,10 @@
             <a:camera prst="orthographicFront">
               <a:rot lat="0" lon="0" rev="0"/>
             </a:camera>
-            <a:lightRig rig="brightRoom" dir="t"/>
+            <a:lightRig rig="threePt" dir="tl"/>
           </a:scene3d>
-          <a:sp3d extrusionH="12700" contourW="25400" prstMaterial="flat">
-            <a:bevelT w="63500" h="152400" prst="angle"/>
-            <a:contourClr>
-              <a:schemeClr val="phClr">
-                <a:shade val="27000"/>
-                <a:satMod val="120000"/>
-              </a:schemeClr>
-            </a:contourClr>
+          <a:sp3d prstMaterial="plastic">
+            <a:bevelT w="0" h="0"/>
           </a:sp3d>
         </a:effectStyle>
       </a:effectStyleLst>
@@ -5165,21 +7741,42 @@
         <a:solidFill>
           <a:schemeClr val="phClr"/>
         </a:solidFill>
-        <a:solidFill>
-          <a:schemeClr val="phClr">
-            <a:tint val="95000"/>
-            <a:shade val="95000"/>
-            <a:satMod val="140000"/>
-          </a:schemeClr>
-        </a:solidFill>
-        <a:solidFill>
-          <a:schemeClr val="phClr">
-            <a:tint val="90000"/>
-            <a:shade val="85000"/>
-            <a:satMod val="160000"/>
-            <a:lumMod val="110000"/>
-          </a:schemeClr>
-        </a:solidFill>
+        <a:gradFill rotWithShape="1">
+          <a:gsLst>
+            <a:gs pos="0">
+              <a:schemeClr val="phClr">
+                <a:tint val="90000"/>
+                <a:lumMod val="104000"/>
+              </a:schemeClr>
+            </a:gs>
+            <a:gs pos="94000">
+              <a:schemeClr val="phClr">
+                <a:shade val="96000"/>
+                <a:lumMod val="82000"/>
+              </a:schemeClr>
+            </a:gs>
+          </a:gsLst>
+          <a:lin ang="5400000" scaled="0"/>
+        </a:gradFill>
+        <a:gradFill rotWithShape="1">
+          <a:gsLst>
+            <a:gs pos="0">
+              <a:schemeClr val="phClr">
+                <a:tint val="90000"/>
+                <a:lumMod val="110000"/>
+              </a:schemeClr>
+            </a:gs>
+            <a:gs pos="100000">
+              <a:schemeClr val="phClr">
+                <a:shade val="94000"/>
+                <a:lumMod val="96000"/>
+              </a:schemeClr>
+            </a:gs>
+          </a:gsLst>
+          <a:path path="circle">
+            <a:fillToRect l="50000" t="50000" r="100000" b="100000"/>
+          </a:path>
+        </a:gradFill>
       </a:bgFillStyleLst>
     </a:fmtScheme>
   </a:themeElements>
@@ -5187,7 +7784,7 @@
   <a:extraClrSchemeLst/>
   <a:extLst>
     <a:ext uri="{05A4C25C-085E-4340-85A3-A5531E510DB2}">
-      <thm15:themeFamily xmlns:thm15="http://schemas.microsoft.com/office/thememl/2012/main" name="Basis" id="{5665723A-49BA-4B57-8411-A56F8F207965}" vid="{90E45F77-AEFC-46EF-A7C1-5B338C297B02}"/>
+      <thm15:themeFamily xmlns:thm15="http://schemas.microsoft.com/office/thememl/2012/main" name="Facet" id="{C0C680CD-088A-49FC-A102-D699147F32B2}" vid="{0B5AB586-D108-4FC1-8368-649FE654B894}"/>
     </a:ext>
   </a:extLst>
 </a:theme>
